--- a/AWS Learning/AWS Cloud Practitioner Tutorial By Nani.pptx
+++ b/AWS Learning/AWS Cloud Practitioner Tutorial By Nani.pptx
@@ -29,6 +29,13 @@
     <p:sldId id="282" r:id="rId23"/>
     <p:sldId id="283" r:id="rId24"/>
     <p:sldId id="284" r:id="rId25"/>
+    <p:sldId id="285" r:id="rId26"/>
+    <p:sldId id="286" r:id="rId27"/>
+    <p:sldId id="287" r:id="rId28"/>
+    <p:sldId id="288" r:id="rId29"/>
+    <p:sldId id="289" r:id="rId30"/>
+    <p:sldId id="290" r:id="rId31"/>
+    <p:sldId id="291" r:id="rId32"/>
   </p:sldIdLst>
   <p:sldSz cx="12192000" cy="6858000"/>
   <p:notesSz cx="6858000" cy="9144000"/>
@@ -160,6 +167,13 @@
             <p14:sldId id="282"/>
             <p14:sldId id="283"/>
             <p14:sldId id="284"/>
+            <p14:sldId id="285"/>
+            <p14:sldId id="286"/>
+            <p14:sldId id="287"/>
+            <p14:sldId id="288"/>
+            <p14:sldId id="289"/>
+            <p14:sldId id="290"/>
+            <p14:sldId id="291"/>
           </p14:sldIdLst>
         </p14:section>
       </p14:sectionLst>
@@ -326,7 +340,7 @@
           <a:p>
             <a:fld id="{1600AA4D-5555-491A-B473-7EB4B3175B37}" type="datetimeFigureOut">
               <a:rPr lang="en-US" smtClean="0"/>
-              <a:t>3/18/2025</a:t>
+              <a:t>4/9/2025</a:t>
             </a:fld>
             <a:endParaRPr lang="en-US"/>
           </a:p>
@@ -524,7 +538,7 @@
           <a:p>
             <a:fld id="{1600AA4D-5555-491A-B473-7EB4B3175B37}" type="datetimeFigureOut">
               <a:rPr lang="en-US" smtClean="0"/>
-              <a:t>3/18/2025</a:t>
+              <a:t>4/9/2025</a:t>
             </a:fld>
             <a:endParaRPr lang="en-US"/>
           </a:p>
@@ -732,7 +746,7 @@
           <a:p>
             <a:fld id="{1600AA4D-5555-491A-B473-7EB4B3175B37}" type="datetimeFigureOut">
               <a:rPr lang="en-US" smtClean="0"/>
-              <a:t>3/18/2025</a:t>
+              <a:t>4/9/2025</a:t>
             </a:fld>
             <a:endParaRPr lang="en-US"/>
           </a:p>
@@ -930,7 +944,7 @@
           <a:p>
             <a:fld id="{1600AA4D-5555-491A-B473-7EB4B3175B37}" type="datetimeFigureOut">
               <a:rPr lang="en-US" smtClean="0"/>
-              <a:t>3/18/2025</a:t>
+              <a:t>4/9/2025</a:t>
             </a:fld>
             <a:endParaRPr lang="en-US"/>
           </a:p>
@@ -1205,7 +1219,7 @@
           <a:p>
             <a:fld id="{1600AA4D-5555-491A-B473-7EB4B3175B37}" type="datetimeFigureOut">
               <a:rPr lang="en-US" smtClean="0"/>
-              <a:t>3/18/2025</a:t>
+              <a:t>4/9/2025</a:t>
             </a:fld>
             <a:endParaRPr lang="en-US"/>
           </a:p>
@@ -1470,7 +1484,7 @@
           <a:p>
             <a:fld id="{1600AA4D-5555-491A-B473-7EB4B3175B37}" type="datetimeFigureOut">
               <a:rPr lang="en-US" smtClean="0"/>
-              <a:t>3/18/2025</a:t>
+              <a:t>4/9/2025</a:t>
             </a:fld>
             <a:endParaRPr lang="en-US"/>
           </a:p>
@@ -1882,7 +1896,7 @@
           <a:p>
             <a:fld id="{1600AA4D-5555-491A-B473-7EB4B3175B37}" type="datetimeFigureOut">
               <a:rPr lang="en-US" smtClean="0"/>
-              <a:t>3/18/2025</a:t>
+              <a:t>4/9/2025</a:t>
             </a:fld>
             <a:endParaRPr lang="en-US"/>
           </a:p>
@@ -2023,7 +2037,7 @@
           <a:p>
             <a:fld id="{1600AA4D-5555-491A-B473-7EB4B3175B37}" type="datetimeFigureOut">
               <a:rPr lang="en-US" smtClean="0"/>
-              <a:t>3/18/2025</a:t>
+              <a:t>4/9/2025</a:t>
             </a:fld>
             <a:endParaRPr lang="en-US"/>
           </a:p>
@@ -2136,7 +2150,7 @@
           <a:p>
             <a:fld id="{1600AA4D-5555-491A-B473-7EB4B3175B37}" type="datetimeFigureOut">
               <a:rPr lang="en-US" smtClean="0"/>
-              <a:t>3/18/2025</a:t>
+              <a:t>4/9/2025</a:t>
             </a:fld>
             <a:endParaRPr lang="en-US"/>
           </a:p>
@@ -2447,7 +2461,7 @@
           <a:p>
             <a:fld id="{1600AA4D-5555-491A-B473-7EB4B3175B37}" type="datetimeFigureOut">
               <a:rPr lang="en-US" smtClean="0"/>
-              <a:t>3/18/2025</a:t>
+              <a:t>4/9/2025</a:t>
             </a:fld>
             <a:endParaRPr lang="en-US"/>
           </a:p>
@@ -2735,7 +2749,7 @@
           <a:p>
             <a:fld id="{1600AA4D-5555-491A-B473-7EB4B3175B37}" type="datetimeFigureOut">
               <a:rPr lang="en-US" smtClean="0"/>
-              <a:t>3/18/2025</a:t>
+              <a:t>4/9/2025</a:t>
             </a:fld>
             <a:endParaRPr lang="en-US"/>
           </a:p>
@@ -2976,7 +2990,7 @@
           <a:p>
             <a:fld id="{1600AA4D-5555-491A-B473-7EB4B3175B37}" type="datetimeFigureOut">
               <a:rPr lang="en-US" smtClean="0"/>
-              <a:t>3/18/2025</a:t>
+              <a:t>4/9/2025</a:t>
             </a:fld>
             <a:endParaRPr lang="en-US"/>
           </a:p>
@@ -16579,6 +16593,5303 @@
 </p:sld>
 </file>
 
+<file path=ppt/slides/slide25.xml><?xml version="1.0" encoding="utf-8"?>
+<p:sld xmlns:a="http://schemas.openxmlformats.org/drawingml/2006/main" xmlns:r="http://schemas.openxmlformats.org/officeDocument/2006/relationships" xmlns:p="http://schemas.openxmlformats.org/presentationml/2006/main">
+  <p:cSld>
+    <p:spTree>
+      <p:nvGrpSpPr>
+        <p:cNvPr id="1" name="">
+          <a:extLst>
+            <a:ext uri="{FF2B5EF4-FFF2-40B4-BE49-F238E27FC236}">
+              <a16:creationId xmlns:a16="http://schemas.microsoft.com/office/drawing/2014/main" id="{5550C277-AD1A-446C-6DB9-536075E9483E}"/>
+            </a:ext>
+          </a:extLst>
+        </p:cNvPr>
+        <p:cNvGrpSpPr/>
+        <p:nvPr/>
+      </p:nvGrpSpPr>
+      <p:grpSpPr>
+        <a:xfrm>
+          <a:off x="0" y="0"/>
+          <a:ext cx="0" cy="0"/>
+          <a:chOff x="0" y="0"/>
+          <a:chExt cx="0" cy="0"/>
+        </a:xfrm>
+      </p:grpSpPr>
+      <p:sp>
+        <p:nvSpPr>
+          <p:cNvPr id="3" name="Content Placeholder 2">
+            <a:extLst>
+              <a:ext uri="{FF2B5EF4-FFF2-40B4-BE49-F238E27FC236}">
+                <a16:creationId xmlns:a16="http://schemas.microsoft.com/office/drawing/2014/main" id="{BF9E9668-B92E-F70F-8947-3EF245C1BB79}"/>
+              </a:ext>
+            </a:extLst>
+          </p:cNvPr>
+          <p:cNvSpPr>
+            <a:spLocks noGrp="1"/>
+          </p:cNvSpPr>
+          <p:nvPr>
+            <p:ph sz="half" idx="1"/>
+          </p:nvPr>
+        </p:nvSpPr>
+        <p:spPr>
+          <a:xfrm>
+            <a:off x="6172200" y="235671"/>
+            <a:ext cx="5181600" cy="6249969"/>
+          </a:xfrm>
+        </p:spPr>
+        <p:txBody>
+          <a:bodyPr>
+            <a:noAutofit/>
+          </a:bodyPr>
+          <a:lstStyle/>
+          <a:p>
+            <a:pPr marL="0" indent="0">
+              <a:lnSpc>
+                <a:spcPct val="100000"/>
+              </a:lnSpc>
+              <a:spcBef>
+                <a:spcPts val="600"/>
+              </a:spcBef>
+              <a:buNone/>
+            </a:pPr>
+            <a:r>
+              <a:rPr lang="en-US" sz="1000" b="1" dirty="0">
+                <a:latin typeface="Verdana" panose="020B0604030504040204" pitchFamily="34" charset="0"/>
+                <a:ea typeface="Verdana" panose="020B0604030504040204" pitchFamily="34" charset="0"/>
+              </a:rPr>
+              <a:t>**Steps to Create AWS CloudFront Distribution**</a:t>
+            </a:r>
+          </a:p>
+          <a:p>
+            <a:pPr marL="0" indent="0">
+              <a:lnSpc>
+                <a:spcPct val="100000"/>
+              </a:lnSpc>
+              <a:spcBef>
+                <a:spcPts val="600"/>
+              </a:spcBef>
+              <a:buNone/>
+            </a:pPr>
+            <a:r>
+              <a:rPr lang="en-US" sz="1000" b="1" dirty="0">
+                <a:latin typeface="Verdana" panose="020B0604030504040204" pitchFamily="34" charset="0"/>
+                <a:ea typeface="Verdana" panose="020B0604030504040204" pitchFamily="34" charset="0"/>
+              </a:rPr>
+              <a:t>1. **Upload Files to S3**  </a:t>
+            </a:r>
+          </a:p>
+          <a:p>
+            <a:pPr marL="0" indent="0">
+              <a:lnSpc>
+                <a:spcPct val="100000"/>
+              </a:lnSpc>
+              <a:spcBef>
+                <a:spcPts val="600"/>
+              </a:spcBef>
+              <a:buNone/>
+            </a:pPr>
+            <a:r>
+              <a:rPr lang="en-US" sz="1000" dirty="0">
+                <a:latin typeface="Verdana" panose="020B0604030504040204" pitchFamily="34" charset="0"/>
+                <a:ea typeface="Verdana" panose="020B0604030504040204" pitchFamily="34" charset="0"/>
+              </a:rPr>
+              <a:t>   - Create an S3 bucket (e.g., `my-static-site-bucket`)  </a:t>
+            </a:r>
+          </a:p>
+          <a:p>
+            <a:pPr marL="0" indent="0">
+              <a:lnSpc>
+                <a:spcPct val="100000"/>
+              </a:lnSpc>
+              <a:spcBef>
+                <a:spcPts val="600"/>
+              </a:spcBef>
+              <a:buNone/>
+            </a:pPr>
+            <a:r>
+              <a:rPr lang="en-US" sz="1000" dirty="0">
+                <a:latin typeface="Verdana" panose="020B0604030504040204" pitchFamily="34" charset="0"/>
+                <a:ea typeface="Verdana" panose="020B0604030504040204" pitchFamily="34" charset="0"/>
+              </a:rPr>
+              <a:t>   - Upload files (e.g., `index.html`, `style.css`)  </a:t>
+            </a:r>
+          </a:p>
+          <a:p>
+            <a:pPr marL="0" indent="0">
+              <a:lnSpc>
+                <a:spcPct val="100000"/>
+              </a:lnSpc>
+              <a:spcBef>
+                <a:spcPts val="600"/>
+              </a:spcBef>
+              <a:buNone/>
+            </a:pPr>
+            <a:r>
+              <a:rPr lang="en-US" sz="1000" dirty="0">
+                <a:latin typeface="Verdana" panose="020B0604030504040204" pitchFamily="34" charset="0"/>
+                <a:ea typeface="Verdana" panose="020B0604030504040204" pitchFamily="34" charset="0"/>
+              </a:rPr>
+              <a:t>   - Set public access OR use **Origin Access Control (OAC)** for private access</a:t>
+            </a:r>
+          </a:p>
+          <a:p>
+            <a:pPr marL="0" indent="0">
+              <a:lnSpc>
+                <a:spcPct val="100000"/>
+              </a:lnSpc>
+              <a:spcBef>
+                <a:spcPts val="600"/>
+              </a:spcBef>
+              <a:buNone/>
+            </a:pPr>
+            <a:r>
+              <a:rPr lang="en-US" sz="1000" b="1" dirty="0">
+                <a:latin typeface="Verdana" panose="020B0604030504040204" pitchFamily="34" charset="0"/>
+                <a:ea typeface="Verdana" panose="020B0604030504040204" pitchFamily="34" charset="0"/>
+              </a:rPr>
+              <a:t>2. **Open CloudFront Console**  </a:t>
+            </a:r>
+          </a:p>
+          <a:p>
+            <a:pPr marL="0" indent="0">
+              <a:lnSpc>
+                <a:spcPct val="100000"/>
+              </a:lnSpc>
+              <a:spcBef>
+                <a:spcPts val="600"/>
+              </a:spcBef>
+              <a:buNone/>
+            </a:pPr>
+            <a:r>
+              <a:rPr lang="en-US" sz="1000" dirty="0">
+                <a:latin typeface="Verdana" panose="020B0604030504040204" pitchFamily="34" charset="0"/>
+                <a:ea typeface="Verdana" panose="020B0604030504040204" pitchFamily="34" charset="0"/>
+              </a:rPr>
+              <a:t>   - Go to **CloudFront &gt; Create Distribution**</a:t>
+            </a:r>
+          </a:p>
+          <a:p>
+            <a:pPr marL="0" indent="0">
+              <a:lnSpc>
+                <a:spcPct val="100000"/>
+              </a:lnSpc>
+              <a:spcBef>
+                <a:spcPts val="600"/>
+              </a:spcBef>
+              <a:buNone/>
+            </a:pPr>
+            <a:r>
+              <a:rPr lang="en-US" sz="1000" b="1" dirty="0">
+                <a:latin typeface="Verdana" panose="020B0604030504040204" pitchFamily="34" charset="0"/>
+                <a:ea typeface="Verdana" panose="020B0604030504040204" pitchFamily="34" charset="0"/>
+              </a:rPr>
+              <a:t>3. **Configure Origin**  </a:t>
+            </a:r>
+          </a:p>
+          <a:p>
+            <a:pPr marL="0" indent="0">
+              <a:lnSpc>
+                <a:spcPct val="100000"/>
+              </a:lnSpc>
+              <a:spcBef>
+                <a:spcPts val="600"/>
+              </a:spcBef>
+              <a:buNone/>
+            </a:pPr>
+            <a:r>
+              <a:rPr lang="en-US" sz="1000" dirty="0">
+                <a:latin typeface="Verdana" panose="020B0604030504040204" pitchFamily="34" charset="0"/>
+                <a:ea typeface="Verdana" panose="020B0604030504040204" pitchFamily="34" charset="0"/>
+              </a:rPr>
+              <a:t>   - Set **Origin Domain**: your S3 bucket URL  </a:t>
+            </a:r>
+          </a:p>
+          <a:p>
+            <a:pPr marL="0" indent="0">
+              <a:lnSpc>
+                <a:spcPct val="100000"/>
+              </a:lnSpc>
+              <a:spcBef>
+                <a:spcPts val="600"/>
+              </a:spcBef>
+              <a:buNone/>
+            </a:pPr>
+            <a:r>
+              <a:rPr lang="en-US" sz="1000" dirty="0">
+                <a:latin typeface="Verdana" panose="020B0604030504040204" pitchFamily="34" charset="0"/>
+                <a:ea typeface="Verdana" panose="020B0604030504040204" pitchFamily="34" charset="0"/>
+              </a:rPr>
+              <a:t>   - Enable OAC if S3 is private  </a:t>
+            </a:r>
+          </a:p>
+          <a:p>
+            <a:pPr marL="0" indent="0">
+              <a:lnSpc>
+                <a:spcPct val="100000"/>
+              </a:lnSpc>
+              <a:spcBef>
+                <a:spcPts val="600"/>
+              </a:spcBef>
+              <a:buNone/>
+            </a:pPr>
+            <a:r>
+              <a:rPr lang="en-US" sz="1000" dirty="0">
+                <a:latin typeface="Verdana" panose="020B0604030504040204" pitchFamily="34" charset="0"/>
+                <a:ea typeface="Verdana" panose="020B0604030504040204" pitchFamily="34" charset="0"/>
+              </a:rPr>
+              <a:t>   - (Optional) Add **Origin Path** if using subfolders</a:t>
+            </a:r>
+          </a:p>
+          <a:p>
+            <a:pPr marL="0" indent="0">
+              <a:lnSpc>
+                <a:spcPct val="100000"/>
+              </a:lnSpc>
+              <a:spcBef>
+                <a:spcPts val="600"/>
+              </a:spcBef>
+              <a:buNone/>
+            </a:pPr>
+            <a:r>
+              <a:rPr lang="en-US" sz="1000" b="1" dirty="0">
+                <a:latin typeface="Verdana" panose="020B0604030504040204" pitchFamily="34" charset="0"/>
+                <a:ea typeface="Verdana" panose="020B0604030504040204" pitchFamily="34" charset="0"/>
+              </a:rPr>
+              <a:t>4. **Set Cache Behavior**  </a:t>
+            </a:r>
+          </a:p>
+          <a:p>
+            <a:pPr marL="0" indent="0">
+              <a:lnSpc>
+                <a:spcPct val="100000"/>
+              </a:lnSpc>
+              <a:spcBef>
+                <a:spcPts val="600"/>
+              </a:spcBef>
+              <a:buNone/>
+            </a:pPr>
+            <a:r>
+              <a:rPr lang="en-US" sz="1000" dirty="0">
+                <a:latin typeface="Verdana" panose="020B0604030504040204" pitchFamily="34" charset="0"/>
+                <a:ea typeface="Verdana" panose="020B0604030504040204" pitchFamily="34" charset="0"/>
+              </a:rPr>
+              <a:t>   - **Viewer Protocol Policy**: Redirect HTTP to HTTPS  </a:t>
+            </a:r>
+          </a:p>
+          <a:p>
+            <a:pPr marL="0" indent="0">
+              <a:lnSpc>
+                <a:spcPct val="100000"/>
+              </a:lnSpc>
+              <a:spcBef>
+                <a:spcPts val="600"/>
+              </a:spcBef>
+              <a:buNone/>
+            </a:pPr>
+            <a:r>
+              <a:rPr lang="en-US" sz="1000" dirty="0">
+                <a:latin typeface="Verdana" panose="020B0604030504040204" pitchFamily="34" charset="0"/>
+                <a:ea typeface="Verdana" panose="020B0604030504040204" pitchFamily="34" charset="0"/>
+              </a:rPr>
+              <a:t>   - **Allowed Methods**: GET, HEAD (default for static)  </a:t>
+            </a:r>
+          </a:p>
+          <a:p>
+            <a:pPr marL="0" indent="0">
+              <a:lnSpc>
+                <a:spcPct val="100000"/>
+              </a:lnSpc>
+              <a:spcBef>
+                <a:spcPts val="600"/>
+              </a:spcBef>
+              <a:buNone/>
+            </a:pPr>
+            <a:r>
+              <a:rPr lang="en-US" sz="1000" dirty="0">
+                <a:latin typeface="Verdana" panose="020B0604030504040204" pitchFamily="34" charset="0"/>
+                <a:ea typeface="Verdana" panose="020B0604030504040204" pitchFamily="34" charset="0"/>
+              </a:rPr>
+              <a:t>   - **Caching**: Use origin headers or define TTLs</a:t>
+            </a:r>
+          </a:p>
+          <a:p>
+            <a:pPr marL="0" indent="0">
+              <a:lnSpc>
+                <a:spcPct val="100000"/>
+              </a:lnSpc>
+              <a:spcBef>
+                <a:spcPts val="600"/>
+              </a:spcBef>
+              <a:buNone/>
+            </a:pPr>
+            <a:r>
+              <a:rPr lang="en-US" sz="1000" b="1" dirty="0">
+                <a:latin typeface="Verdana" panose="020B0604030504040204" pitchFamily="34" charset="0"/>
+                <a:ea typeface="Verdana" panose="020B0604030504040204" pitchFamily="34" charset="0"/>
+              </a:rPr>
+              <a:t>5. **Distribution Settings**  </a:t>
+            </a:r>
+          </a:p>
+          <a:p>
+            <a:pPr marL="0" indent="0">
+              <a:lnSpc>
+                <a:spcPct val="100000"/>
+              </a:lnSpc>
+              <a:spcBef>
+                <a:spcPts val="600"/>
+              </a:spcBef>
+              <a:buNone/>
+            </a:pPr>
+            <a:r>
+              <a:rPr lang="en-US" sz="1000" dirty="0">
+                <a:latin typeface="Verdana" panose="020B0604030504040204" pitchFamily="34" charset="0"/>
+                <a:ea typeface="Verdana" panose="020B0604030504040204" pitchFamily="34" charset="0"/>
+              </a:rPr>
+              <a:t>   - **Default Root Object**: `index.html`  </a:t>
+            </a:r>
+          </a:p>
+          <a:p>
+            <a:pPr marL="0" indent="0">
+              <a:lnSpc>
+                <a:spcPct val="100000"/>
+              </a:lnSpc>
+              <a:spcBef>
+                <a:spcPts val="600"/>
+              </a:spcBef>
+              <a:buNone/>
+            </a:pPr>
+            <a:r>
+              <a:rPr lang="en-US" sz="1000" dirty="0">
+                <a:latin typeface="Verdana" panose="020B0604030504040204" pitchFamily="34" charset="0"/>
+                <a:ea typeface="Verdana" panose="020B0604030504040204" pitchFamily="34" charset="0"/>
+              </a:rPr>
+              <a:t>   - **Price Class**: Choose based on region/cost  </a:t>
+            </a:r>
+          </a:p>
+          <a:p>
+            <a:pPr marL="0" indent="0">
+              <a:lnSpc>
+                <a:spcPct val="100000"/>
+              </a:lnSpc>
+              <a:spcBef>
+                <a:spcPts val="600"/>
+              </a:spcBef>
+              <a:buNone/>
+            </a:pPr>
+            <a:r>
+              <a:rPr lang="en-US" sz="1000" dirty="0">
+                <a:latin typeface="Verdana" panose="020B0604030504040204" pitchFamily="34" charset="0"/>
+                <a:ea typeface="Verdana" panose="020B0604030504040204" pitchFamily="34" charset="0"/>
+              </a:rPr>
+              <a:t>   - **SSL**: Use default or custom ACM cert  </a:t>
+            </a:r>
+          </a:p>
+          <a:p>
+            <a:pPr marL="0" indent="0">
+              <a:lnSpc>
+                <a:spcPct val="100000"/>
+              </a:lnSpc>
+              <a:spcBef>
+                <a:spcPts val="600"/>
+              </a:spcBef>
+              <a:buNone/>
+            </a:pPr>
+            <a:r>
+              <a:rPr lang="en-US" sz="1000" dirty="0">
+                <a:latin typeface="Verdana" panose="020B0604030504040204" pitchFamily="34" charset="0"/>
+                <a:ea typeface="Verdana" panose="020B0604030504040204" pitchFamily="34" charset="0"/>
+              </a:rPr>
+              <a:t>   - (Optional) Enable logging</a:t>
+            </a:r>
+          </a:p>
+          <a:p>
+            <a:pPr marL="0" indent="0">
+              <a:lnSpc>
+                <a:spcPct val="100000"/>
+              </a:lnSpc>
+              <a:spcBef>
+                <a:spcPts val="600"/>
+              </a:spcBef>
+              <a:buNone/>
+            </a:pPr>
+            <a:r>
+              <a:rPr lang="en-US" sz="1000" b="1" dirty="0">
+                <a:latin typeface="Verdana" panose="020B0604030504040204" pitchFamily="34" charset="0"/>
+                <a:ea typeface="Verdana" panose="020B0604030504040204" pitchFamily="34" charset="0"/>
+              </a:rPr>
+              <a:t>6. **Create Distribution**  </a:t>
+            </a:r>
+          </a:p>
+          <a:p>
+            <a:pPr marL="0" indent="0">
+              <a:lnSpc>
+                <a:spcPct val="100000"/>
+              </a:lnSpc>
+              <a:spcBef>
+                <a:spcPts val="600"/>
+              </a:spcBef>
+              <a:buNone/>
+            </a:pPr>
+            <a:r>
+              <a:rPr lang="en-US" sz="1000" dirty="0">
+                <a:latin typeface="Verdana" panose="020B0604030504040204" pitchFamily="34" charset="0"/>
+                <a:ea typeface="Verdana" panose="020B0604030504040204" pitchFamily="34" charset="0"/>
+              </a:rPr>
+              <a:t>   - Wait a few minutes for deployment  </a:t>
+            </a:r>
+          </a:p>
+          <a:p>
+            <a:pPr marL="0" indent="0">
+              <a:lnSpc>
+                <a:spcPct val="100000"/>
+              </a:lnSpc>
+              <a:spcBef>
+                <a:spcPts val="600"/>
+              </a:spcBef>
+              <a:buNone/>
+            </a:pPr>
+            <a:r>
+              <a:rPr lang="en-US" sz="1000" dirty="0">
+                <a:latin typeface="Verdana" panose="020B0604030504040204" pitchFamily="34" charset="0"/>
+                <a:ea typeface="Verdana" panose="020B0604030504040204" pitchFamily="34" charset="0"/>
+              </a:rPr>
+              <a:t>   - Use generated URL (e.g., `d123abc4xyz.cloudfront.net`)</a:t>
+            </a:r>
+          </a:p>
+          <a:p>
+            <a:pPr marL="0" indent="0">
+              <a:lnSpc>
+                <a:spcPct val="100000"/>
+              </a:lnSpc>
+              <a:spcBef>
+                <a:spcPts val="600"/>
+              </a:spcBef>
+              <a:buNone/>
+            </a:pPr>
+            <a:r>
+              <a:rPr lang="en-US" sz="1000" b="1" dirty="0">
+                <a:latin typeface="Verdana" panose="020B0604030504040204" pitchFamily="34" charset="0"/>
+                <a:ea typeface="Verdana" panose="020B0604030504040204" pitchFamily="34" charset="0"/>
+              </a:rPr>
+              <a:t>7. **Access &amp; Test**  </a:t>
+            </a:r>
+          </a:p>
+          <a:p>
+            <a:pPr marL="0" indent="0">
+              <a:lnSpc>
+                <a:spcPct val="100000"/>
+              </a:lnSpc>
+              <a:spcBef>
+                <a:spcPts val="600"/>
+              </a:spcBef>
+              <a:buNone/>
+            </a:pPr>
+            <a:r>
+              <a:rPr lang="en-US" sz="1000" dirty="0">
+                <a:latin typeface="Verdana" panose="020B0604030504040204" pitchFamily="34" charset="0"/>
+                <a:ea typeface="Verdana" panose="020B0604030504040204" pitchFamily="34" charset="0"/>
+              </a:rPr>
+              <a:t>   - Open `https://&lt;</a:t>
+            </a:r>
+            <a:r>
+              <a:rPr lang="en-US" sz="1000" dirty="0" err="1">
+                <a:latin typeface="Verdana" panose="020B0604030504040204" pitchFamily="34" charset="0"/>
+                <a:ea typeface="Verdana" panose="020B0604030504040204" pitchFamily="34" charset="0"/>
+              </a:rPr>
+              <a:t>CloudFrontDomain</a:t>
+            </a:r>
+            <a:r>
+              <a:rPr lang="en-US" sz="1000" dirty="0">
+                <a:latin typeface="Verdana" panose="020B0604030504040204" pitchFamily="34" charset="0"/>
+                <a:ea typeface="Verdana" panose="020B0604030504040204" pitchFamily="34" charset="0"/>
+              </a:rPr>
+              <a:t>&gt;/index.html`  </a:t>
+            </a:r>
+          </a:p>
+          <a:p>
+            <a:pPr marL="0" indent="0">
+              <a:lnSpc>
+                <a:spcPct val="100000"/>
+              </a:lnSpc>
+              <a:spcBef>
+                <a:spcPts val="600"/>
+              </a:spcBef>
+              <a:buNone/>
+            </a:pPr>
+            <a:r>
+              <a:rPr lang="en-US" sz="1000" dirty="0">
+                <a:latin typeface="Verdana" panose="020B0604030504040204" pitchFamily="34" charset="0"/>
+                <a:ea typeface="Verdana" panose="020B0604030504040204" pitchFamily="34" charset="0"/>
+              </a:rPr>
+              <a:t>   - (Optional) Map custom domain via Route 53 + SSL</a:t>
+            </a:r>
+          </a:p>
+        </p:txBody>
+      </p:sp>
+      <p:sp>
+        <p:nvSpPr>
+          <p:cNvPr id="2" name="Content Placeholder 2">
+            <a:extLst>
+              <a:ext uri="{FF2B5EF4-FFF2-40B4-BE49-F238E27FC236}">
+                <a16:creationId xmlns:a16="http://schemas.microsoft.com/office/drawing/2014/main" id="{8AD4D101-E60E-AEA4-3FC3-08445665267B}"/>
+              </a:ext>
+            </a:extLst>
+          </p:cNvPr>
+          <p:cNvSpPr txBox="1">
+            <a:spLocks/>
+          </p:cNvSpPr>
+          <p:nvPr/>
+        </p:nvSpPr>
+        <p:spPr>
+          <a:xfrm>
+            <a:off x="339365" y="235671"/>
+            <a:ext cx="5832835" cy="6249970"/>
+          </a:xfrm>
+          <a:prstGeom prst="rect">
+            <a:avLst/>
+          </a:prstGeom>
+        </p:spPr>
+        <p:txBody>
+          <a:bodyPr vert="horz" lIns="91440" tIns="45720" rIns="91440" bIns="45720" rtlCol="0">
+            <a:noAutofit/>
+          </a:bodyPr>
+          <a:lstStyle>
+            <a:lvl1pPr marL="228600" indent="-228600" algn="l" defTabSz="914400" rtl="0" eaLnBrk="1" latinLnBrk="0" hangingPunct="1">
+              <a:lnSpc>
+                <a:spcPct val="90000"/>
+              </a:lnSpc>
+              <a:spcBef>
+                <a:spcPts val="1000"/>
+              </a:spcBef>
+              <a:buFont typeface="Arial" panose="020B0604020202020204" pitchFamily="34" charset="0"/>
+              <a:buChar char="•"/>
+              <a:defRPr sz="2800" kern="1200">
+                <a:solidFill>
+                  <a:schemeClr val="tx1"/>
+                </a:solidFill>
+                <a:latin typeface="+mn-lt"/>
+                <a:ea typeface="+mn-ea"/>
+                <a:cs typeface="+mn-cs"/>
+              </a:defRPr>
+            </a:lvl1pPr>
+            <a:lvl2pPr marL="685800" indent="-228600" algn="l" defTabSz="914400" rtl="0" eaLnBrk="1" latinLnBrk="0" hangingPunct="1">
+              <a:lnSpc>
+                <a:spcPct val="90000"/>
+              </a:lnSpc>
+              <a:spcBef>
+                <a:spcPts val="500"/>
+              </a:spcBef>
+              <a:buFont typeface="Arial" panose="020B0604020202020204" pitchFamily="34" charset="0"/>
+              <a:buChar char="•"/>
+              <a:defRPr sz="2400" kern="1200">
+                <a:solidFill>
+                  <a:schemeClr val="tx1"/>
+                </a:solidFill>
+                <a:latin typeface="+mn-lt"/>
+                <a:ea typeface="+mn-ea"/>
+                <a:cs typeface="+mn-cs"/>
+              </a:defRPr>
+            </a:lvl2pPr>
+            <a:lvl3pPr marL="1143000" indent="-228600" algn="l" defTabSz="914400" rtl="0" eaLnBrk="1" latinLnBrk="0" hangingPunct="1">
+              <a:lnSpc>
+                <a:spcPct val="90000"/>
+              </a:lnSpc>
+              <a:spcBef>
+                <a:spcPts val="500"/>
+              </a:spcBef>
+              <a:buFont typeface="Arial" panose="020B0604020202020204" pitchFamily="34" charset="0"/>
+              <a:buChar char="•"/>
+              <a:defRPr sz="2000" kern="1200">
+                <a:solidFill>
+                  <a:schemeClr val="tx1"/>
+                </a:solidFill>
+                <a:latin typeface="+mn-lt"/>
+                <a:ea typeface="+mn-ea"/>
+                <a:cs typeface="+mn-cs"/>
+              </a:defRPr>
+            </a:lvl3pPr>
+            <a:lvl4pPr marL="1600200" indent="-228600" algn="l" defTabSz="914400" rtl="0" eaLnBrk="1" latinLnBrk="0" hangingPunct="1">
+              <a:lnSpc>
+                <a:spcPct val="90000"/>
+              </a:lnSpc>
+              <a:spcBef>
+                <a:spcPts val="500"/>
+              </a:spcBef>
+              <a:buFont typeface="Arial" panose="020B0604020202020204" pitchFamily="34" charset="0"/>
+              <a:buChar char="•"/>
+              <a:defRPr sz="1800" kern="1200">
+                <a:solidFill>
+                  <a:schemeClr val="tx1"/>
+                </a:solidFill>
+                <a:latin typeface="+mn-lt"/>
+                <a:ea typeface="+mn-ea"/>
+                <a:cs typeface="+mn-cs"/>
+              </a:defRPr>
+            </a:lvl4pPr>
+            <a:lvl5pPr marL="2057400" indent="-228600" algn="l" defTabSz="914400" rtl="0" eaLnBrk="1" latinLnBrk="0" hangingPunct="1">
+              <a:lnSpc>
+                <a:spcPct val="90000"/>
+              </a:lnSpc>
+              <a:spcBef>
+                <a:spcPts val="500"/>
+              </a:spcBef>
+              <a:buFont typeface="Arial" panose="020B0604020202020204" pitchFamily="34" charset="0"/>
+              <a:buChar char="•"/>
+              <a:defRPr sz="1800" kern="1200">
+                <a:solidFill>
+                  <a:schemeClr val="tx1"/>
+                </a:solidFill>
+                <a:latin typeface="+mn-lt"/>
+                <a:ea typeface="+mn-ea"/>
+                <a:cs typeface="+mn-cs"/>
+              </a:defRPr>
+            </a:lvl5pPr>
+            <a:lvl6pPr marL="2514600" indent="-228600" algn="l" defTabSz="914400" rtl="0" eaLnBrk="1" latinLnBrk="0" hangingPunct="1">
+              <a:lnSpc>
+                <a:spcPct val="90000"/>
+              </a:lnSpc>
+              <a:spcBef>
+                <a:spcPts val="500"/>
+              </a:spcBef>
+              <a:buFont typeface="Arial" panose="020B0604020202020204" pitchFamily="34" charset="0"/>
+              <a:buChar char="•"/>
+              <a:defRPr sz="1800" kern="1200">
+                <a:solidFill>
+                  <a:schemeClr val="tx1"/>
+                </a:solidFill>
+                <a:latin typeface="+mn-lt"/>
+                <a:ea typeface="+mn-ea"/>
+                <a:cs typeface="+mn-cs"/>
+              </a:defRPr>
+            </a:lvl6pPr>
+            <a:lvl7pPr marL="2971800" indent="-228600" algn="l" defTabSz="914400" rtl="0" eaLnBrk="1" latinLnBrk="0" hangingPunct="1">
+              <a:lnSpc>
+                <a:spcPct val="90000"/>
+              </a:lnSpc>
+              <a:spcBef>
+                <a:spcPts val="500"/>
+              </a:spcBef>
+              <a:buFont typeface="Arial" panose="020B0604020202020204" pitchFamily="34" charset="0"/>
+              <a:buChar char="•"/>
+              <a:defRPr sz="1800" kern="1200">
+                <a:solidFill>
+                  <a:schemeClr val="tx1"/>
+                </a:solidFill>
+                <a:latin typeface="+mn-lt"/>
+                <a:ea typeface="+mn-ea"/>
+                <a:cs typeface="+mn-cs"/>
+              </a:defRPr>
+            </a:lvl7pPr>
+            <a:lvl8pPr marL="3429000" indent="-228600" algn="l" defTabSz="914400" rtl="0" eaLnBrk="1" latinLnBrk="0" hangingPunct="1">
+              <a:lnSpc>
+                <a:spcPct val="90000"/>
+              </a:lnSpc>
+              <a:spcBef>
+                <a:spcPts val="500"/>
+              </a:spcBef>
+              <a:buFont typeface="Arial" panose="020B0604020202020204" pitchFamily="34" charset="0"/>
+              <a:buChar char="•"/>
+              <a:defRPr sz="1800" kern="1200">
+                <a:solidFill>
+                  <a:schemeClr val="tx1"/>
+                </a:solidFill>
+                <a:latin typeface="+mn-lt"/>
+                <a:ea typeface="+mn-ea"/>
+                <a:cs typeface="+mn-cs"/>
+              </a:defRPr>
+            </a:lvl8pPr>
+            <a:lvl9pPr marL="3886200" indent="-228600" algn="l" defTabSz="914400" rtl="0" eaLnBrk="1" latinLnBrk="0" hangingPunct="1">
+              <a:lnSpc>
+                <a:spcPct val="90000"/>
+              </a:lnSpc>
+              <a:spcBef>
+                <a:spcPts val="500"/>
+              </a:spcBef>
+              <a:buFont typeface="Arial" panose="020B0604020202020204" pitchFamily="34" charset="0"/>
+              <a:buChar char="•"/>
+              <a:defRPr sz="1800" kern="1200">
+                <a:solidFill>
+                  <a:schemeClr val="tx1"/>
+                </a:solidFill>
+                <a:latin typeface="+mn-lt"/>
+                <a:ea typeface="+mn-ea"/>
+                <a:cs typeface="+mn-cs"/>
+              </a:defRPr>
+            </a:lvl9pPr>
+          </a:lstStyle>
+          <a:p>
+            <a:pPr marL="0" indent="0">
+              <a:lnSpc>
+                <a:spcPct val="100000"/>
+              </a:lnSpc>
+              <a:spcBef>
+                <a:spcPts val="600"/>
+              </a:spcBef>
+              <a:spcAft>
+                <a:spcPts val="600"/>
+              </a:spcAft>
+              <a:buFont typeface="Arial" panose="020B0604020202020204" pitchFamily="34" charset="0"/>
+              <a:buNone/>
+            </a:pPr>
+            <a:r>
+              <a:rPr lang="en-US" sz="1000" b="1" dirty="0">
+                <a:latin typeface="Verdana" panose="020B0604030504040204" pitchFamily="34" charset="0"/>
+                <a:ea typeface="Verdana" panose="020B0604030504040204" pitchFamily="34" charset="0"/>
+              </a:rPr>
+              <a:t>Amazon CloudFront (CDN)</a:t>
+            </a:r>
+          </a:p>
+          <a:p>
+            <a:pPr marL="0" indent="0">
+              <a:lnSpc>
+                <a:spcPct val="100000"/>
+              </a:lnSpc>
+              <a:spcBef>
+                <a:spcPts val="600"/>
+              </a:spcBef>
+              <a:spcAft>
+                <a:spcPts val="600"/>
+              </a:spcAft>
+              <a:buFont typeface="Arial" panose="020B0604020202020204" pitchFamily="34" charset="0"/>
+              <a:buNone/>
+            </a:pPr>
+            <a:endParaRPr lang="en-US" sz="1000" dirty="0">
+              <a:latin typeface="Verdana" panose="020B0604030504040204" pitchFamily="34" charset="0"/>
+              <a:ea typeface="Verdana" panose="020B0604030504040204" pitchFamily="34" charset="0"/>
+            </a:endParaRPr>
+          </a:p>
+          <a:p>
+            <a:pPr marL="0" indent="0">
+              <a:lnSpc>
+                <a:spcPct val="100000"/>
+              </a:lnSpc>
+              <a:spcBef>
+                <a:spcPts val="600"/>
+              </a:spcBef>
+              <a:spcAft>
+                <a:spcPts val="600"/>
+              </a:spcAft>
+              <a:buFont typeface="Arial" panose="020B0604020202020204" pitchFamily="34" charset="0"/>
+              <a:buNone/>
+            </a:pPr>
+            <a:r>
+              <a:rPr lang="en-US" sz="1000" b="1" dirty="0">
+                <a:latin typeface="Verdana" panose="020B0604030504040204" pitchFamily="34" charset="0"/>
+                <a:ea typeface="Verdana" panose="020B0604030504040204" pitchFamily="34" charset="0"/>
+              </a:rPr>
+              <a:t>What is it:  </a:t>
+            </a:r>
+          </a:p>
+          <a:p>
+            <a:pPr marL="0" indent="0">
+              <a:lnSpc>
+                <a:spcPct val="100000"/>
+              </a:lnSpc>
+              <a:spcBef>
+                <a:spcPts val="600"/>
+              </a:spcBef>
+              <a:spcAft>
+                <a:spcPts val="600"/>
+              </a:spcAft>
+              <a:buFont typeface="Arial" panose="020B0604020202020204" pitchFamily="34" charset="0"/>
+              <a:buNone/>
+            </a:pPr>
+            <a:r>
+              <a:rPr lang="en-US" sz="1000" dirty="0">
+                <a:latin typeface="Verdana" panose="020B0604030504040204" pitchFamily="34" charset="0"/>
+                <a:ea typeface="Verdana" panose="020B0604030504040204" pitchFamily="34" charset="0"/>
+              </a:rPr>
+              <a:t>CloudFront is a Content Delivery Network that helps deliver content (like websites, images, and videos) faster to users by using a network of Edge Locations located globally.</a:t>
+            </a:r>
+          </a:p>
+          <a:p>
+            <a:pPr marL="0" indent="0">
+              <a:lnSpc>
+                <a:spcPct val="100000"/>
+              </a:lnSpc>
+              <a:spcBef>
+                <a:spcPts val="600"/>
+              </a:spcBef>
+              <a:spcAft>
+                <a:spcPts val="600"/>
+              </a:spcAft>
+              <a:buFont typeface="Arial" panose="020B0604020202020204" pitchFamily="34" charset="0"/>
+              <a:buNone/>
+            </a:pPr>
+            <a:endParaRPr lang="en-US" sz="1000" dirty="0">
+              <a:latin typeface="Verdana" panose="020B0604030504040204" pitchFamily="34" charset="0"/>
+              <a:ea typeface="Verdana" panose="020B0604030504040204" pitchFamily="34" charset="0"/>
+            </a:endParaRPr>
+          </a:p>
+          <a:p>
+            <a:pPr marL="0" indent="0">
+              <a:lnSpc>
+                <a:spcPct val="100000"/>
+              </a:lnSpc>
+              <a:spcBef>
+                <a:spcPts val="600"/>
+              </a:spcBef>
+              <a:spcAft>
+                <a:spcPts val="600"/>
+              </a:spcAft>
+              <a:buFont typeface="Arial" panose="020B0604020202020204" pitchFamily="34" charset="0"/>
+              <a:buNone/>
+            </a:pPr>
+            <a:r>
+              <a:rPr lang="en-US" sz="1000" b="1" dirty="0">
+                <a:latin typeface="Verdana" panose="020B0604030504040204" pitchFamily="34" charset="0"/>
+                <a:ea typeface="Verdana" panose="020B0604030504040204" pitchFamily="34" charset="0"/>
+              </a:rPr>
+              <a:t>How it works:  </a:t>
+            </a:r>
+          </a:p>
+          <a:p>
+            <a:pPr marL="0" indent="0">
+              <a:lnSpc>
+                <a:spcPct val="100000"/>
+              </a:lnSpc>
+              <a:spcBef>
+                <a:spcPts val="600"/>
+              </a:spcBef>
+              <a:spcAft>
+                <a:spcPts val="600"/>
+              </a:spcAft>
+              <a:buFont typeface="Arial" panose="020B0604020202020204" pitchFamily="34" charset="0"/>
+              <a:buNone/>
+            </a:pPr>
+            <a:r>
+              <a:rPr lang="en-US" sz="1000" dirty="0">
+                <a:latin typeface="Verdana" panose="020B0604030504040204" pitchFamily="34" charset="0"/>
+                <a:ea typeface="Verdana" panose="020B0604030504040204" pitchFamily="34" charset="0"/>
+              </a:rPr>
+              <a:t>1. User sends a request.  </a:t>
+            </a:r>
+          </a:p>
+          <a:p>
+            <a:pPr marL="0" indent="0">
+              <a:lnSpc>
+                <a:spcPct val="100000"/>
+              </a:lnSpc>
+              <a:spcBef>
+                <a:spcPts val="600"/>
+              </a:spcBef>
+              <a:spcAft>
+                <a:spcPts val="600"/>
+              </a:spcAft>
+              <a:buFont typeface="Arial" panose="020B0604020202020204" pitchFamily="34" charset="0"/>
+              <a:buNone/>
+            </a:pPr>
+            <a:r>
+              <a:rPr lang="en-US" sz="1000" dirty="0">
+                <a:latin typeface="Verdana" panose="020B0604030504040204" pitchFamily="34" charset="0"/>
+                <a:ea typeface="Verdana" panose="020B0604030504040204" pitchFamily="34" charset="0"/>
+              </a:rPr>
+              <a:t>2. CloudFront checks if the content is already cached in the nearest Edge Location.  </a:t>
+            </a:r>
+          </a:p>
+          <a:p>
+            <a:pPr marL="0" indent="0">
+              <a:lnSpc>
+                <a:spcPct val="100000"/>
+              </a:lnSpc>
+              <a:spcBef>
+                <a:spcPts val="600"/>
+              </a:spcBef>
+              <a:spcAft>
+                <a:spcPts val="600"/>
+              </a:spcAft>
+              <a:buFont typeface="Arial" panose="020B0604020202020204" pitchFamily="34" charset="0"/>
+              <a:buNone/>
+            </a:pPr>
+            <a:r>
+              <a:rPr lang="en-US" sz="1000" dirty="0">
+                <a:latin typeface="Verdana" panose="020B0604030504040204" pitchFamily="34" charset="0"/>
+                <a:ea typeface="Verdana" panose="020B0604030504040204" pitchFamily="34" charset="0"/>
+              </a:rPr>
+              <a:t>3. If cached, it's delivered immediately.  </a:t>
+            </a:r>
+          </a:p>
+          <a:p>
+            <a:pPr marL="0" indent="0">
+              <a:lnSpc>
+                <a:spcPct val="100000"/>
+              </a:lnSpc>
+              <a:spcBef>
+                <a:spcPts val="600"/>
+              </a:spcBef>
+              <a:spcAft>
+                <a:spcPts val="600"/>
+              </a:spcAft>
+              <a:buFont typeface="Arial" panose="020B0604020202020204" pitchFamily="34" charset="0"/>
+              <a:buNone/>
+            </a:pPr>
+            <a:r>
+              <a:rPr lang="en-US" sz="1000" dirty="0">
+                <a:latin typeface="Verdana" panose="020B0604030504040204" pitchFamily="34" charset="0"/>
+                <a:ea typeface="Verdana" panose="020B0604030504040204" pitchFamily="34" charset="0"/>
+              </a:rPr>
+              <a:t>4. If not cached, CloudFront fetches it from the origin (like S3 or EC2), stores it at the edge location, and then serves it.  </a:t>
+            </a:r>
+          </a:p>
+          <a:p>
+            <a:pPr marL="0" indent="0">
+              <a:lnSpc>
+                <a:spcPct val="100000"/>
+              </a:lnSpc>
+              <a:spcBef>
+                <a:spcPts val="600"/>
+              </a:spcBef>
+              <a:spcAft>
+                <a:spcPts val="600"/>
+              </a:spcAft>
+              <a:buFont typeface="Arial" panose="020B0604020202020204" pitchFamily="34" charset="0"/>
+              <a:buNone/>
+            </a:pPr>
+            <a:r>
+              <a:rPr lang="en-US" sz="1000" dirty="0">
+                <a:latin typeface="Verdana" panose="020B0604030504040204" pitchFamily="34" charset="0"/>
+                <a:ea typeface="Verdana" panose="020B0604030504040204" pitchFamily="34" charset="0"/>
+              </a:rPr>
+              <a:t>5. Future users get the cached content, which makes delivery faster.</a:t>
+            </a:r>
+          </a:p>
+          <a:p>
+            <a:pPr marL="0" indent="0">
+              <a:lnSpc>
+                <a:spcPct val="100000"/>
+              </a:lnSpc>
+              <a:spcBef>
+                <a:spcPts val="600"/>
+              </a:spcBef>
+              <a:spcAft>
+                <a:spcPts val="600"/>
+              </a:spcAft>
+              <a:buFont typeface="Arial" panose="020B0604020202020204" pitchFamily="34" charset="0"/>
+              <a:buNone/>
+            </a:pPr>
+            <a:endParaRPr lang="en-US" sz="1000" dirty="0">
+              <a:latin typeface="Verdana" panose="020B0604030504040204" pitchFamily="34" charset="0"/>
+              <a:ea typeface="Verdana" panose="020B0604030504040204" pitchFamily="34" charset="0"/>
+            </a:endParaRPr>
+          </a:p>
+          <a:p>
+            <a:pPr marL="0" indent="0">
+              <a:lnSpc>
+                <a:spcPct val="100000"/>
+              </a:lnSpc>
+              <a:spcBef>
+                <a:spcPts val="600"/>
+              </a:spcBef>
+              <a:spcAft>
+                <a:spcPts val="600"/>
+              </a:spcAft>
+              <a:buFont typeface="Arial" panose="020B0604020202020204" pitchFamily="34" charset="0"/>
+              <a:buNone/>
+            </a:pPr>
+            <a:r>
+              <a:rPr lang="en-US" sz="1000" b="1" dirty="0">
+                <a:latin typeface="Verdana" panose="020B0604030504040204" pitchFamily="34" charset="0"/>
+                <a:ea typeface="Verdana" panose="020B0604030504040204" pitchFamily="34" charset="0"/>
+              </a:rPr>
+              <a:t>Important terms:  </a:t>
+            </a:r>
+          </a:p>
+          <a:p>
+            <a:pPr marL="0" indent="0">
+              <a:lnSpc>
+                <a:spcPct val="100000"/>
+              </a:lnSpc>
+              <a:spcBef>
+                <a:spcPts val="600"/>
+              </a:spcBef>
+              <a:spcAft>
+                <a:spcPts val="600"/>
+              </a:spcAft>
+              <a:buFont typeface="Arial" panose="020B0604020202020204" pitchFamily="34" charset="0"/>
+              <a:buNone/>
+            </a:pPr>
+            <a:r>
+              <a:rPr lang="en-US" sz="1000" dirty="0">
+                <a:latin typeface="Verdana" panose="020B0604030504040204" pitchFamily="34" charset="0"/>
+                <a:ea typeface="Verdana" panose="020B0604030504040204" pitchFamily="34" charset="0"/>
+              </a:rPr>
+              <a:t>- Edge Location: Data center that caches content.  </a:t>
+            </a:r>
+          </a:p>
+          <a:p>
+            <a:pPr marL="0" indent="0">
+              <a:lnSpc>
+                <a:spcPct val="100000"/>
+              </a:lnSpc>
+              <a:spcBef>
+                <a:spcPts val="600"/>
+              </a:spcBef>
+              <a:spcAft>
+                <a:spcPts val="600"/>
+              </a:spcAft>
+              <a:buFont typeface="Arial" panose="020B0604020202020204" pitchFamily="34" charset="0"/>
+              <a:buNone/>
+            </a:pPr>
+            <a:r>
+              <a:rPr lang="en-US" sz="1000" dirty="0">
+                <a:latin typeface="Verdana" panose="020B0604030504040204" pitchFamily="34" charset="0"/>
+                <a:ea typeface="Verdana" panose="020B0604030504040204" pitchFamily="34" charset="0"/>
+              </a:rPr>
+              <a:t>- Origin: The source of your content (S3, EC2, etc.).  </a:t>
+            </a:r>
+          </a:p>
+          <a:p>
+            <a:pPr marL="0" indent="0">
+              <a:lnSpc>
+                <a:spcPct val="100000"/>
+              </a:lnSpc>
+              <a:spcBef>
+                <a:spcPts val="600"/>
+              </a:spcBef>
+              <a:spcAft>
+                <a:spcPts val="600"/>
+              </a:spcAft>
+              <a:buFont typeface="Arial" panose="020B0604020202020204" pitchFamily="34" charset="0"/>
+              <a:buNone/>
+            </a:pPr>
+            <a:r>
+              <a:rPr lang="en-US" sz="1000" dirty="0">
+                <a:latin typeface="Verdana" panose="020B0604030504040204" pitchFamily="34" charset="0"/>
+                <a:ea typeface="Verdana" panose="020B0604030504040204" pitchFamily="34" charset="0"/>
+              </a:rPr>
+              <a:t>- Distribution: A CloudFront setup to deliver content. Two types:  </a:t>
+            </a:r>
+          </a:p>
+          <a:p>
+            <a:pPr marL="0" indent="0">
+              <a:lnSpc>
+                <a:spcPct val="100000"/>
+              </a:lnSpc>
+              <a:spcBef>
+                <a:spcPts val="600"/>
+              </a:spcBef>
+              <a:spcAft>
+                <a:spcPts val="600"/>
+              </a:spcAft>
+              <a:buFont typeface="Arial" panose="020B0604020202020204" pitchFamily="34" charset="0"/>
+              <a:buNone/>
+            </a:pPr>
+            <a:r>
+              <a:rPr lang="en-US" sz="1000" dirty="0">
+                <a:latin typeface="Verdana" panose="020B0604030504040204" pitchFamily="34" charset="0"/>
+                <a:ea typeface="Verdana" panose="020B0604030504040204" pitchFamily="34" charset="0"/>
+              </a:rPr>
+              <a:t>  - Web Distribution: Used for websites and web content.  </a:t>
+            </a:r>
+          </a:p>
+          <a:p>
+            <a:pPr marL="0" indent="0">
+              <a:lnSpc>
+                <a:spcPct val="100000"/>
+              </a:lnSpc>
+              <a:spcBef>
+                <a:spcPts val="600"/>
+              </a:spcBef>
+              <a:spcAft>
+                <a:spcPts val="600"/>
+              </a:spcAft>
+              <a:buFont typeface="Arial" panose="020B0604020202020204" pitchFamily="34" charset="0"/>
+              <a:buNone/>
+            </a:pPr>
+            <a:r>
+              <a:rPr lang="en-US" sz="1000" dirty="0">
+                <a:latin typeface="Verdana" panose="020B0604030504040204" pitchFamily="34" charset="0"/>
+                <a:ea typeface="Verdana" panose="020B0604030504040204" pitchFamily="34" charset="0"/>
+              </a:rPr>
+              <a:t>  - RTMP Distribution: Used for streaming media (deprecated now).</a:t>
+            </a:r>
+          </a:p>
+        </p:txBody>
+      </p:sp>
+    </p:spTree>
+    <p:extLst>
+      <p:ext uri="{BB962C8B-B14F-4D97-AF65-F5344CB8AC3E}">
+        <p14:creationId xmlns:p14="http://schemas.microsoft.com/office/powerpoint/2010/main" val="718517491"/>
+      </p:ext>
+    </p:extLst>
+  </p:cSld>
+  <p:clrMapOvr>
+    <a:masterClrMapping/>
+  </p:clrMapOvr>
+</p:sld>
+</file>
+
+<file path=ppt/slides/slide26.xml><?xml version="1.0" encoding="utf-8"?>
+<p:sld xmlns:a="http://schemas.openxmlformats.org/drawingml/2006/main" xmlns:r="http://schemas.openxmlformats.org/officeDocument/2006/relationships" xmlns:p="http://schemas.openxmlformats.org/presentationml/2006/main">
+  <p:cSld>
+    <p:spTree>
+      <p:nvGrpSpPr>
+        <p:cNvPr id="1" name="">
+          <a:extLst>
+            <a:ext uri="{FF2B5EF4-FFF2-40B4-BE49-F238E27FC236}">
+              <a16:creationId xmlns:a16="http://schemas.microsoft.com/office/drawing/2014/main" id="{EE91BD81-A11A-1552-D5B9-9614FCEA07A8}"/>
+            </a:ext>
+          </a:extLst>
+        </p:cNvPr>
+        <p:cNvGrpSpPr/>
+        <p:nvPr/>
+      </p:nvGrpSpPr>
+      <p:grpSpPr>
+        <a:xfrm>
+          <a:off x="0" y="0"/>
+          <a:ext cx="0" cy="0"/>
+          <a:chOff x="0" y="0"/>
+          <a:chExt cx="0" cy="0"/>
+        </a:xfrm>
+      </p:grpSpPr>
+      <p:sp>
+        <p:nvSpPr>
+          <p:cNvPr id="3" name="Content Placeholder 2">
+            <a:extLst>
+              <a:ext uri="{FF2B5EF4-FFF2-40B4-BE49-F238E27FC236}">
+                <a16:creationId xmlns:a16="http://schemas.microsoft.com/office/drawing/2014/main" id="{62AA0732-18D1-D691-AF7D-A4E25921A31E}"/>
+              </a:ext>
+            </a:extLst>
+          </p:cNvPr>
+          <p:cNvSpPr>
+            <a:spLocks noGrp="1"/>
+          </p:cNvSpPr>
+          <p:nvPr>
+            <p:ph sz="half" idx="1"/>
+          </p:nvPr>
+        </p:nvSpPr>
+        <p:spPr>
+          <a:xfrm>
+            <a:off x="6172200" y="235671"/>
+            <a:ext cx="5181600" cy="6249969"/>
+          </a:xfrm>
+        </p:spPr>
+        <p:txBody>
+          <a:bodyPr>
+            <a:noAutofit/>
+          </a:bodyPr>
+          <a:lstStyle/>
+          <a:p>
+            <a:pPr marL="0" indent="0">
+              <a:lnSpc>
+                <a:spcPct val="100000"/>
+              </a:lnSpc>
+              <a:spcBef>
+                <a:spcPts val="600"/>
+              </a:spcBef>
+              <a:spcAft>
+                <a:spcPts val="600"/>
+              </a:spcAft>
+              <a:buFont typeface="Arial" panose="020B0604020202020204" pitchFamily="34" charset="0"/>
+              <a:buNone/>
+            </a:pPr>
+            <a:endParaRPr lang="en-US" sz="1000" dirty="0">
+              <a:latin typeface="Verdana" panose="020B0604030504040204" pitchFamily="34" charset="0"/>
+              <a:ea typeface="Verdana" panose="020B0604030504040204" pitchFamily="34" charset="0"/>
+            </a:endParaRPr>
+          </a:p>
+          <a:p>
+            <a:pPr marL="0" indent="0">
+              <a:lnSpc>
+                <a:spcPct val="100000"/>
+              </a:lnSpc>
+              <a:spcBef>
+                <a:spcPts val="600"/>
+              </a:spcBef>
+              <a:spcAft>
+                <a:spcPts val="600"/>
+              </a:spcAft>
+              <a:buFont typeface="Arial" panose="020B0604020202020204" pitchFamily="34" charset="0"/>
+              <a:buNone/>
+            </a:pPr>
+            <a:r>
+              <a:rPr lang="en-US" sz="1000" b="1" dirty="0">
+                <a:latin typeface="Verdana" panose="020B0604030504040204" pitchFamily="34" charset="0"/>
+                <a:ea typeface="Verdana" panose="020B0604030504040204" pitchFamily="34" charset="0"/>
+              </a:rPr>
+              <a:t>3. Tape Gateway  </a:t>
+            </a:r>
+          </a:p>
+          <a:p>
+            <a:pPr marL="0" indent="0">
+              <a:lnSpc>
+                <a:spcPct val="100000"/>
+              </a:lnSpc>
+              <a:spcBef>
+                <a:spcPts val="600"/>
+              </a:spcBef>
+              <a:spcAft>
+                <a:spcPts val="600"/>
+              </a:spcAft>
+              <a:buFont typeface="Arial" panose="020B0604020202020204" pitchFamily="34" charset="0"/>
+              <a:buNone/>
+            </a:pPr>
+            <a:r>
+              <a:rPr lang="en-US" sz="1000" dirty="0">
+                <a:latin typeface="Verdana" panose="020B0604030504040204" pitchFamily="34" charset="0"/>
+                <a:ea typeface="Verdana" panose="020B0604030504040204" pitchFamily="34" charset="0"/>
+              </a:rPr>
+              <a:t>- Used for backup applications that use tape-based workflows.  </a:t>
+            </a:r>
+          </a:p>
+          <a:p>
+            <a:pPr marL="0" indent="0">
+              <a:lnSpc>
+                <a:spcPct val="100000"/>
+              </a:lnSpc>
+              <a:spcBef>
+                <a:spcPts val="600"/>
+              </a:spcBef>
+              <a:spcAft>
+                <a:spcPts val="600"/>
+              </a:spcAft>
+              <a:buFont typeface="Arial" panose="020B0604020202020204" pitchFamily="34" charset="0"/>
+              <a:buNone/>
+            </a:pPr>
+            <a:r>
+              <a:rPr lang="en-US" sz="1000" dirty="0">
+                <a:latin typeface="Verdana" panose="020B0604030504040204" pitchFamily="34" charset="0"/>
+                <a:ea typeface="Verdana" panose="020B0604030504040204" pitchFamily="34" charset="0"/>
+              </a:rPr>
+              <a:t>- Replaces physical tapes with virtual tapes stored in S3 and Glacier.  </a:t>
+            </a:r>
+          </a:p>
+          <a:p>
+            <a:pPr marL="0" indent="0">
+              <a:lnSpc>
+                <a:spcPct val="100000"/>
+              </a:lnSpc>
+              <a:spcBef>
+                <a:spcPts val="600"/>
+              </a:spcBef>
+              <a:spcAft>
+                <a:spcPts val="600"/>
+              </a:spcAft>
+              <a:buFont typeface="Arial" panose="020B0604020202020204" pitchFamily="34" charset="0"/>
+              <a:buNone/>
+            </a:pPr>
+            <a:r>
+              <a:rPr lang="en-US" sz="1000" dirty="0">
+                <a:latin typeface="Verdana" panose="020B0604030504040204" pitchFamily="34" charset="0"/>
+                <a:ea typeface="Verdana" panose="020B0604030504040204" pitchFamily="34" charset="0"/>
+              </a:rPr>
+              <a:t>- Supports major backup software like Veeam and NetBackup.  </a:t>
+            </a:r>
+          </a:p>
+          <a:p>
+            <a:pPr marL="0" indent="0">
+              <a:lnSpc>
+                <a:spcPct val="100000"/>
+              </a:lnSpc>
+              <a:spcBef>
+                <a:spcPts val="600"/>
+              </a:spcBef>
+              <a:spcAft>
+                <a:spcPts val="600"/>
+              </a:spcAft>
+              <a:buFont typeface="Arial" panose="020B0604020202020204" pitchFamily="34" charset="0"/>
+              <a:buNone/>
+            </a:pPr>
+            <a:r>
+              <a:rPr lang="en-US" sz="1000" dirty="0">
+                <a:latin typeface="Verdana" panose="020B0604030504040204" pitchFamily="34" charset="0"/>
+                <a:ea typeface="Verdana" panose="020B0604030504040204" pitchFamily="34" charset="0"/>
+              </a:rPr>
+              <a:t>- Uses iSCSI protocol.</a:t>
+            </a:r>
+          </a:p>
+          <a:p>
+            <a:pPr marL="0" indent="0">
+              <a:lnSpc>
+                <a:spcPct val="100000"/>
+              </a:lnSpc>
+              <a:spcBef>
+                <a:spcPts val="600"/>
+              </a:spcBef>
+              <a:spcAft>
+                <a:spcPts val="600"/>
+              </a:spcAft>
+              <a:buFont typeface="Arial" panose="020B0604020202020204" pitchFamily="34" charset="0"/>
+              <a:buNone/>
+            </a:pPr>
+            <a:endParaRPr lang="en-US" sz="1000" dirty="0">
+              <a:latin typeface="Verdana" panose="020B0604030504040204" pitchFamily="34" charset="0"/>
+              <a:ea typeface="Verdana" panose="020B0604030504040204" pitchFamily="34" charset="0"/>
+            </a:endParaRPr>
+          </a:p>
+          <a:p>
+            <a:pPr marL="0" indent="0">
+              <a:lnSpc>
+                <a:spcPct val="100000"/>
+              </a:lnSpc>
+              <a:spcBef>
+                <a:spcPts val="600"/>
+              </a:spcBef>
+              <a:spcAft>
+                <a:spcPts val="600"/>
+              </a:spcAft>
+              <a:buFont typeface="Arial" panose="020B0604020202020204" pitchFamily="34" charset="0"/>
+              <a:buNone/>
+            </a:pPr>
+            <a:r>
+              <a:rPr lang="en-US" sz="1000" b="1" dirty="0">
+                <a:latin typeface="Verdana" panose="020B0604030504040204" pitchFamily="34" charset="0"/>
+                <a:ea typeface="Verdana" panose="020B0604030504040204" pitchFamily="34" charset="0"/>
+              </a:rPr>
+              <a:t>Security and performance:  </a:t>
+            </a:r>
+          </a:p>
+          <a:p>
+            <a:pPr marL="0" indent="0">
+              <a:lnSpc>
+                <a:spcPct val="100000"/>
+              </a:lnSpc>
+              <a:spcBef>
+                <a:spcPts val="600"/>
+              </a:spcBef>
+              <a:spcAft>
+                <a:spcPts val="600"/>
+              </a:spcAft>
+              <a:buFont typeface="Arial" panose="020B0604020202020204" pitchFamily="34" charset="0"/>
+              <a:buNone/>
+            </a:pPr>
+            <a:r>
+              <a:rPr lang="en-US" sz="1000" dirty="0">
+                <a:latin typeface="Verdana" panose="020B0604030504040204" pitchFamily="34" charset="0"/>
+                <a:ea typeface="Verdana" panose="020B0604030504040204" pitchFamily="34" charset="0"/>
+              </a:rPr>
+              <a:t>- Can connect through Direct Connect or VPC.  </a:t>
+            </a:r>
+          </a:p>
+          <a:p>
+            <a:pPr marL="0" indent="0">
+              <a:lnSpc>
+                <a:spcPct val="100000"/>
+              </a:lnSpc>
+              <a:spcBef>
+                <a:spcPts val="600"/>
+              </a:spcBef>
+              <a:spcAft>
+                <a:spcPts val="600"/>
+              </a:spcAft>
+              <a:buFont typeface="Arial" panose="020B0604020202020204" pitchFamily="34" charset="0"/>
+              <a:buNone/>
+            </a:pPr>
+            <a:r>
+              <a:rPr lang="en-US" sz="1000" dirty="0">
+                <a:latin typeface="Verdana" panose="020B0604030504040204" pitchFamily="34" charset="0"/>
+                <a:ea typeface="Verdana" panose="020B0604030504040204" pitchFamily="34" charset="0"/>
+              </a:rPr>
+              <a:t>- Uses EBS snapshots for durability.  </a:t>
+            </a:r>
+          </a:p>
+          <a:p>
+            <a:pPr marL="0" indent="0">
+              <a:lnSpc>
+                <a:spcPct val="100000"/>
+              </a:lnSpc>
+              <a:spcBef>
+                <a:spcPts val="600"/>
+              </a:spcBef>
+              <a:spcAft>
+                <a:spcPts val="600"/>
+              </a:spcAft>
+              <a:buFont typeface="Arial" panose="020B0604020202020204" pitchFamily="34" charset="0"/>
+              <a:buNone/>
+            </a:pPr>
+            <a:r>
+              <a:rPr lang="en-US" sz="1000" dirty="0">
+                <a:latin typeface="Verdana" panose="020B0604030504040204" pitchFamily="34" charset="0"/>
+                <a:ea typeface="Verdana" panose="020B0604030504040204" pitchFamily="34" charset="0"/>
+              </a:rPr>
+              <a:t>- Encrypts data in transit and at rest.</a:t>
+            </a:r>
+          </a:p>
+          <a:p>
+            <a:pPr marL="0" indent="0">
+              <a:lnSpc>
+                <a:spcPct val="100000"/>
+              </a:lnSpc>
+              <a:spcBef>
+                <a:spcPts val="600"/>
+              </a:spcBef>
+              <a:buNone/>
+            </a:pPr>
+            <a:endParaRPr lang="en-US" sz="1000" dirty="0">
+              <a:latin typeface="Verdana" panose="020B0604030504040204" pitchFamily="34" charset="0"/>
+              <a:ea typeface="Verdana" panose="020B0604030504040204" pitchFamily="34" charset="0"/>
+            </a:endParaRPr>
+          </a:p>
+        </p:txBody>
+      </p:sp>
+      <p:sp>
+        <p:nvSpPr>
+          <p:cNvPr id="2" name="Content Placeholder 2">
+            <a:extLst>
+              <a:ext uri="{FF2B5EF4-FFF2-40B4-BE49-F238E27FC236}">
+                <a16:creationId xmlns:a16="http://schemas.microsoft.com/office/drawing/2014/main" id="{47886558-B7CE-9D85-866A-3335D7DDD7E1}"/>
+              </a:ext>
+            </a:extLst>
+          </p:cNvPr>
+          <p:cNvSpPr txBox="1">
+            <a:spLocks/>
+          </p:cNvSpPr>
+          <p:nvPr/>
+        </p:nvSpPr>
+        <p:spPr>
+          <a:xfrm>
+            <a:off x="339365" y="235671"/>
+            <a:ext cx="5832835" cy="6249970"/>
+          </a:xfrm>
+          <a:prstGeom prst="rect">
+            <a:avLst/>
+          </a:prstGeom>
+        </p:spPr>
+        <p:txBody>
+          <a:bodyPr vert="horz" lIns="91440" tIns="45720" rIns="91440" bIns="45720" rtlCol="0">
+            <a:noAutofit/>
+          </a:bodyPr>
+          <a:lstStyle>
+            <a:lvl1pPr marL="228600" indent="-228600" algn="l" defTabSz="914400" rtl="0" eaLnBrk="1" latinLnBrk="0" hangingPunct="1">
+              <a:lnSpc>
+                <a:spcPct val="90000"/>
+              </a:lnSpc>
+              <a:spcBef>
+                <a:spcPts val="1000"/>
+              </a:spcBef>
+              <a:buFont typeface="Arial" panose="020B0604020202020204" pitchFamily="34" charset="0"/>
+              <a:buChar char="•"/>
+              <a:defRPr sz="2800" kern="1200">
+                <a:solidFill>
+                  <a:schemeClr val="tx1"/>
+                </a:solidFill>
+                <a:latin typeface="+mn-lt"/>
+                <a:ea typeface="+mn-ea"/>
+                <a:cs typeface="+mn-cs"/>
+              </a:defRPr>
+            </a:lvl1pPr>
+            <a:lvl2pPr marL="685800" indent="-228600" algn="l" defTabSz="914400" rtl="0" eaLnBrk="1" latinLnBrk="0" hangingPunct="1">
+              <a:lnSpc>
+                <a:spcPct val="90000"/>
+              </a:lnSpc>
+              <a:spcBef>
+                <a:spcPts val="500"/>
+              </a:spcBef>
+              <a:buFont typeface="Arial" panose="020B0604020202020204" pitchFamily="34" charset="0"/>
+              <a:buChar char="•"/>
+              <a:defRPr sz="2400" kern="1200">
+                <a:solidFill>
+                  <a:schemeClr val="tx1"/>
+                </a:solidFill>
+                <a:latin typeface="+mn-lt"/>
+                <a:ea typeface="+mn-ea"/>
+                <a:cs typeface="+mn-cs"/>
+              </a:defRPr>
+            </a:lvl2pPr>
+            <a:lvl3pPr marL="1143000" indent="-228600" algn="l" defTabSz="914400" rtl="0" eaLnBrk="1" latinLnBrk="0" hangingPunct="1">
+              <a:lnSpc>
+                <a:spcPct val="90000"/>
+              </a:lnSpc>
+              <a:spcBef>
+                <a:spcPts val="500"/>
+              </a:spcBef>
+              <a:buFont typeface="Arial" panose="020B0604020202020204" pitchFamily="34" charset="0"/>
+              <a:buChar char="•"/>
+              <a:defRPr sz="2000" kern="1200">
+                <a:solidFill>
+                  <a:schemeClr val="tx1"/>
+                </a:solidFill>
+                <a:latin typeface="+mn-lt"/>
+                <a:ea typeface="+mn-ea"/>
+                <a:cs typeface="+mn-cs"/>
+              </a:defRPr>
+            </a:lvl3pPr>
+            <a:lvl4pPr marL="1600200" indent="-228600" algn="l" defTabSz="914400" rtl="0" eaLnBrk="1" latinLnBrk="0" hangingPunct="1">
+              <a:lnSpc>
+                <a:spcPct val="90000"/>
+              </a:lnSpc>
+              <a:spcBef>
+                <a:spcPts val="500"/>
+              </a:spcBef>
+              <a:buFont typeface="Arial" panose="020B0604020202020204" pitchFamily="34" charset="0"/>
+              <a:buChar char="•"/>
+              <a:defRPr sz="1800" kern="1200">
+                <a:solidFill>
+                  <a:schemeClr val="tx1"/>
+                </a:solidFill>
+                <a:latin typeface="+mn-lt"/>
+                <a:ea typeface="+mn-ea"/>
+                <a:cs typeface="+mn-cs"/>
+              </a:defRPr>
+            </a:lvl4pPr>
+            <a:lvl5pPr marL="2057400" indent="-228600" algn="l" defTabSz="914400" rtl="0" eaLnBrk="1" latinLnBrk="0" hangingPunct="1">
+              <a:lnSpc>
+                <a:spcPct val="90000"/>
+              </a:lnSpc>
+              <a:spcBef>
+                <a:spcPts val="500"/>
+              </a:spcBef>
+              <a:buFont typeface="Arial" panose="020B0604020202020204" pitchFamily="34" charset="0"/>
+              <a:buChar char="•"/>
+              <a:defRPr sz="1800" kern="1200">
+                <a:solidFill>
+                  <a:schemeClr val="tx1"/>
+                </a:solidFill>
+                <a:latin typeface="+mn-lt"/>
+                <a:ea typeface="+mn-ea"/>
+                <a:cs typeface="+mn-cs"/>
+              </a:defRPr>
+            </a:lvl5pPr>
+            <a:lvl6pPr marL="2514600" indent="-228600" algn="l" defTabSz="914400" rtl="0" eaLnBrk="1" latinLnBrk="0" hangingPunct="1">
+              <a:lnSpc>
+                <a:spcPct val="90000"/>
+              </a:lnSpc>
+              <a:spcBef>
+                <a:spcPts val="500"/>
+              </a:spcBef>
+              <a:buFont typeface="Arial" panose="020B0604020202020204" pitchFamily="34" charset="0"/>
+              <a:buChar char="•"/>
+              <a:defRPr sz="1800" kern="1200">
+                <a:solidFill>
+                  <a:schemeClr val="tx1"/>
+                </a:solidFill>
+                <a:latin typeface="+mn-lt"/>
+                <a:ea typeface="+mn-ea"/>
+                <a:cs typeface="+mn-cs"/>
+              </a:defRPr>
+            </a:lvl6pPr>
+            <a:lvl7pPr marL="2971800" indent="-228600" algn="l" defTabSz="914400" rtl="0" eaLnBrk="1" latinLnBrk="0" hangingPunct="1">
+              <a:lnSpc>
+                <a:spcPct val="90000"/>
+              </a:lnSpc>
+              <a:spcBef>
+                <a:spcPts val="500"/>
+              </a:spcBef>
+              <a:buFont typeface="Arial" panose="020B0604020202020204" pitchFamily="34" charset="0"/>
+              <a:buChar char="•"/>
+              <a:defRPr sz="1800" kern="1200">
+                <a:solidFill>
+                  <a:schemeClr val="tx1"/>
+                </a:solidFill>
+                <a:latin typeface="+mn-lt"/>
+                <a:ea typeface="+mn-ea"/>
+                <a:cs typeface="+mn-cs"/>
+              </a:defRPr>
+            </a:lvl7pPr>
+            <a:lvl8pPr marL="3429000" indent="-228600" algn="l" defTabSz="914400" rtl="0" eaLnBrk="1" latinLnBrk="0" hangingPunct="1">
+              <a:lnSpc>
+                <a:spcPct val="90000"/>
+              </a:lnSpc>
+              <a:spcBef>
+                <a:spcPts val="500"/>
+              </a:spcBef>
+              <a:buFont typeface="Arial" panose="020B0604020202020204" pitchFamily="34" charset="0"/>
+              <a:buChar char="•"/>
+              <a:defRPr sz="1800" kern="1200">
+                <a:solidFill>
+                  <a:schemeClr val="tx1"/>
+                </a:solidFill>
+                <a:latin typeface="+mn-lt"/>
+                <a:ea typeface="+mn-ea"/>
+                <a:cs typeface="+mn-cs"/>
+              </a:defRPr>
+            </a:lvl8pPr>
+            <a:lvl9pPr marL="3886200" indent="-228600" algn="l" defTabSz="914400" rtl="0" eaLnBrk="1" latinLnBrk="0" hangingPunct="1">
+              <a:lnSpc>
+                <a:spcPct val="90000"/>
+              </a:lnSpc>
+              <a:spcBef>
+                <a:spcPts val="500"/>
+              </a:spcBef>
+              <a:buFont typeface="Arial" panose="020B0604020202020204" pitchFamily="34" charset="0"/>
+              <a:buChar char="•"/>
+              <a:defRPr sz="1800" kern="1200">
+                <a:solidFill>
+                  <a:schemeClr val="tx1"/>
+                </a:solidFill>
+                <a:latin typeface="+mn-lt"/>
+                <a:ea typeface="+mn-ea"/>
+                <a:cs typeface="+mn-cs"/>
+              </a:defRPr>
+            </a:lvl9pPr>
+          </a:lstStyle>
+          <a:p>
+            <a:pPr marL="0" indent="0">
+              <a:lnSpc>
+                <a:spcPct val="100000"/>
+              </a:lnSpc>
+              <a:spcBef>
+                <a:spcPts val="600"/>
+              </a:spcBef>
+              <a:spcAft>
+                <a:spcPts val="600"/>
+              </a:spcAft>
+              <a:buFont typeface="Arial" panose="020B0604020202020204" pitchFamily="34" charset="0"/>
+              <a:buNone/>
+            </a:pPr>
+            <a:r>
+              <a:rPr lang="en-US" sz="1000" b="1" dirty="0">
+                <a:latin typeface="Verdana" panose="020B0604030504040204" pitchFamily="34" charset="0"/>
+                <a:ea typeface="Verdana" panose="020B0604030504040204" pitchFamily="34" charset="0"/>
+              </a:rPr>
+              <a:t>AWS Storage Gateway</a:t>
+            </a:r>
+          </a:p>
+          <a:p>
+            <a:pPr marL="0" indent="0">
+              <a:lnSpc>
+                <a:spcPct val="100000"/>
+              </a:lnSpc>
+              <a:spcBef>
+                <a:spcPts val="600"/>
+              </a:spcBef>
+              <a:spcAft>
+                <a:spcPts val="600"/>
+              </a:spcAft>
+              <a:buFont typeface="Arial" panose="020B0604020202020204" pitchFamily="34" charset="0"/>
+              <a:buNone/>
+            </a:pPr>
+            <a:r>
+              <a:rPr lang="en-US" sz="1000" b="1" dirty="0">
+                <a:latin typeface="Verdana" panose="020B0604030504040204" pitchFamily="34" charset="0"/>
+                <a:ea typeface="Verdana" panose="020B0604030504040204" pitchFamily="34" charset="0"/>
+              </a:rPr>
+              <a:t>What is it:  </a:t>
+            </a:r>
+          </a:p>
+          <a:p>
+            <a:pPr marL="0" indent="0">
+              <a:lnSpc>
+                <a:spcPct val="100000"/>
+              </a:lnSpc>
+              <a:spcBef>
+                <a:spcPts val="600"/>
+              </a:spcBef>
+              <a:spcAft>
+                <a:spcPts val="600"/>
+              </a:spcAft>
+              <a:buFont typeface="Arial" panose="020B0604020202020204" pitchFamily="34" charset="0"/>
+              <a:buNone/>
+            </a:pPr>
+            <a:r>
+              <a:rPr lang="en-US" sz="1000" dirty="0">
+                <a:latin typeface="Verdana" panose="020B0604030504040204" pitchFamily="34" charset="0"/>
+                <a:ea typeface="Verdana" panose="020B0604030504040204" pitchFamily="34" charset="0"/>
+              </a:rPr>
+              <a:t>Storage Gateway is a hybrid cloud storage service that allows you to connect your on-premises environment to AWS. It helps with backup, archiving, and disaster recovery.</a:t>
+            </a:r>
+          </a:p>
+          <a:p>
+            <a:pPr marL="0" indent="0">
+              <a:lnSpc>
+                <a:spcPct val="100000"/>
+              </a:lnSpc>
+              <a:spcBef>
+                <a:spcPts val="600"/>
+              </a:spcBef>
+              <a:spcAft>
+                <a:spcPts val="600"/>
+              </a:spcAft>
+              <a:buFont typeface="Arial" panose="020B0604020202020204" pitchFamily="34" charset="0"/>
+              <a:buNone/>
+            </a:pPr>
+            <a:r>
+              <a:rPr lang="en-US" sz="1000" dirty="0">
+                <a:latin typeface="Verdana" panose="020B0604030504040204" pitchFamily="34" charset="0"/>
+                <a:ea typeface="Verdana" panose="020B0604030504040204" pitchFamily="34" charset="0"/>
+              </a:rPr>
+              <a:t>Types of gateways:</a:t>
+            </a:r>
+          </a:p>
+          <a:p>
+            <a:pPr marL="0" indent="0">
+              <a:lnSpc>
+                <a:spcPct val="100000"/>
+              </a:lnSpc>
+              <a:spcBef>
+                <a:spcPts val="600"/>
+              </a:spcBef>
+              <a:spcAft>
+                <a:spcPts val="600"/>
+              </a:spcAft>
+              <a:buFont typeface="Arial" panose="020B0604020202020204" pitchFamily="34" charset="0"/>
+              <a:buNone/>
+            </a:pPr>
+            <a:endParaRPr lang="en-US" sz="1000" dirty="0">
+              <a:latin typeface="Verdana" panose="020B0604030504040204" pitchFamily="34" charset="0"/>
+              <a:ea typeface="Verdana" panose="020B0604030504040204" pitchFamily="34" charset="0"/>
+            </a:endParaRPr>
+          </a:p>
+          <a:p>
+            <a:pPr marL="0" indent="0">
+              <a:lnSpc>
+                <a:spcPct val="100000"/>
+              </a:lnSpc>
+              <a:spcBef>
+                <a:spcPts val="600"/>
+              </a:spcBef>
+              <a:spcAft>
+                <a:spcPts val="600"/>
+              </a:spcAft>
+              <a:buFont typeface="Arial" panose="020B0604020202020204" pitchFamily="34" charset="0"/>
+              <a:buNone/>
+            </a:pPr>
+            <a:r>
+              <a:rPr lang="en-US" sz="1000" b="1" dirty="0">
+                <a:latin typeface="Verdana" panose="020B0604030504040204" pitchFamily="34" charset="0"/>
+                <a:ea typeface="Verdana" panose="020B0604030504040204" pitchFamily="34" charset="0"/>
+              </a:rPr>
+              <a:t>1. File Gateway  </a:t>
+            </a:r>
+          </a:p>
+          <a:p>
+            <a:pPr marL="0" indent="0">
+              <a:lnSpc>
+                <a:spcPct val="100000"/>
+              </a:lnSpc>
+              <a:spcBef>
+                <a:spcPts val="600"/>
+              </a:spcBef>
+              <a:spcAft>
+                <a:spcPts val="600"/>
+              </a:spcAft>
+              <a:buFont typeface="Arial" panose="020B0604020202020204" pitchFamily="34" charset="0"/>
+              <a:buNone/>
+            </a:pPr>
+            <a:r>
+              <a:rPr lang="en-US" sz="1000" dirty="0">
+                <a:latin typeface="Verdana" panose="020B0604030504040204" pitchFamily="34" charset="0"/>
+                <a:ea typeface="Verdana" panose="020B0604030504040204" pitchFamily="34" charset="0"/>
+              </a:rPr>
+              <a:t>- Used for storing files like documents and PDFs to S3.  </a:t>
+            </a:r>
+          </a:p>
+          <a:p>
+            <a:pPr marL="0" indent="0">
+              <a:lnSpc>
+                <a:spcPct val="100000"/>
+              </a:lnSpc>
+              <a:spcBef>
+                <a:spcPts val="600"/>
+              </a:spcBef>
+              <a:spcAft>
+                <a:spcPts val="600"/>
+              </a:spcAft>
+              <a:buFont typeface="Arial" panose="020B0604020202020204" pitchFamily="34" charset="0"/>
+              <a:buNone/>
+            </a:pPr>
+            <a:r>
+              <a:rPr lang="en-US" sz="1000" dirty="0">
+                <a:latin typeface="Verdana" panose="020B0604030504040204" pitchFamily="34" charset="0"/>
+                <a:ea typeface="Verdana" panose="020B0604030504040204" pitchFamily="34" charset="0"/>
+              </a:rPr>
+              <a:t>- Supports NFS protocol.  </a:t>
+            </a:r>
+          </a:p>
+          <a:p>
+            <a:pPr marL="0" indent="0">
+              <a:lnSpc>
+                <a:spcPct val="100000"/>
+              </a:lnSpc>
+              <a:spcBef>
+                <a:spcPts val="600"/>
+              </a:spcBef>
+              <a:spcAft>
+                <a:spcPts val="600"/>
+              </a:spcAft>
+              <a:buFont typeface="Arial" panose="020B0604020202020204" pitchFamily="34" charset="0"/>
+              <a:buNone/>
+            </a:pPr>
+            <a:r>
+              <a:rPr lang="en-US" sz="1000" dirty="0">
+                <a:latin typeface="Verdana" panose="020B0604030504040204" pitchFamily="34" charset="0"/>
+                <a:ea typeface="Verdana" panose="020B0604030504040204" pitchFamily="34" charset="0"/>
+              </a:rPr>
+              <a:t>- Data is stored as S3 objects.  </a:t>
+            </a:r>
+          </a:p>
+          <a:p>
+            <a:pPr marL="0" indent="0">
+              <a:lnSpc>
+                <a:spcPct val="100000"/>
+              </a:lnSpc>
+              <a:spcBef>
+                <a:spcPts val="600"/>
+              </a:spcBef>
+              <a:spcAft>
+                <a:spcPts val="600"/>
+              </a:spcAft>
+              <a:buFont typeface="Arial" panose="020B0604020202020204" pitchFamily="34" charset="0"/>
+              <a:buNone/>
+            </a:pPr>
+            <a:r>
+              <a:rPr lang="en-US" sz="1000" dirty="0">
+                <a:latin typeface="Verdana" panose="020B0604030504040204" pitchFamily="34" charset="0"/>
+                <a:ea typeface="Verdana" panose="020B0604030504040204" pitchFamily="34" charset="0"/>
+              </a:rPr>
+              <a:t>- Common use cases: file backups, archiving, and hybrid apps.</a:t>
+            </a:r>
+          </a:p>
+          <a:p>
+            <a:pPr marL="0" indent="0">
+              <a:lnSpc>
+                <a:spcPct val="100000"/>
+              </a:lnSpc>
+              <a:spcBef>
+                <a:spcPts val="600"/>
+              </a:spcBef>
+              <a:spcAft>
+                <a:spcPts val="600"/>
+              </a:spcAft>
+              <a:buFont typeface="Arial" panose="020B0604020202020204" pitchFamily="34" charset="0"/>
+              <a:buNone/>
+            </a:pPr>
+            <a:endParaRPr lang="en-US" sz="1000" dirty="0">
+              <a:latin typeface="Verdana" panose="020B0604030504040204" pitchFamily="34" charset="0"/>
+              <a:ea typeface="Verdana" panose="020B0604030504040204" pitchFamily="34" charset="0"/>
+            </a:endParaRPr>
+          </a:p>
+          <a:p>
+            <a:pPr marL="0" indent="0">
+              <a:lnSpc>
+                <a:spcPct val="100000"/>
+              </a:lnSpc>
+              <a:spcBef>
+                <a:spcPts val="600"/>
+              </a:spcBef>
+              <a:spcAft>
+                <a:spcPts val="600"/>
+              </a:spcAft>
+              <a:buFont typeface="Arial" panose="020B0604020202020204" pitchFamily="34" charset="0"/>
+              <a:buNone/>
+            </a:pPr>
+            <a:r>
+              <a:rPr lang="en-US" sz="1000" b="1" dirty="0">
+                <a:latin typeface="Verdana" panose="020B0604030504040204" pitchFamily="34" charset="0"/>
+                <a:ea typeface="Verdana" panose="020B0604030504040204" pitchFamily="34" charset="0"/>
+              </a:rPr>
+              <a:t>2. Volume Gateway  </a:t>
+            </a:r>
+          </a:p>
+          <a:p>
+            <a:pPr marL="0" indent="0">
+              <a:lnSpc>
+                <a:spcPct val="100000"/>
+              </a:lnSpc>
+              <a:spcBef>
+                <a:spcPts val="600"/>
+              </a:spcBef>
+              <a:spcAft>
+                <a:spcPts val="600"/>
+              </a:spcAft>
+              <a:buFont typeface="Arial" panose="020B0604020202020204" pitchFamily="34" charset="0"/>
+              <a:buNone/>
+            </a:pPr>
+            <a:r>
+              <a:rPr lang="en-US" sz="1000" dirty="0">
+                <a:latin typeface="Verdana" panose="020B0604030504040204" pitchFamily="34" charset="0"/>
+                <a:ea typeface="Verdana" panose="020B0604030504040204" pitchFamily="34" charset="0"/>
+              </a:rPr>
+              <a:t>- Used for storing block-based data.  </a:t>
+            </a:r>
+          </a:p>
+          <a:p>
+            <a:pPr marL="0" indent="0">
+              <a:lnSpc>
+                <a:spcPct val="100000"/>
+              </a:lnSpc>
+              <a:spcBef>
+                <a:spcPts val="600"/>
+              </a:spcBef>
+              <a:spcAft>
+                <a:spcPts val="600"/>
+              </a:spcAft>
+              <a:buFont typeface="Arial" panose="020B0604020202020204" pitchFamily="34" charset="0"/>
+              <a:buNone/>
+            </a:pPr>
+            <a:r>
+              <a:rPr lang="en-US" sz="1000" dirty="0">
+                <a:latin typeface="Verdana" panose="020B0604030504040204" pitchFamily="34" charset="0"/>
+                <a:ea typeface="Verdana" panose="020B0604030504040204" pitchFamily="34" charset="0"/>
+              </a:rPr>
+              <a:t>- Uses iSCSI protocol.  </a:t>
+            </a:r>
+          </a:p>
+          <a:p>
+            <a:pPr marL="0" indent="0">
+              <a:lnSpc>
+                <a:spcPct val="100000"/>
+              </a:lnSpc>
+              <a:spcBef>
+                <a:spcPts val="600"/>
+              </a:spcBef>
+              <a:spcAft>
+                <a:spcPts val="600"/>
+              </a:spcAft>
+              <a:buFont typeface="Arial" panose="020B0604020202020204" pitchFamily="34" charset="0"/>
+              <a:buNone/>
+            </a:pPr>
+            <a:r>
+              <a:rPr lang="en-US" sz="1000" dirty="0">
+                <a:latin typeface="Verdana" panose="020B0604030504040204" pitchFamily="34" charset="0"/>
+                <a:ea typeface="Verdana" panose="020B0604030504040204" pitchFamily="34" charset="0"/>
+              </a:rPr>
+              <a:t>- Data is stored in EBS snapshots.  </a:t>
+            </a:r>
+          </a:p>
+          <a:p>
+            <a:pPr marL="0" indent="0">
+              <a:lnSpc>
+                <a:spcPct val="100000"/>
+              </a:lnSpc>
+              <a:spcBef>
+                <a:spcPts val="600"/>
+              </a:spcBef>
+              <a:spcAft>
+                <a:spcPts val="600"/>
+              </a:spcAft>
+              <a:buFont typeface="Arial" panose="020B0604020202020204" pitchFamily="34" charset="0"/>
+              <a:buNone/>
+            </a:pPr>
+            <a:r>
+              <a:rPr lang="en-US" sz="1000" dirty="0">
+                <a:latin typeface="Verdana" panose="020B0604030504040204" pitchFamily="34" charset="0"/>
+                <a:ea typeface="Verdana" panose="020B0604030504040204" pitchFamily="34" charset="0"/>
+              </a:rPr>
+              <a:t>- Two types:  </a:t>
+            </a:r>
+          </a:p>
+          <a:p>
+            <a:pPr marL="0" indent="0">
+              <a:lnSpc>
+                <a:spcPct val="100000"/>
+              </a:lnSpc>
+              <a:spcBef>
+                <a:spcPts val="600"/>
+              </a:spcBef>
+              <a:spcAft>
+                <a:spcPts val="600"/>
+              </a:spcAft>
+              <a:buFont typeface="Arial" panose="020B0604020202020204" pitchFamily="34" charset="0"/>
+              <a:buNone/>
+            </a:pPr>
+            <a:r>
+              <a:rPr lang="en-US" sz="1000" dirty="0">
+                <a:latin typeface="Verdana" panose="020B0604030504040204" pitchFamily="34" charset="0"/>
+                <a:ea typeface="Verdana" panose="020B0604030504040204" pitchFamily="34" charset="0"/>
+              </a:rPr>
+              <a:t>  a. </a:t>
+            </a:r>
+            <a:r>
+              <a:rPr lang="en-US" sz="1000" b="1" dirty="0">
+                <a:latin typeface="Verdana" panose="020B0604030504040204" pitchFamily="34" charset="0"/>
+                <a:ea typeface="Verdana" panose="020B0604030504040204" pitchFamily="34" charset="0"/>
+              </a:rPr>
+              <a:t>Stored</a:t>
+            </a:r>
+            <a:r>
+              <a:rPr lang="en-US" sz="1000" dirty="0">
+                <a:latin typeface="Verdana" panose="020B0604030504040204" pitchFamily="34" charset="0"/>
+                <a:ea typeface="Verdana" panose="020B0604030504040204" pitchFamily="34" charset="0"/>
+              </a:rPr>
+              <a:t> </a:t>
+            </a:r>
+            <a:r>
+              <a:rPr lang="en-US" sz="1000" b="1" dirty="0">
+                <a:latin typeface="Verdana" panose="020B0604030504040204" pitchFamily="34" charset="0"/>
+                <a:ea typeface="Verdana" panose="020B0604030504040204" pitchFamily="34" charset="0"/>
+              </a:rPr>
+              <a:t>Volumes</a:t>
+            </a:r>
+            <a:r>
+              <a:rPr lang="en-US" sz="1000" dirty="0">
+                <a:latin typeface="Verdana" panose="020B0604030504040204" pitchFamily="34" charset="0"/>
+                <a:ea typeface="Verdana" panose="020B0604030504040204" pitchFamily="34" charset="0"/>
+              </a:rPr>
+              <a:t>: Entire dataset is stored locally, with backups to AWS.  </a:t>
+            </a:r>
+          </a:p>
+          <a:p>
+            <a:pPr marL="0" indent="0">
+              <a:lnSpc>
+                <a:spcPct val="100000"/>
+              </a:lnSpc>
+              <a:spcBef>
+                <a:spcPts val="600"/>
+              </a:spcBef>
+              <a:spcAft>
+                <a:spcPts val="600"/>
+              </a:spcAft>
+              <a:buFont typeface="Arial" panose="020B0604020202020204" pitchFamily="34" charset="0"/>
+              <a:buNone/>
+            </a:pPr>
+            <a:r>
+              <a:rPr lang="en-US" sz="1000" dirty="0">
+                <a:latin typeface="Verdana" panose="020B0604030504040204" pitchFamily="34" charset="0"/>
+                <a:ea typeface="Verdana" panose="020B0604030504040204" pitchFamily="34" charset="0"/>
+              </a:rPr>
+              <a:t>  b. </a:t>
+            </a:r>
+            <a:r>
+              <a:rPr lang="en-US" sz="1000" b="1" dirty="0">
+                <a:latin typeface="Verdana" panose="020B0604030504040204" pitchFamily="34" charset="0"/>
+                <a:ea typeface="Verdana" panose="020B0604030504040204" pitchFamily="34" charset="0"/>
+              </a:rPr>
+              <a:t>Cached</a:t>
+            </a:r>
+            <a:r>
+              <a:rPr lang="en-US" sz="1000" dirty="0">
+                <a:latin typeface="Verdana" panose="020B0604030504040204" pitchFamily="34" charset="0"/>
+                <a:ea typeface="Verdana" panose="020B0604030504040204" pitchFamily="34" charset="0"/>
+              </a:rPr>
+              <a:t> </a:t>
+            </a:r>
+            <a:r>
+              <a:rPr lang="en-US" sz="1000" b="1" dirty="0">
+                <a:latin typeface="Verdana" panose="020B0604030504040204" pitchFamily="34" charset="0"/>
+                <a:ea typeface="Verdana" panose="020B0604030504040204" pitchFamily="34" charset="0"/>
+              </a:rPr>
+              <a:t>Volumes</a:t>
+            </a:r>
+            <a:r>
+              <a:rPr lang="en-US" sz="1000" dirty="0">
+                <a:latin typeface="Verdana" panose="020B0604030504040204" pitchFamily="34" charset="0"/>
+                <a:ea typeface="Verdana" panose="020B0604030504040204" pitchFamily="34" charset="0"/>
+              </a:rPr>
+              <a:t>: Only frequently accessed data is stored locally. All data is in AWS.</a:t>
+            </a:r>
+          </a:p>
+          <a:p>
+            <a:pPr marL="0" indent="0">
+              <a:lnSpc>
+                <a:spcPct val="100000"/>
+              </a:lnSpc>
+              <a:spcBef>
+                <a:spcPts val="600"/>
+              </a:spcBef>
+              <a:spcAft>
+                <a:spcPts val="600"/>
+              </a:spcAft>
+              <a:buFont typeface="Arial" panose="020B0604020202020204" pitchFamily="34" charset="0"/>
+              <a:buNone/>
+            </a:pPr>
+            <a:endParaRPr lang="en-US" sz="1000" dirty="0">
+              <a:latin typeface="Verdana" panose="020B0604030504040204" pitchFamily="34" charset="0"/>
+              <a:ea typeface="Verdana" panose="020B0604030504040204" pitchFamily="34" charset="0"/>
+            </a:endParaRPr>
+          </a:p>
+          <a:p>
+            <a:pPr marL="0" indent="0">
+              <a:lnSpc>
+                <a:spcPct val="100000"/>
+              </a:lnSpc>
+              <a:spcBef>
+                <a:spcPts val="600"/>
+              </a:spcBef>
+              <a:spcAft>
+                <a:spcPts val="600"/>
+              </a:spcAft>
+              <a:buFont typeface="Arial" panose="020B0604020202020204" pitchFamily="34" charset="0"/>
+              <a:buNone/>
+            </a:pPr>
+            <a:endParaRPr lang="en-US" sz="1000" dirty="0">
+              <a:latin typeface="Verdana" panose="020B0604030504040204" pitchFamily="34" charset="0"/>
+              <a:ea typeface="Verdana" panose="020B0604030504040204" pitchFamily="34" charset="0"/>
+            </a:endParaRPr>
+          </a:p>
+        </p:txBody>
+      </p:sp>
+    </p:spTree>
+    <p:extLst>
+      <p:ext uri="{BB962C8B-B14F-4D97-AF65-F5344CB8AC3E}">
+        <p14:creationId xmlns:p14="http://schemas.microsoft.com/office/powerpoint/2010/main" val="2867510920"/>
+      </p:ext>
+    </p:extLst>
+  </p:cSld>
+  <p:clrMapOvr>
+    <a:masterClrMapping/>
+  </p:clrMapOvr>
+</p:sld>
+</file>
+
+<file path=ppt/slides/slide27.xml><?xml version="1.0" encoding="utf-8"?>
+<p:sld xmlns:a="http://schemas.openxmlformats.org/drawingml/2006/main" xmlns:r="http://schemas.openxmlformats.org/officeDocument/2006/relationships" xmlns:p="http://schemas.openxmlformats.org/presentationml/2006/main">
+  <p:cSld>
+    <p:spTree>
+      <p:nvGrpSpPr>
+        <p:cNvPr id="1" name="">
+          <a:extLst>
+            <a:ext uri="{FF2B5EF4-FFF2-40B4-BE49-F238E27FC236}">
+              <a16:creationId xmlns:a16="http://schemas.microsoft.com/office/drawing/2014/main" id="{42A1525C-0DB4-B541-29EE-4633EA1F2C14}"/>
+            </a:ext>
+          </a:extLst>
+        </p:cNvPr>
+        <p:cNvGrpSpPr/>
+        <p:nvPr/>
+      </p:nvGrpSpPr>
+      <p:grpSpPr>
+        <a:xfrm>
+          <a:off x="0" y="0"/>
+          <a:ext cx="0" cy="0"/>
+          <a:chOff x="0" y="0"/>
+          <a:chExt cx="0" cy="0"/>
+        </a:xfrm>
+      </p:grpSpPr>
+      <p:sp>
+        <p:nvSpPr>
+          <p:cNvPr id="3" name="Content Placeholder 2">
+            <a:extLst>
+              <a:ext uri="{FF2B5EF4-FFF2-40B4-BE49-F238E27FC236}">
+                <a16:creationId xmlns:a16="http://schemas.microsoft.com/office/drawing/2014/main" id="{624E2EA5-03C8-A6B4-2A97-5D4CF1A1ABD6}"/>
+              </a:ext>
+            </a:extLst>
+          </p:cNvPr>
+          <p:cNvSpPr>
+            <a:spLocks noGrp="1"/>
+          </p:cNvSpPr>
+          <p:nvPr>
+            <p:ph sz="half" idx="1"/>
+          </p:nvPr>
+        </p:nvSpPr>
+        <p:spPr>
+          <a:xfrm>
+            <a:off x="6172200" y="235671"/>
+            <a:ext cx="5181600" cy="6249969"/>
+          </a:xfrm>
+        </p:spPr>
+        <p:txBody>
+          <a:bodyPr>
+            <a:noAutofit/>
+          </a:bodyPr>
+          <a:lstStyle/>
+          <a:p>
+            <a:pPr marL="0" indent="0">
+              <a:lnSpc>
+                <a:spcPct val="100000"/>
+              </a:lnSpc>
+              <a:spcBef>
+                <a:spcPts val="300"/>
+              </a:spcBef>
+              <a:spcAft>
+                <a:spcPts val="300"/>
+              </a:spcAft>
+              <a:buFont typeface="Arial" panose="020B0604020202020204" pitchFamily="34" charset="0"/>
+              <a:buNone/>
+            </a:pPr>
+            <a:r>
+              <a:rPr lang="en-US" sz="1000" b="1" dirty="0">
+                <a:latin typeface="Verdana" panose="020B0604030504040204" pitchFamily="34" charset="0"/>
+                <a:ea typeface="Verdana" panose="020B0604030504040204" pitchFamily="34" charset="0"/>
+              </a:rPr>
+              <a:t>**S3 Transfer Acceleration – Explained**</a:t>
+            </a:r>
+          </a:p>
+          <a:p>
+            <a:pPr marL="0" indent="0">
+              <a:lnSpc>
+                <a:spcPct val="100000"/>
+              </a:lnSpc>
+              <a:spcBef>
+                <a:spcPts val="300"/>
+              </a:spcBef>
+              <a:spcAft>
+                <a:spcPts val="300"/>
+              </a:spcAft>
+              <a:buFont typeface="Arial" panose="020B0604020202020204" pitchFamily="34" charset="0"/>
+              <a:buNone/>
+            </a:pPr>
+            <a:r>
+              <a:rPr lang="en-US" sz="1000" b="1" dirty="0">
+                <a:latin typeface="Verdana" panose="020B0604030504040204" pitchFamily="34" charset="0"/>
+                <a:ea typeface="Verdana" panose="020B0604030504040204" pitchFamily="34" charset="0"/>
+              </a:rPr>
+              <a:t>- **What is it?**  </a:t>
+            </a:r>
+          </a:p>
+          <a:p>
+            <a:pPr marL="0" indent="0">
+              <a:lnSpc>
+                <a:spcPct val="100000"/>
+              </a:lnSpc>
+              <a:spcBef>
+                <a:spcPts val="300"/>
+              </a:spcBef>
+              <a:spcAft>
+                <a:spcPts val="300"/>
+              </a:spcAft>
+              <a:buFont typeface="Arial" panose="020B0604020202020204" pitchFamily="34" charset="0"/>
+              <a:buNone/>
+            </a:pPr>
+            <a:r>
+              <a:rPr lang="en-US" sz="1000" dirty="0">
+                <a:latin typeface="Verdana" panose="020B0604030504040204" pitchFamily="34" charset="0"/>
+                <a:ea typeface="Verdana" panose="020B0604030504040204" pitchFamily="34" charset="0"/>
+              </a:rPr>
+              <a:t>  A feature in Amazon S3 that helps you upload and download files faster from anywhere in the world.</a:t>
+            </a:r>
+          </a:p>
+          <a:p>
+            <a:pPr marL="0" indent="0">
+              <a:lnSpc>
+                <a:spcPct val="100000"/>
+              </a:lnSpc>
+              <a:spcBef>
+                <a:spcPts val="300"/>
+              </a:spcBef>
+              <a:spcAft>
+                <a:spcPts val="300"/>
+              </a:spcAft>
+              <a:buFont typeface="Arial" panose="020B0604020202020204" pitchFamily="34" charset="0"/>
+              <a:buNone/>
+            </a:pPr>
+            <a:endParaRPr lang="en-US" sz="1000" dirty="0">
+              <a:latin typeface="Verdana" panose="020B0604030504040204" pitchFamily="34" charset="0"/>
+              <a:ea typeface="Verdana" panose="020B0604030504040204" pitchFamily="34" charset="0"/>
+            </a:endParaRPr>
+          </a:p>
+          <a:p>
+            <a:pPr marL="0" indent="0">
+              <a:lnSpc>
+                <a:spcPct val="100000"/>
+              </a:lnSpc>
+              <a:spcBef>
+                <a:spcPts val="300"/>
+              </a:spcBef>
+              <a:spcAft>
+                <a:spcPts val="300"/>
+              </a:spcAft>
+              <a:buFont typeface="Arial" panose="020B0604020202020204" pitchFamily="34" charset="0"/>
+              <a:buNone/>
+            </a:pPr>
+            <a:r>
+              <a:rPr lang="en-US" sz="1000" b="1" dirty="0">
+                <a:latin typeface="Verdana" panose="020B0604030504040204" pitchFamily="34" charset="0"/>
+                <a:ea typeface="Verdana" panose="020B0604030504040204" pitchFamily="34" charset="0"/>
+              </a:rPr>
+              <a:t>- **How it works:**  </a:t>
+            </a:r>
+          </a:p>
+          <a:p>
+            <a:pPr marL="0" indent="0">
+              <a:lnSpc>
+                <a:spcPct val="100000"/>
+              </a:lnSpc>
+              <a:spcBef>
+                <a:spcPts val="300"/>
+              </a:spcBef>
+              <a:spcAft>
+                <a:spcPts val="300"/>
+              </a:spcAft>
+              <a:buFont typeface="Arial" panose="020B0604020202020204" pitchFamily="34" charset="0"/>
+              <a:buNone/>
+            </a:pPr>
+            <a:r>
+              <a:rPr lang="en-US" sz="1000" dirty="0">
+                <a:latin typeface="Verdana" panose="020B0604030504040204" pitchFamily="34" charset="0"/>
+                <a:ea typeface="Verdana" panose="020B0604030504040204" pitchFamily="34" charset="0"/>
+              </a:rPr>
+              <a:t>  Instead of sending data directly to an S3 bucket, your data first goes to the **nearest AWS edge location** (from the CloudFront network).  </a:t>
+            </a:r>
+          </a:p>
+          <a:p>
+            <a:pPr marL="0" indent="0">
+              <a:lnSpc>
+                <a:spcPct val="100000"/>
+              </a:lnSpc>
+              <a:spcBef>
+                <a:spcPts val="300"/>
+              </a:spcBef>
+              <a:spcAft>
+                <a:spcPts val="300"/>
+              </a:spcAft>
+              <a:buFont typeface="Arial" panose="020B0604020202020204" pitchFamily="34" charset="0"/>
+              <a:buNone/>
+            </a:pPr>
+            <a:r>
+              <a:rPr lang="en-US" sz="1000" dirty="0">
+                <a:latin typeface="Verdana" panose="020B0604030504040204" pitchFamily="34" charset="0"/>
+                <a:ea typeface="Verdana" panose="020B0604030504040204" pitchFamily="34" charset="0"/>
+              </a:rPr>
+              <a:t>  Then, AWS sends it securely and quickly to your S3 bucket using its fast internal network.</a:t>
+            </a:r>
+          </a:p>
+          <a:p>
+            <a:pPr marL="0" indent="0">
+              <a:lnSpc>
+                <a:spcPct val="100000"/>
+              </a:lnSpc>
+              <a:spcBef>
+                <a:spcPts val="300"/>
+              </a:spcBef>
+              <a:spcAft>
+                <a:spcPts val="300"/>
+              </a:spcAft>
+              <a:buFont typeface="Arial" panose="020B0604020202020204" pitchFamily="34" charset="0"/>
+              <a:buNone/>
+            </a:pPr>
+            <a:r>
+              <a:rPr lang="en-US" sz="1000" b="1" dirty="0">
+                <a:latin typeface="Verdana" panose="020B0604030504040204" pitchFamily="34" charset="0"/>
+                <a:ea typeface="Verdana" panose="020B0604030504040204" pitchFamily="34" charset="0"/>
+              </a:rPr>
+              <a:t>- **When to use it:**  </a:t>
+            </a:r>
+          </a:p>
+          <a:p>
+            <a:pPr marL="0" indent="0">
+              <a:lnSpc>
+                <a:spcPct val="100000"/>
+              </a:lnSpc>
+              <a:spcBef>
+                <a:spcPts val="300"/>
+              </a:spcBef>
+              <a:spcAft>
+                <a:spcPts val="300"/>
+              </a:spcAft>
+              <a:buFont typeface="Arial" panose="020B0604020202020204" pitchFamily="34" charset="0"/>
+              <a:buNone/>
+            </a:pPr>
+            <a:r>
+              <a:rPr lang="en-US" sz="1000" dirty="0">
+                <a:latin typeface="Verdana" panose="020B0604030504040204" pitchFamily="34" charset="0"/>
+                <a:ea typeface="Verdana" panose="020B0604030504040204" pitchFamily="34" charset="0"/>
+              </a:rPr>
+              <a:t>  - You have users in different countries uploading files.  </a:t>
+            </a:r>
+          </a:p>
+          <a:p>
+            <a:pPr marL="0" indent="0">
+              <a:lnSpc>
+                <a:spcPct val="100000"/>
+              </a:lnSpc>
+              <a:spcBef>
+                <a:spcPts val="300"/>
+              </a:spcBef>
+              <a:spcAft>
+                <a:spcPts val="300"/>
+              </a:spcAft>
+              <a:buFont typeface="Arial" panose="020B0604020202020204" pitchFamily="34" charset="0"/>
+              <a:buNone/>
+            </a:pPr>
+            <a:r>
+              <a:rPr lang="en-US" sz="1000" dirty="0">
+                <a:latin typeface="Verdana" panose="020B0604030504040204" pitchFamily="34" charset="0"/>
+                <a:ea typeface="Verdana" panose="020B0604030504040204" pitchFamily="34" charset="0"/>
+              </a:rPr>
+              <a:t>  - Your app needs faster upload/download performance.  </a:t>
+            </a:r>
+          </a:p>
+          <a:p>
+            <a:pPr marL="0" indent="0">
+              <a:lnSpc>
+                <a:spcPct val="100000"/>
+              </a:lnSpc>
+              <a:spcBef>
+                <a:spcPts val="300"/>
+              </a:spcBef>
+              <a:spcAft>
+                <a:spcPts val="300"/>
+              </a:spcAft>
+              <a:buFont typeface="Arial" panose="020B0604020202020204" pitchFamily="34" charset="0"/>
+              <a:buNone/>
+            </a:pPr>
+            <a:r>
+              <a:rPr lang="en-US" sz="1000" dirty="0">
+                <a:latin typeface="Verdana" panose="020B0604030504040204" pitchFamily="34" charset="0"/>
+                <a:ea typeface="Verdana" panose="020B0604030504040204" pitchFamily="34" charset="0"/>
+              </a:rPr>
+              <a:t>  - Your internet speed is slow or has high latency to the S3 region.</a:t>
+            </a:r>
+          </a:p>
+          <a:p>
+            <a:pPr marL="0" indent="0">
+              <a:lnSpc>
+                <a:spcPct val="100000"/>
+              </a:lnSpc>
+              <a:spcBef>
+                <a:spcPts val="300"/>
+              </a:spcBef>
+              <a:spcAft>
+                <a:spcPts val="300"/>
+              </a:spcAft>
+              <a:buFont typeface="Arial" panose="020B0604020202020204" pitchFamily="34" charset="0"/>
+              <a:buNone/>
+            </a:pPr>
+            <a:endParaRPr lang="en-US" sz="1000" dirty="0">
+              <a:latin typeface="Verdana" panose="020B0604030504040204" pitchFamily="34" charset="0"/>
+              <a:ea typeface="Verdana" panose="020B0604030504040204" pitchFamily="34" charset="0"/>
+            </a:endParaRPr>
+          </a:p>
+          <a:p>
+            <a:pPr marL="0" indent="0">
+              <a:lnSpc>
+                <a:spcPct val="100000"/>
+              </a:lnSpc>
+              <a:spcBef>
+                <a:spcPts val="300"/>
+              </a:spcBef>
+              <a:spcAft>
+                <a:spcPts val="300"/>
+              </a:spcAft>
+              <a:buFont typeface="Arial" panose="020B0604020202020204" pitchFamily="34" charset="0"/>
+              <a:buNone/>
+            </a:pPr>
+            <a:r>
+              <a:rPr lang="en-US" sz="1000" b="1" dirty="0">
+                <a:latin typeface="Verdana" panose="020B0604030504040204" pitchFamily="34" charset="0"/>
+                <a:ea typeface="Verdana" panose="020B0604030504040204" pitchFamily="34" charset="0"/>
+              </a:rPr>
+              <a:t>- **Example:**  </a:t>
+            </a:r>
+          </a:p>
+          <a:p>
+            <a:pPr marL="0" indent="0">
+              <a:lnSpc>
+                <a:spcPct val="100000"/>
+              </a:lnSpc>
+              <a:spcBef>
+                <a:spcPts val="300"/>
+              </a:spcBef>
+              <a:spcAft>
+                <a:spcPts val="300"/>
+              </a:spcAft>
+              <a:buFont typeface="Arial" panose="020B0604020202020204" pitchFamily="34" charset="0"/>
+              <a:buNone/>
+            </a:pPr>
+            <a:r>
+              <a:rPr lang="en-US" sz="1000" dirty="0">
+                <a:latin typeface="Verdana" panose="020B0604030504040204" pitchFamily="34" charset="0"/>
+                <a:ea typeface="Verdana" panose="020B0604030504040204" pitchFamily="34" charset="0"/>
+              </a:rPr>
+              <a:t>  Suppose your S3 bucket is in **US-East (Ohio)**, and you are uploading a file from **India**.  </a:t>
+            </a:r>
+          </a:p>
+          <a:p>
+            <a:pPr marL="0" indent="0">
+              <a:lnSpc>
+                <a:spcPct val="100000"/>
+              </a:lnSpc>
+              <a:spcBef>
+                <a:spcPts val="300"/>
+              </a:spcBef>
+              <a:spcAft>
+                <a:spcPts val="300"/>
+              </a:spcAft>
+              <a:buFont typeface="Arial" panose="020B0604020202020204" pitchFamily="34" charset="0"/>
+              <a:buNone/>
+            </a:pPr>
+            <a:r>
+              <a:rPr lang="en-US" sz="1000" dirty="0">
+                <a:latin typeface="Verdana" panose="020B0604030504040204" pitchFamily="34" charset="0"/>
+                <a:ea typeface="Verdana" panose="020B0604030504040204" pitchFamily="34" charset="0"/>
+              </a:rPr>
+              <a:t>  With Transfer Acceleration, the file first goes to the nearest AWS edge location (in Mumbai), then AWS sends it to the US S3 bucket internally.</a:t>
+            </a:r>
+          </a:p>
+          <a:p>
+            <a:pPr marL="0" indent="0">
+              <a:lnSpc>
+                <a:spcPct val="100000"/>
+              </a:lnSpc>
+              <a:spcBef>
+                <a:spcPts val="300"/>
+              </a:spcBef>
+              <a:spcAft>
+                <a:spcPts val="300"/>
+              </a:spcAft>
+              <a:buFont typeface="Arial" panose="020B0604020202020204" pitchFamily="34" charset="0"/>
+              <a:buNone/>
+            </a:pPr>
+            <a:endParaRPr lang="en-US" sz="1000" dirty="0">
+              <a:latin typeface="Verdana" panose="020B0604030504040204" pitchFamily="34" charset="0"/>
+              <a:ea typeface="Verdana" panose="020B0604030504040204" pitchFamily="34" charset="0"/>
+            </a:endParaRPr>
+          </a:p>
+          <a:p>
+            <a:pPr marL="0" indent="0">
+              <a:lnSpc>
+                <a:spcPct val="100000"/>
+              </a:lnSpc>
+              <a:spcBef>
+                <a:spcPts val="300"/>
+              </a:spcBef>
+              <a:spcAft>
+                <a:spcPts val="300"/>
+              </a:spcAft>
+              <a:buFont typeface="Arial" panose="020B0604020202020204" pitchFamily="34" charset="0"/>
+              <a:buNone/>
+            </a:pPr>
+            <a:r>
+              <a:rPr lang="en-US" sz="1000" b="1" dirty="0">
+                <a:latin typeface="Verdana" panose="020B0604030504040204" pitchFamily="34" charset="0"/>
+                <a:ea typeface="Verdana" panose="020B0604030504040204" pitchFamily="34" charset="0"/>
+              </a:rPr>
+              <a:t>- **How to enable it:**  </a:t>
+            </a:r>
+          </a:p>
+          <a:p>
+            <a:pPr marL="0" indent="0">
+              <a:lnSpc>
+                <a:spcPct val="100000"/>
+              </a:lnSpc>
+              <a:spcBef>
+                <a:spcPts val="300"/>
+              </a:spcBef>
+              <a:spcAft>
+                <a:spcPts val="300"/>
+              </a:spcAft>
+              <a:buFont typeface="Arial" panose="020B0604020202020204" pitchFamily="34" charset="0"/>
+              <a:buNone/>
+            </a:pPr>
+            <a:r>
+              <a:rPr lang="en-US" sz="1000" dirty="0">
+                <a:latin typeface="Verdana" panose="020B0604030504040204" pitchFamily="34" charset="0"/>
+                <a:ea typeface="Verdana" panose="020B0604030504040204" pitchFamily="34" charset="0"/>
+              </a:rPr>
+              <a:t>  1. Go to your S3 bucket in AWS Console.  </a:t>
+            </a:r>
+          </a:p>
+          <a:p>
+            <a:pPr marL="0" indent="0">
+              <a:lnSpc>
+                <a:spcPct val="100000"/>
+              </a:lnSpc>
+              <a:spcBef>
+                <a:spcPts val="300"/>
+              </a:spcBef>
+              <a:spcAft>
+                <a:spcPts val="300"/>
+              </a:spcAft>
+              <a:buFont typeface="Arial" panose="020B0604020202020204" pitchFamily="34" charset="0"/>
+              <a:buNone/>
+            </a:pPr>
+            <a:r>
+              <a:rPr lang="en-US" sz="1000" dirty="0">
+                <a:latin typeface="Verdana" panose="020B0604030504040204" pitchFamily="34" charset="0"/>
+                <a:ea typeface="Verdana" panose="020B0604030504040204" pitchFamily="34" charset="0"/>
+              </a:rPr>
+              <a:t>  2. Open **Properties** → find **Transfer Acceleration**.  </a:t>
+            </a:r>
+          </a:p>
+          <a:p>
+            <a:pPr marL="0" indent="0">
+              <a:lnSpc>
+                <a:spcPct val="100000"/>
+              </a:lnSpc>
+              <a:spcBef>
+                <a:spcPts val="300"/>
+              </a:spcBef>
+              <a:spcAft>
+                <a:spcPts val="300"/>
+              </a:spcAft>
+              <a:buFont typeface="Arial" panose="020B0604020202020204" pitchFamily="34" charset="0"/>
+              <a:buNone/>
+            </a:pPr>
+            <a:r>
+              <a:rPr lang="en-US" sz="1000" dirty="0">
+                <a:latin typeface="Verdana" panose="020B0604030504040204" pitchFamily="34" charset="0"/>
+                <a:ea typeface="Verdana" panose="020B0604030504040204" pitchFamily="34" charset="0"/>
+              </a:rPr>
+              <a:t>  3. Enable it.  </a:t>
+            </a:r>
+          </a:p>
+          <a:p>
+            <a:pPr marL="0" indent="0">
+              <a:lnSpc>
+                <a:spcPct val="100000"/>
+              </a:lnSpc>
+              <a:spcBef>
+                <a:spcPts val="300"/>
+              </a:spcBef>
+              <a:spcAft>
+                <a:spcPts val="300"/>
+              </a:spcAft>
+              <a:buFont typeface="Arial" panose="020B0604020202020204" pitchFamily="34" charset="0"/>
+              <a:buNone/>
+            </a:pPr>
+            <a:r>
+              <a:rPr lang="en-US" sz="1000" dirty="0">
+                <a:latin typeface="Verdana" panose="020B0604030504040204" pitchFamily="34" charset="0"/>
+                <a:ea typeface="Verdana" panose="020B0604030504040204" pitchFamily="34" charset="0"/>
+              </a:rPr>
+              <a:t>  4. Use the new URL: `your-bucket-name.s3-accelerate.amazonaws.com`</a:t>
+            </a:r>
+          </a:p>
+          <a:p>
+            <a:pPr marL="0" indent="0">
+              <a:lnSpc>
+                <a:spcPct val="100000"/>
+              </a:lnSpc>
+              <a:spcBef>
+                <a:spcPts val="300"/>
+              </a:spcBef>
+              <a:spcAft>
+                <a:spcPts val="300"/>
+              </a:spcAft>
+              <a:buFont typeface="Arial" panose="020B0604020202020204" pitchFamily="34" charset="0"/>
+              <a:buNone/>
+            </a:pPr>
+            <a:r>
+              <a:rPr lang="en-US" sz="1000" b="1" dirty="0">
+                <a:latin typeface="Verdana" panose="020B0604030504040204" pitchFamily="34" charset="0"/>
+                <a:ea typeface="Verdana" panose="020B0604030504040204" pitchFamily="34" charset="0"/>
+              </a:rPr>
+              <a:t>- **Pricing:**  </a:t>
+            </a:r>
+          </a:p>
+          <a:p>
+            <a:pPr marL="0" indent="0">
+              <a:lnSpc>
+                <a:spcPct val="100000"/>
+              </a:lnSpc>
+              <a:spcBef>
+                <a:spcPts val="300"/>
+              </a:spcBef>
+              <a:spcAft>
+                <a:spcPts val="300"/>
+              </a:spcAft>
+              <a:buFont typeface="Arial" panose="020B0604020202020204" pitchFamily="34" charset="0"/>
+              <a:buNone/>
+            </a:pPr>
+            <a:r>
+              <a:rPr lang="en-US" sz="1000" dirty="0">
+                <a:latin typeface="Verdana" panose="020B0604030504040204" pitchFamily="34" charset="0"/>
+                <a:ea typeface="Verdana" panose="020B0604030504040204" pitchFamily="34" charset="0"/>
+              </a:rPr>
+              <a:t>  Transfer Acceleration has extra cost, based on the data size and source location.</a:t>
+            </a:r>
+          </a:p>
+        </p:txBody>
+      </p:sp>
+      <p:sp>
+        <p:nvSpPr>
+          <p:cNvPr id="2" name="Content Placeholder 2">
+            <a:extLst>
+              <a:ext uri="{FF2B5EF4-FFF2-40B4-BE49-F238E27FC236}">
+                <a16:creationId xmlns:a16="http://schemas.microsoft.com/office/drawing/2014/main" id="{E302A992-A860-C5E7-C5B0-B46B9FA70346}"/>
+              </a:ext>
+            </a:extLst>
+          </p:cNvPr>
+          <p:cNvSpPr txBox="1">
+            <a:spLocks/>
+          </p:cNvSpPr>
+          <p:nvPr/>
+        </p:nvSpPr>
+        <p:spPr>
+          <a:xfrm>
+            <a:off x="339365" y="235671"/>
+            <a:ext cx="5832835" cy="6249970"/>
+          </a:xfrm>
+          <a:prstGeom prst="rect">
+            <a:avLst/>
+          </a:prstGeom>
+        </p:spPr>
+        <p:txBody>
+          <a:bodyPr vert="horz" lIns="91440" tIns="45720" rIns="91440" bIns="45720" rtlCol="0">
+            <a:noAutofit/>
+          </a:bodyPr>
+          <a:lstStyle>
+            <a:lvl1pPr marL="228600" indent="-228600" algn="l" defTabSz="914400" rtl="0" eaLnBrk="1" latinLnBrk="0" hangingPunct="1">
+              <a:lnSpc>
+                <a:spcPct val="90000"/>
+              </a:lnSpc>
+              <a:spcBef>
+                <a:spcPts val="1000"/>
+              </a:spcBef>
+              <a:buFont typeface="Arial" panose="020B0604020202020204" pitchFamily="34" charset="0"/>
+              <a:buChar char="•"/>
+              <a:defRPr sz="2800" kern="1200">
+                <a:solidFill>
+                  <a:schemeClr val="tx1"/>
+                </a:solidFill>
+                <a:latin typeface="+mn-lt"/>
+                <a:ea typeface="+mn-ea"/>
+                <a:cs typeface="+mn-cs"/>
+              </a:defRPr>
+            </a:lvl1pPr>
+            <a:lvl2pPr marL="685800" indent="-228600" algn="l" defTabSz="914400" rtl="0" eaLnBrk="1" latinLnBrk="0" hangingPunct="1">
+              <a:lnSpc>
+                <a:spcPct val="90000"/>
+              </a:lnSpc>
+              <a:spcBef>
+                <a:spcPts val="500"/>
+              </a:spcBef>
+              <a:buFont typeface="Arial" panose="020B0604020202020204" pitchFamily="34" charset="0"/>
+              <a:buChar char="•"/>
+              <a:defRPr sz="2400" kern="1200">
+                <a:solidFill>
+                  <a:schemeClr val="tx1"/>
+                </a:solidFill>
+                <a:latin typeface="+mn-lt"/>
+                <a:ea typeface="+mn-ea"/>
+                <a:cs typeface="+mn-cs"/>
+              </a:defRPr>
+            </a:lvl2pPr>
+            <a:lvl3pPr marL="1143000" indent="-228600" algn="l" defTabSz="914400" rtl="0" eaLnBrk="1" latinLnBrk="0" hangingPunct="1">
+              <a:lnSpc>
+                <a:spcPct val="90000"/>
+              </a:lnSpc>
+              <a:spcBef>
+                <a:spcPts val="500"/>
+              </a:spcBef>
+              <a:buFont typeface="Arial" panose="020B0604020202020204" pitchFamily="34" charset="0"/>
+              <a:buChar char="•"/>
+              <a:defRPr sz="2000" kern="1200">
+                <a:solidFill>
+                  <a:schemeClr val="tx1"/>
+                </a:solidFill>
+                <a:latin typeface="+mn-lt"/>
+                <a:ea typeface="+mn-ea"/>
+                <a:cs typeface="+mn-cs"/>
+              </a:defRPr>
+            </a:lvl3pPr>
+            <a:lvl4pPr marL="1600200" indent="-228600" algn="l" defTabSz="914400" rtl="0" eaLnBrk="1" latinLnBrk="0" hangingPunct="1">
+              <a:lnSpc>
+                <a:spcPct val="90000"/>
+              </a:lnSpc>
+              <a:spcBef>
+                <a:spcPts val="500"/>
+              </a:spcBef>
+              <a:buFont typeface="Arial" panose="020B0604020202020204" pitchFamily="34" charset="0"/>
+              <a:buChar char="•"/>
+              <a:defRPr sz="1800" kern="1200">
+                <a:solidFill>
+                  <a:schemeClr val="tx1"/>
+                </a:solidFill>
+                <a:latin typeface="+mn-lt"/>
+                <a:ea typeface="+mn-ea"/>
+                <a:cs typeface="+mn-cs"/>
+              </a:defRPr>
+            </a:lvl4pPr>
+            <a:lvl5pPr marL="2057400" indent="-228600" algn="l" defTabSz="914400" rtl="0" eaLnBrk="1" latinLnBrk="0" hangingPunct="1">
+              <a:lnSpc>
+                <a:spcPct val="90000"/>
+              </a:lnSpc>
+              <a:spcBef>
+                <a:spcPts val="500"/>
+              </a:spcBef>
+              <a:buFont typeface="Arial" panose="020B0604020202020204" pitchFamily="34" charset="0"/>
+              <a:buChar char="•"/>
+              <a:defRPr sz="1800" kern="1200">
+                <a:solidFill>
+                  <a:schemeClr val="tx1"/>
+                </a:solidFill>
+                <a:latin typeface="+mn-lt"/>
+                <a:ea typeface="+mn-ea"/>
+                <a:cs typeface="+mn-cs"/>
+              </a:defRPr>
+            </a:lvl5pPr>
+            <a:lvl6pPr marL="2514600" indent="-228600" algn="l" defTabSz="914400" rtl="0" eaLnBrk="1" latinLnBrk="0" hangingPunct="1">
+              <a:lnSpc>
+                <a:spcPct val="90000"/>
+              </a:lnSpc>
+              <a:spcBef>
+                <a:spcPts val="500"/>
+              </a:spcBef>
+              <a:buFont typeface="Arial" panose="020B0604020202020204" pitchFamily="34" charset="0"/>
+              <a:buChar char="•"/>
+              <a:defRPr sz="1800" kern="1200">
+                <a:solidFill>
+                  <a:schemeClr val="tx1"/>
+                </a:solidFill>
+                <a:latin typeface="+mn-lt"/>
+                <a:ea typeface="+mn-ea"/>
+                <a:cs typeface="+mn-cs"/>
+              </a:defRPr>
+            </a:lvl6pPr>
+            <a:lvl7pPr marL="2971800" indent="-228600" algn="l" defTabSz="914400" rtl="0" eaLnBrk="1" latinLnBrk="0" hangingPunct="1">
+              <a:lnSpc>
+                <a:spcPct val="90000"/>
+              </a:lnSpc>
+              <a:spcBef>
+                <a:spcPts val="500"/>
+              </a:spcBef>
+              <a:buFont typeface="Arial" panose="020B0604020202020204" pitchFamily="34" charset="0"/>
+              <a:buChar char="•"/>
+              <a:defRPr sz="1800" kern="1200">
+                <a:solidFill>
+                  <a:schemeClr val="tx1"/>
+                </a:solidFill>
+                <a:latin typeface="+mn-lt"/>
+                <a:ea typeface="+mn-ea"/>
+                <a:cs typeface="+mn-cs"/>
+              </a:defRPr>
+            </a:lvl7pPr>
+            <a:lvl8pPr marL="3429000" indent="-228600" algn="l" defTabSz="914400" rtl="0" eaLnBrk="1" latinLnBrk="0" hangingPunct="1">
+              <a:lnSpc>
+                <a:spcPct val="90000"/>
+              </a:lnSpc>
+              <a:spcBef>
+                <a:spcPts val="500"/>
+              </a:spcBef>
+              <a:buFont typeface="Arial" panose="020B0604020202020204" pitchFamily="34" charset="0"/>
+              <a:buChar char="•"/>
+              <a:defRPr sz="1800" kern="1200">
+                <a:solidFill>
+                  <a:schemeClr val="tx1"/>
+                </a:solidFill>
+                <a:latin typeface="+mn-lt"/>
+                <a:ea typeface="+mn-ea"/>
+                <a:cs typeface="+mn-cs"/>
+              </a:defRPr>
+            </a:lvl8pPr>
+            <a:lvl9pPr marL="3886200" indent="-228600" algn="l" defTabSz="914400" rtl="0" eaLnBrk="1" latinLnBrk="0" hangingPunct="1">
+              <a:lnSpc>
+                <a:spcPct val="90000"/>
+              </a:lnSpc>
+              <a:spcBef>
+                <a:spcPts val="500"/>
+              </a:spcBef>
+              <a:buFont typeface="Arial" panose="020B0604020202020204" pitchFamily="34" charset="0"/>
+              <a:buChar char="•"/>
+              <a:defRPr sz="1800" kern="1200">
+                <a:solidFill>
+                  <a:schemeClr val="tx1"/>
+                </a:solidFill>
+                <a:latin typeface="+mn-lt"/>
+                <a:ea typeface="+mn-ea"/>
+                <a:cs typeface="+mn-cs"/>
+              </a:defRPr>
+            </a:lvl9pPr>
+          </a:lstStyle>
+          <a:p>
+            <a:pPr marL="0" indent="0">
+              <a:lnSpc>
+                <a:spcPct val="100000"/>
+              </a:lnSpc>
+              <a:spcBef>
+                <a:spcPts val="600"/>
+              </a:spcBef>
+              <a:spcAft>
+                <a:spcPts val="600"/>
+              </a:spcAft>
+              <a:buFont typeface="Arial" panose="020B0604020202020204" pitchFamily="34" charset="0"/>
+              <a:buNone/>
+            </a:pPr>
+            <a:r>
+              <a:rPr lang="en-US" sz="1000" b="1" dirty="0">
+                <a:latin typeface="Verdana" panose="020B0604030504040204" pitchFamily="34" charset="0"/>
+                <a:ea typeface="Verdana" panose="020B0604030504040204" pitchFamily="34" charset="0"/>
+              </a:rPr>
+              <a:t>**AWS Snow Family**</a:t>
+            </a:r>
+          </a:p>
+          <a:p>
+            <a:pPr marL="0" indent="0">
+              <a:lnSpc>
+                <a:spcPct val="100000"/>
+              </a:lnSpc>
+              <a:spcBef>
+                <a:spcPts val="600"/>
+              </a:spcBef>
+              <a:spcAft>
+                <a:spcPts val="600"/>
+              </a:spcAft>
+              <a:buFont typeface="Arial" panose="020B0604020202020204" pitchFamily="34" charset="0"/>
+              <a:buNone/>
+            </a:pPr>
+            <a:endParaRPr lang="en-US" sz="1000" dirty="0">
+              <a:latin typeface="Verdana" panose="020B0604030504040204" pitchFamily="34" charset="0"/>
+              <a:ea typeface="Verdana" panose="020B0604030504040204" pitchFamily="34" charset="0"/>
+            </a:endParaRPr>
+          </a:p>
+          <a:p>
+            <a:pPr marL="0" indent="0">
+              <a:lnSpc>
+                <a:spcPct val="100000"/>
+              </a:lnSpc>
+              <a:spcBef>
+                <a:spcPts val="600"/>
+              </a:spcBef>
+              <a:spcAft>
+                <a:spcPts val="600"/>
+              </a:spcAft>
+              <a:buFont typeface="Arial" panose="020B0604020202020204" pitchFamily="34" charset="0"/>
+              <a:buNone/>
+            </a:pPr>
+            <a:r>
+              <a:rPr lang="en-US" sz="1000" b="1" dirty="0">
+                <a:latin typeface="Verdana" panose="020B0604030504040204" pitchFamily="34" charset="0"/>
+                <a:ea typeface="Verdana" panose="020B0604030504040204" pitchFamily="34" charset="0"/>
+              </a:rPr>
+              <a:t>1. **AWS Snowball**  </a:t>
+            </a:r>
+          </a:p>
+          <a:p>
+            <a:pPr marL="0" indent="0">
+              <a:lnSpc>
+                <a:spcPct val="100000"/>
+              </a:lnSpc>
+              <a:spcBef>
+                <a:spcPts val="600"/>
+              </a:spcBef>
+              <a:spcAft>
+                <a:spcPts val="600"/>
+              </a:spcAft>
+              <a:buFont typeface="Arial" panose="020B0604020202020204" pitchFamily="34" charset="0"/>
+              <a:buNone/>
+            </a:pPr>
+            <a:r>
+              <a:rPr lang="en-US" sz="1000" dirty="0">
+                <a:latin typeface="Verdana" panose="020B0604030504040204" pitchFamily="34" charset="0"/>
+                <a:ea typeface="Verdana" panose="020B0604030504040204" pitchFamily="34" charset="0"/>
+              </a:rPr>
+              <a:t>   - Used to transfer large amounts of data (e.g., 80TB) into/out of AWS using a physical device.  </a:t>
+            </a:r>
+          </a:p>
+          <a:p>
+            <a:pPr marL="0" indent="0">
+              <a:lnSpc>
+                <a:spcPct val="100000"/>
+              </a:lnSpc>
+              <a:spcBef>
+                <a:spcPts val="600"/>
+              </a:spcBef>
+              <a:spcAft>
+                <a:spcPts val="600"/>
+              </a:spcAft>
+              <a:buFont typeface="Arial" panose="020B0604020202020204" pitchFamily="34" charset="0"/>
+              <a:buNone/>
+            </a:pPr>
+            <a:r>
+              <a:rPr lang="en-US" sz="1000" dirty="0">
+                <a:latin typeface="Verdana" panose="020B0604030504040204" pitchFamily="34" charset="0"/>
+                <a:ea typeface="Verdana" panose="020B0604030504040204" pitchFamily="34" charset="0"/>
+              </a:rPr>
+              <a:t>   - Example: If you have 500TB of data and slow internet, you can request a Snowball, load the data, and ship it to AWS.  </a:t>
+            </a:r>
+          </a:p>
+          <a:p>
+            <a:pPr marL="0" indent="0">
+              <a:lnSpc>
+                <a:spcPct val="100000"/>
+              </a:lnSpc>
+              <a:spcBef>
+                <a:spcPts val="600"/>
+              </a:spcBef>
+              <a:spcAft>
+                <a:spcPts val="600"/>
+              </a:spcAft>
+              <a:buFont typeface="Arial" panose="020B0604020202020204" pitchFamily="34" charset="0"/>
+              <a:buNone/>
+            </a:pPr>
+            <a:r>
+              <a:rPr lang="en-US" sz="1000" dirty="0">
+                <a:latin typeface="Verdana" panose="020B0604030504040204" pitchFamily="34" charset="0"/>
+                <a:ea typeface="Verdana" panose="020B0604030504040204" pitchFamily="34" charset="0"/>
+              </a:rPr>
+              <a:t>   - Benefits: Fast, secure (256-bit encryption), cost-effective, avoids internet transfer.  </a:t>
+            </a:r>
+          </a:p>
+          <a:p>
+            <a:pPr marL="0" indent="0">
+              <a:lnSpc>
+                <a:spcPct val="100000"/>
+              </a:lnSpc>
+              <a:spcBef>
+                <a:spcPts val="600"/>
+              </a:spcBef>
+              <a:spcAft>
+                <a:spcPts val="600"/>
+              </a:spcAft>
+              <a:buFont typeface="Arial" panose="020B0604020202020204" pitchFamily="34" charset="0"/>
+              <a:buNone/>
+            </a:pPr>
+            <a:endParaRPr lang="en-US" sz="1000" dirty="0">
+              <a:latin typeface="Verdana" panose="020B0604030504040204" pitchFamily="34" charset="0"/>
+              <a:ea typeface="Verdana" panose="020B0604030504040204" pitchFamily="34" charset="0"/>
+            </a:endParaRPr>
+          </a:p>
+          <a:p>
+            <a:pPr marL="0" indent="0">
+              <a:lnSpc>
+                <a:spcPct val="100000"/>
+              </a:lnSpc>
+              <a:spcBef>
+                <a:spcPts val="600"/>
+              </a:spcBef>
+              <a:spcAft>
+                <a:spcPts val="600"/>
+              </a:spcAft>
+              <a:buFont typeface="Arial" panose="020B0604020202020204" pitchFamily="34" charset="0"/>
+              <a:buNone/>
+            </a:pPr>
+            <a:r>
+              <a:rPr lang="en-US" sz="1000" b="1" dirty="0">
+                <a:latin typeface="Verdana" panose="020B0604030504040204" pitchFamily="34" charset="0"/>
+                <a:ea typeface="Verdana" panose="020B0604030504040204" pitchFamily="34" charset="0"/>
+              </a:rPr>
+              <a:t>2. **AWS Snowball Edge**  </a:t>
+            </a:r>
+          </a:p>
+          <a:p>
+            <a:pPr marL="0" indent="0">
+              <a:lnSpc>
+                <a:spcPct val="100000"/>
+              </a:lnSpc>
+              <a:spcBef>
+                <a:spcPts val="600"/>
+              </a:spcBef>
+              <a:spcAft>
+                <a:spcPts val="600"/>
+              </a:spcAft>
+              <a:buFont typeface="Arial" panose="020B0604020202020204" pitchFamily="34" charset="0"/>
+              <a:buNone/>
+            </a:pPr>
+            <a:r>
+              <a:rPr lang="en-US" sz="1000" dirty="0">
+                <a:latin typeface="Verdana" panose="020B0604030504040204" pitchFamily="34" charset="0"/>
+                <a:ea typeface="Verdana" panose="020B0604030504040204" pitchFamily="34" charset="0"/>
+              </a:rPr>
+              <a:t>   - 100TB storage device with compute power.  </a:t>
+            </a:r>
+          </a:p>
+          <a:p>
+            <a:pPr marL="0" indent="0">
+              <a:lnSpc>
+                <a:spcPct val="100000"/>
+              </a:lnSpc>
+              <a:spcBef>
+                <a:spcPts val="600"/>
+              </a:spcBef>
+              <a:spcAft>
+                <a:spcPts val="600"/>
+              </a:spcAft>
+              <a:buFont typeface="Arial" panose="020B0604020202020204" pitchFamily="34" charset="0"/>
+              <a:buNone/>
+            </a:pPr>
+            <a:r>
+              <a:rPr lang="en-US" sz="1000" dirty="0">
+                <a:latin typeface="Verdana" panose="020B0604030504040204" pitchFamily="34" charset="0"/>
+                <a:ea typeface="Verdana" panose="020B0604030504040204" pitchFamily="34" charset="0"/>
+              </a:rPr>
+              <a:t>   - Can run Lambda functions and has S3, EC2-compatible endpoints.  </a:t>
+            </a:r>
+          </a:p>
+          <a:p>
+            <a:pPr marL="0" indent="0">
+              <a:lnSpc>
+                <a:spcPct val="100000"/>
+              </a:lnSpc>
+              <a:spcBef>
+                <a:spcPts val="600"/>
+              </a:spcBef>
+              <a:spcAft>
+                <a:spcPts val="600"/>
+              </a:spcAft>
+              <a:buFont typeface="Arial" panose="020B0604020202020204" pitchFamily="34" charset="0"/>
+              <a:buNone/>
+            </a:pPr>
+            <a:r>
+              <a:rPr lang="en-US" sz="1000" dirty="0">
+                <a:latin typeface="Verdana" panose="020B0604030504040204" pitchFamily="34" charset="0"/>
+                <a:ea typeface="Verdana" panose="020B0604030504040204" pitchFamily="34" charset="0"/>
+              </a:rPr>
+              <a:t>   - Example: Aircraft manufacturers collect engine data mid-flight and send it to AWS after landing.  </a:t>
+            </a:r>
+          </a:p>
+          <a:p>
+            <a:pPr marL="0" indent="0">
+              <a:lnSpc>
+                <a:spcPct val="100000"/>
+              </a:lnSpc>
+              <a:spcBef>
+                <a:spcPts val="600"/>
+              </a:spcBef>
+              <a:spcAft>
+                <a:spcPts val="600"/>
+              </a:spcAft>
+              <a:buFont typeface="Arial" panose="020B0604020202020204" pitchFamily="34" charset="0"/>
+              <a:buNone/>
+            </a:pPr>
+            <a:r>
+              <a:rPr lang="en-US" sz="1000" dirty="0">
+                <a:latin typeface="Verdana" panose="020B0604030504040204" pitchFamily="34" charset="0"/>
+                <a:ea typeface="Verdana" panose="020B0604030504040204" pitchFamily="34" charset="0"/>
+              </a:rPr>
+              <a:t>   - Supports clustering for higher durability and local processing.  </a:t>
+            </a:r>
+          </a:p>
+          <a:p>
+            <a:pPr marL="0" indent="0">
+              <a:lnSpc>
+                <a:spcPct val="100000"/>
+              </a:lnSpc>
+              <a:spcBef>
+                <a:spcPts val="600"/>
+              </a:spcBef>
+              <a:spcAft>
+                <a:spcPts val="600"/>
+              </a:spcAft>
+              <a:buFont typeface="Arial" panose="020B0604020202020204" pitchFamily="34" charset="0"/>
+              <a:buNone/>
+            </a:pPr>
+            <a:endParaRPr lang="en-US" sz="1000" dirty="0">
+              <a:latin typeface="Verdana" panose="020B0604030504040204" pitchFamily="34" charset="0"/>
+              <a:ea typeface="Verdana" panose="020B0604030504040204" pitchFamily="34" charset="0"/>
+            </a:endParaRPr>
+          </a:p>
+          <a:p>
+            <a:pPr marL="0" indent="0">
+              <a:lnSpc>
+                <a:spcPct val="100000"/>
+              </a:lnSpc>
+              <a:spcBef>
+                <a:spcPts val="600"/>
+              </a:spcBef>
+              <a:spcAft>
+                <a:spcPts val="600"/>
+              </a:spcAft>
+              <a:buFont typeface="Arial" panose="020B0604020202020204" pitchFamily="34" charset="0"/>
+              <a:buNone/>
+            </a:pPr>
+            <a:r>
+              <a:rPr lang="en-US" sz="1000" b="1" dirty="0">
+                <a:latin typeface="Verdana" panose="020B0604030504040204" pitchFamily="34" charset="0"/>
+                <a:ea typeface="Verdana" panose="020B0604030504040204" pitchFamily="34" charset="0"/>
+              </a:rPr>
+              <a:t>3. **AWS Snowmobile**  </a:t>
+            </a:r>
+          </a:p>
+          <a:p>
+            <a:pPr marL="0" indent="0">
+              <a:lnSpc>
+                <a:spcPct val="100000"/>
+              </a:lnSpc>
+              <a:spcBef>
+                <a:spcPts val="600"/>
+              </a:spcBef>
+              <a:spcAft>
+                <a:spcPts val="600"/>
+              </a:spcAft>
+              <a:buFont typeface="Arial" panose="020B0604020202020204" pitchFamily="34" charset="0"/>
+              <a:buNone/>
+            </a:pPr>
+            <a:r>
+              <a:rPr lang="en-US" sz="1000" dirty="0">
+                <a:latin typeface="Verdana" panose="020B0604030504040204" pitchFamily="34" charset="0"/>
+                <a:ea typeface="Verdana" panose="020B0604030504040204" pitchFamily="34" charset="0"/>
+              </a:rPr>
+              <a:t>   - For very large data (up to 100PB) transfers using a truck with a 45-foot container.  </a:t>
+            </a:r>
+          </a:p>
+          <a:p>
+            <a:pPr marL="0" indent="0">
+              <a:lnSpc>
+                <a:spcPct val="100000"/>
+              </a:lnSpc>
+              <a:spcBef>
+                <a:spcPts val="600"/>
+              </a:spcBef>
+              <a:spcAft>
+                <a:spcPts val="600"/>
+              </a:spcAft>
+              <a:buFont typeface="Arial" panose="020B0604020202020204" pitchFamily="34" charset="0"/>
+              <a:buNone/>
+            </a:pPr>
+            <a:r>
+              <a:rPr lang="en-US" sz="1000" dirty="0">
+                <a:latin typeface="Verdana" panose="020B0604030504040204" pitchFamily="34" charset="0"/>
+                <a:ea typeface="Verdana" panose="020B0604030504040204" pitchFamily="34" charset="0"/>
+              </a:rPr>
+              <a:t>   - Used for full data center migrations.  </a:t>
+            </a:r>
+          </a:p>
+          <a:p>
+            <a:pPr marL="0" indent="0">
+              <a:lnSpc>
+                <a:spcPct val="100000"/>
+              </a:lnSpc>
+              <a:spcBef>
+                <a:spcPts val="600"/>
+              </a:spcBef>
+              <a:spcAft>
+                <a:spcPts val="600"/>
+              </a:spcAft>
+              <a:buFont typeface="Arial" panose="020B0604020202020204" pitchFamily="34" charset="0"/>
+              <a:buNone/>
+            </a:pPr>
+            <a:r>
+              <a:rPr lang="en-US" sz="1000" dirty="0">
+                <a:latin typeface="Verdana" panose="020B0604030504040204" pitchFamily="34" charset="0"/>
+                <a:ea typeface="Verdana" panose="020B0604030504040204" pitchFamily="34" charset="0"/>
+              </a:rPr>
+              <a:t>   - Secure</a:t>
+            </a:r>
+          </a:p>
+        </p:txBody>
+      </p:sp>
+    </p:spTree>
+    <p:extLst>
+      <p:ext uri="{BB962C8B-B14F-4D97-AF65-F5344CB8AC3E}">
+        <p14:creationId xmlns:p14="http://schemas.microsoft.com/office/powerpoint/2010/main" val="1635504995"/>
+      </p:ext>
+    </p:extLst>
+  </p:cSld>
+  <p:clrMapOvr>
+    <a:masterClrMapping/>
+  </p:clrMapOvr>
+</p:sld>
+</file>
+
+<file path=ppt/slides/slide28.xml><?xml version="1.0" encoding="utf-8"?>
+<p:sld xmlns:a="http://schemas.openxmlformats.org/drawingml/2006/main" xmlns:r="http://schemas.openxmlformats.org/officeDocument/2006/relationships" xmlns:p="http://schemas.openxmlformats.org/presentationml/2006/main">
+  <p:cSld>
+    <p:spTree>
+      <p:nvGrpSpPr>
+        <p:cNvPr id="1" name="">
+          <a:extLst>
+            <a:ext uri="{FF2B5EF4-FFF2-40B4-BE49-F238E27FC236}">
+              <a16:creationId xmlns:a16="http://schemas.microsoft.com/office/drawing/2014/main" id="{94B903BB-F0F2-F49B-037A-69FC95BA6965}"/>
+            </a:ext>
+          </a:extLst>
+        </p:cNvPr>
+        <p:cNvGrpSpPr/>
+        <p:nvPr/>
+      </p:nvGrpSpPr>
+      <p:grpSpPr>
+        <a:xfrm>
+          <a:off x="0" y="0"/>
+          <a:ext cx="0" cy="0"/>
+          <a:chOff x="0" y="0"/>
+          <a:chExt cx="0" cy="0"/>
+        </a:xfrm>
+      </p:grpSpPr>
+      <p:sp>
+        <p:nvSpPr>
+          <p:cNvPr id="3" name="Content Placeholder 2">
+            <a:extLst>
+              <a:ext uri="{FF2B5EF4-FFF2-40B4-BE49-F238E27FC236}">
+                <a16:creationId xmlns:a16="http://schemas.microsoft.com/office/drawing/2014/main" id="{322FBE23-0249-79F8-61B7-D7C9797C43F7}"/>
+              </a:ext>
+            </a:extLst>
+          </p:cNvPr>
+          <p:cNvSpPr>
+            <a:spLocks noGrp="1"/>
+          </p:cNvSpPr>
+          <p:nvPr>
+            <p:ph sz="half" idx="1"/>
+          </p:nvPr>
+        </p:nvSpPr>
+        <p:spPr>
+          <a:xfrm>
+            <a:off x="6172200" y="235671"/>
+            <a:ext cx="5181600" cy="6249969"/>
+          </a:xfrm>
+        </p:spPr>
+        <p:txBody>
+          <a:bodyPr>
+            <a:noAutofit/>
+          </a:bodyPr>
+          <a:lstStyle/>
+          <a:p>
+            <a:pPr marL="0" indent="0">
+              <a:lnSpc>
+                <a:spcPct val="150000"/>
+              </a:lnSpc>
+              <a:spcBef>
+                <a:spcPts val="300"/>
+              </a:spcBef>
+              <a:spcAft>
+                <a:spcPts val="300"/>
+              </a:spcAft>
+              <a:buFont typeface="Arial" panose="020B0604020202020204" pitchFamily="34" charset="0"/>
+              <a:buNone/>
+            </a:pPr>
+            <a:endParaRPr lang="en-US" sz="1000" dirty="0">
+              <a:latin typeface="Verdana" panose="020B0604030504040204" pitchFamily="34" charset="0"/>
+              <a:ea typeface="Verdana" panose="020B0604030504040204" pitchFamily="34" charset="0"/>
+            </a:endParaRPr>
+          </a:p>
+          <a:p>
+            <a:pPr marL="0" indent="0">
+              <a:lnSpc>
+                <a:spcPct val="150000"/>
+              </a:lnSpc>
+              <a:spcBef>
+                <a:spcPts val="300"/>
+              </a:spcBef>
+              <a:spcAft>
+                <a:spcPts val="300"/>
+              </a:spcAft>
+              <a:buFont typeface="Arial" panose="020B0604020202020204" pitchFamily="34" charset="0"/>
+              <a:buNone/>
+            </a:pPr>
+            <a:r>
+              <a:rPr lang="en-US" sz="1000" b="1" dirty="0">
+                <a:latin typeface="Verdana" panose="020B0604030504040204" pitchFamily="34" charset="0"/>
+                <a:ea typeface="Verdana" panose="020B0604030504040204" pitchFamily="34" charset="0"/>
+              </a:rPr>
+              <a:t>**3. Creating an EC2 Instance**  </a:t>
+            </a:r>
+          </a:p>
+          <a:p>
+            <a:pPr marL="0" indent="0">
+              <a:lnSpc>
+                <a:spcPct val="150000"/>
+              </a:lnSpc>
+              <a:spcBef>
+                <a:spcPts val="300"/>
+              </a:spcBef>
+              <a:spcAft>
+                <a:spcPts val="300"/>
+              </a:spcAft>
+              <a:buFont typeface="Arial" panose="020B0604020202020204" pitchFamily="34" charset="0"/>
+              <a:buNone/>
+            </a:pPr>
+            <a:r>
+              <a:rPr lang="en-US" sz="1000" dirty="0">
+                <a:latin typeface="Verdana" panose="020B0604030504040204" pitchFamily="34" charset="0"/>
+                <a:ea typeface="Verdana" panose="020B0604030504040204" pitchFamily="34" charset="0"/>
+              </a:rPr>
+              <a:t>Steps to launch a virtual server in the cloud.  </a:t>
+            </a:r>
+          </a:p>
+          <a:p>
+            <a:pPr marL="0" indent="0">
+              <a:lnSpc>
+                <a:spcPct val="150000"/>
+              </a:lnSpc>
+              <a:spcBef>
+                <a:spcPts val="300"/>
+              </a:spcBef>
+              <a:spcAft>
+                <a:spcPts val="300"/>
+              </a:spcAft>
+              <a:buFont typeface="Arial" panose="020B0604020202020204" pitchFamily="34" charset="0"/>
+              <a:buNone/>
+            </a:pPr>
+            <a:r>
+              <a:rPr lang="en-US" sz="1000" dirty="0">
+                <a:latin typeface="Verdana" panose="020B0604030504040204" pitchFamily="34" charset="0"/>
+                <a:ea typeface="Verdana" panose="020B0604030504040204" pitchFamily="34" charset="0"/>
+              </a:rPr>
+              <a:t>**Example**: Launch a free-tier EC2 instance for learning Linux.  </a:t>
+            </a:r>
+          </a:p>
+          <a:p>
+            <a:pPr marL="0" indent="0">
+              <a:lnSpc>
+                <a:spcPct val="150000"/>
+              </a:lnSpc>
+              <a:spcBef>
+                <a:spcPts val="300"/>
+              </a:spcBef>
+              <a:spcAft>
+                <a:spcPts val="300"/>
+              </a:spcAft>
+              <a:buFont typeface="Arial" panose="020B0604020202020204" pitchFamily="34" charset="0"/>
+              <a:buNone/>
+            </a:pPr>
+            <a:r>
+              <a:rPr lang="en-US" sz="1000" dirty="0">
+                <a:latin typeface="Verdana" panose="020B0604030504040204" pitchFamily="34" charset="0"/>
+                <a:ea typeface="Verdana" panose="020B0604030504040204" pitchFamily="34" charset="0"/>
+              </a:rPr>
+              <a:t>**Actions**:  </a:t>
+            </a:r>
+          </a:p>
+          <a:p>
+            <a:pPr marL="0" indent="0">
+              <a:lnSpc>
+                <a:spcPct val="150000"/>
+              </a:lnSpc>
+              <a:spcBef>
+                <a:spcPts val="300"/>
+              </a:spcBef>
+              <a:spcAft>
+                <a:spcPts val="300"/>
+              </a:spcAft>
+              <a:buFont typeface="Arial" panose="020B0604020202020204" pitchFamily="34" charset="0"/>
+              <a:buNone/>
+            </a:pPr>
+            <a:r>
+              <a:rPr lang="en-US" sz="1000" dirty="0">
+                <a:latin typeface="Verdana" panose="020B0604030504040204" pitchFamily="34" charset="0"/>
+                <a:ea typeface="Verdana" panose="020B0604030504040204" pitchFamily="34" charset="0"/>
+              </a:rPr>
+              <a:t>- Go to EC2 Dashboard → Launch Instance  </a:t>
+            </a:r>
+          </a:p>
+          <a:p>
+            <a:pPr marL="0" indent="0">
+              <a:lnSpc>
+                <a:spcPct val="150000"/>
+              </a:lnSpc>
+              <a:spcBef>
+                <a:spcPts val="300"/>
+              </a:spcBef>
+              <a:spcAft>
+                <a:spcPts val="300"/>
+              </a:spcAft>
+              <a:buFont typeface="Arial" panose="020B0604020202020204" pitchFamily="34" charset="0"/>
+              <a:buNone/>
+            </a:pPr>
+            <a:r>
+              <a:rPr lang="en-US" sz="1000" dirty="0">
+                <a:latin typeface="Verdana" panose="020B0604030504040204" pitchFamily="34" charset="0"/>
+                <a:ea typeface="Verdana" panose="020B0604030504040204" pitchFamily="34" charset="0"/>
+              </a:rPr>
+              <a:t>- Choose AMI (e.g. Ubuntu)  </a:t>
+            </a:r>
+          </a:p>
+          <a:p>
+            <a:pPr marL="0" indent="0">
+              <a:lnSpc>
+                <a:spcPct val="150000"/>
+              </a:lnSpc>
+              <a:spcBef>
+                <a:spcPts val="300"/>
+              </a:spcBef>
+              <a:spcAft>
+                <a:spcPts val="300"/>
+              </a:spcAft>
+              <a:buFont typeface="Arial" panose="020B0604020202020204" pitchFamily="34" charset="0"/>
+              <a:buNone/>
+            </a:pPr>
+            <a:r>
+              <a:rPr lang="en-US" sz="1000" dirty="0">
+                <a:latin typeface="Verdana" panose="020B0604030504040204" pitchFamily="34" charset="0"/>
+                <a:ea typeface="Verdana" panose="020B0604030504040204" pitchFamily="34" charset="0"/>
+              </a:rPr>
+              <a:t>- Choose type (e.g. t2.micro)  </a:t>
+            </a:r>
+          </a:p>
+          <a:p>
+            <a:pPr marL="0" indent="0">
+              <a:lnSpc>
+                <a:spcPct val="150000"/>
+              </a:lnSpc>
+              <a:spcBef>
+                <a:spcPts val="300"/>
+              </a:spcBef>
+              <a:spcAft>
+                <a:spcPts val="300"/>
+              </a:spcAft>
+              <a:buFont typeface="Arial" panose="020B0604020202020204" pitchFamily="34" charset="0"/>
+              <a:buNone/>
+            </a:pPr>
+            <a:r>
+              <a:rPr lang="en-US" sz="1000" dirty="0">
+                <a:latin typeface="Verdana" panose="020B0604030504040204" pitchFamily="34" charset="0"/>
+                <a:ea typeface="Verdana" panose="020B0604030504040204" pitchFamily="34" charset="0"/>
+              </a:rPr>
+              <a:t>- Configure storage and security group  </a:t>
+            </a:r>
+          </a:p>
+          <a:p>
+            <a:pPr marL="0" indent="0">
+              <a:lnSpc>
+                <a:spcPct val="150000"/>
+              </a:lnSpc>
+              <a:spcBef>
+                <a:spcPts val="300"/>
+              </a:spcBef>
+              <a:spcAft>
+                <a:spcPts val="300"/>
+              </a:spcAft>
+              <a:buFont typeface="Arial" panose="020B0604020202020204" pitchFamily="34" charset="0"/>
+              <a:buNone/>
+            </a:pPr>
+            <a:r>
+              <a:rPr lang="en-US" sz="1000" dirty="0">
+                <a:latin typeface="Verdana" panose="020B0604030504040204" pitchFamily="34" charset="0"/>
+                <a:ea typeface="Verdana" panose="020B0604030504040204" pitchFamily="34" charset="0"/>
+              </a:rPr>
+              <a:t>- Launch using key pair  </a:t>
+            </a:r>
+          </a:p>
+          <a:p>
+            <a:pPr marL="0" indent="0">
+              <a:lnSpc>
+                <a:spcPct val="150000"/>
+              </a:lnSpc>
+              <a:spcBef>
+                <a:spcPts val="300"/>
+              </a:spcBef>
+              <a:spcAft>
+                <a:spcPts val="300"/>
+              </a:spcAft>
+              <a:buFont typeface="Arial" panose="020B0604020202020204" pitchFamily="34" charset="0"/>
+              <a:buNone/>
+            </a:pPr>
+            <a:endParaRPr lang="en-US" sz="1000" dirty="0">
+              <a:latin typeface="Verdana" panose="020B0604030504040204" pitchFamily="34" charset="0"/>
+              <a:ea typeface="Verdana" panose="020B0604030504040204" pitchFamily="34" charset="0"/>
+            </a:endParaRPr>
+          </a:p>
+          <a:p>
+            <a:pPr marL="0" indent="0">
+              <a:lnSpc>
+                <a:spcPct val="150000"/>
+              </a:lnSpc>
+              <a:spcBef>
+                <a:spcPts val="300"/>
+              </a:spcBef>
+              <a:spcAft>
+                <a:spcPts val="300"/>
+              </a:spcAft>
+              <a:buFont typeface="Arial" panose="020B0604020202020204" pitchFamily="34" charset="0"/>
+              <a:buNone/>
+            </a:pPr>
+            <a:r>
+              <a:rPr lang="en-US" sz="1000" b="1" dirty="0">
+                <a:latin typeface="Verdana" panose="020B0604030504040204" pitchFamily="34" charset="0"/>
+                <a:ea typeface="Verdana" panose="020B0604030504040204" pitchFamily="34" charset="0"/>
+              </a:rPr>
+              <a:t>**4. EBS Volume**  </a:t>
+            </a:r>
+          </a:p>
+          <a:p>
+            <a:pPr marL="0" indent="0">
+              <a:lnSpc>
+                <a:spcPct val="150000"/>
+              </a:lnSpc>
+              <a:spcBef>
+                <a:spcPts val="300"/>
+              </a:spcBef>
+              <a:spcAft>
+                <a:spcPts val="300"/>
+              </a:spcAft>
+              <a:buFont typeface="Arial" panose="020B0604020202020204" pitchFamily="34" charset="0"/>
+              <a:buNone/>
+            </a:pPr>
+            <a:r>
+              <a:rPr lang="en-US" sz="1000" dirty="0">
+                <a:latin typeface="Verdana" panose="020B0604030504040204" pitchFamily="34" charset="0"/>
+                <a:ea typeface="Verdana" panose="020B0604030504040204" pitchFamily="34" charset="0"/>
+              </a:rPr>
+              <a:t>A block-level disk attached to EC2. Can be used for persistent data.  </a:t>
+            </a:r>
+          </a:p>
+          <a:p>
+            <a:pPr marL="0" indent="0">
+              <a:lnSpc>
+                <a:spcPct val="150000"/>
+              </a:lnSpc>
+              <a:spcBef>
+                <a:spcPts val="300"/>
+              </a:spcBef>
+              <a:spcAft>
+                <a:spcPts val="300"/>
+              </a:spcAft>
+              <a:buFont typeface="Arial" panose="020B0604020202020204" pitchFamily="34" charset="0"/>
+              <a:buNone/>
+            </a:pPr>
+            <a:r>
+              <a:rPr lang="en-US" sz="1000" dirty="0">
+                <a:latin typeface="Verdana" panose="020B0604030504040204" pitchFamily="34" charset="0"/>
+                <a:ea typeface="Verdana" panose="020B0604030504040204" pitchFamily="34" charset="0"/>
+              </a:rPr>
+              <a:t>**Example**: Create a separate volume for log files.  </a:t>
+            </a:r>
+          </a:p>
+          <a:p>
+            <a:pPr marL="0" indent="0">
+              <a:lnSpc>
+                <a:spcPct val="150000"/>
+              </a:lnSpc>
+              <a:spcBef>
+                <a:spcPts val="300"/>
+              </a:spcBef>
+              <a:spcAft>
+                <a:spcPts val="300"/>
+              </a:spcAft>
+              <a:buFont typeface="Arial" panose="020B0604020202020204" pitchFamily="34" charset="0"/>
+              <a:buNone/>
+            </a:pPr>
+            <a:r>
+              <a:rPr lang="en-US" sz="1000" dirty="0">
+                <a:latin typeface="Verdana" panose="020B0604030504040204" pitchFamily="34" charset="0"/>
+                <a:ea typeface="Verdana" panose="020B0604030504040204" pitchFamily="34" charset="0"/>
+              </a:rPr>
+              <a:t>**Actions**:  </a:t>
+            </a:r>
+          </a:p>
+          <a:p>
+            <a:pPr marL="0" indent="0">
+              <a:lnSpc>
+                <a:spcPct val="150000"/>
+              </a:lnSpc>
+              <a:spcBef>
+                <a:spcPts val="300"/>
+              </a:spcBef>
+              <a:spcAft>
+                <a:spcPts val="300"/>
+              </a:spcAft>
+              <a:buFont typeface="Arial" panose="020B0604020202020204" pitchFamily="34" charset="0"/>
+              <a:buNone/>
+            </a:pPr>
+            <a:r>
+              <a:rPr lang="en-US" sz="1000" dirty="0">
+                <a:latin typeface="Verdana" panose="020B0604030504040204" pitchFamily="34" charset="0"/>
+                <a:ea typeface="Verdana" panose="020B0604030504040204" pitchFamily="34" charset="0"/>
+              </a:rPr>
+              <a:t>- Create a new EBS Volume  </a:t>
+            </a:r>
+          </a:p>
+          <a:p>
+            <a:pPr marL="0" indent="0">
+              <a:lnSpc>
+                <a:spcPct val="150000"/>
+              </a:lnSpc>
+              <a:spcBef>
+                <a:spcPts val="300"/>
+              </a:spcBef>
+              <a:spcAft>
+                <a:spcPts val="300"/>
+              </a:spcAft>
+              <a:buFont typeface="Arial" panose="020B0604020202020204" pitchFamily="34" charset="0"/>
+              <a:buNone/>
+            </a:pPr>
+            <a:r>
+              <a:rPr lang="en-US" sz="1000" dirty="0">
+                <a:latin typeface="Verdana" panose="020B0604030504040204" pitchFamily="34" charset="0"/>
+                <a:ea typeface="Verdana" panose="020B0604030504040204" pitchFamily="34" charset="0"/>
+              </a:rPr>
+              <a:t>- Attach it to an instance  </a:t>
+            </a:r>
+          </a:p>
+          <a:p>
+            <a:pPr marL="0" indent="0">
+              <a:lnSpc>
+                <a:spcPct val="150000"/>
+              </a:lnSpc>
+              <a:spcBef>
+                <a:spcPts val="300"/>
+              </a:spcBef>
+              <a:spcAft>
+                <a:spcPts val="300"/>
+              </a:spcAft>
+              <a:buFont typeface="Arial" panose="020B0604020202020204" pitchFamily="34" charset="0"/>
+              <a:buNone/>
+            </a:pPr>
+            <a:r>
+              <a:rPr lang="en-US" sz="1000" dirty="0">
+                <a:latin typeface="Verdana" panose="020B0604030504040204" pitchFamily="34" charset="0"/>
+                <a:ea typeface="Verdana" panose="020B0604030504040204" pitchFamily="34" charset="0"/>
+              </a:rPr>
+              <a:t>- Log into EC2 and format the volume  </a:t>
+            </a:r>
+          </a:p>
+          <a:p>
+            <a:pPr marL="0" indent="0">
+              <a:lnSpc>
+                <a:spcPct val="150000"/>
+              </a:lnSpc>
+              <a:spcBef>
+                <a:spcPts val="300"/>
+              </a:spcBef>
+              <a:spcAft>
+                <a:spcPts val="300"/>
+              </a:spcAft>
+              <a:buFont typeface="Arial" panose="020B0604020202020204" pitchFamily="34" charset="0"/>
+              <a:buNone/>
+            </a:pPr>
+            <a:r>
+              <a:rPr lang="en-US" sz="1000" dirty="0">
+                <a:latin typeface="Verdana" panose="020B0604030504040204" pitchFamily="34" charset="0"/>
+                <a:ea typeface="Verdana" panose="020B0604030504040204" pitchFamily="34" charset="0"/>
+              </a:rPr>
+              <a:t>- Mount it using `mount` command </a:t>
+            </a:r>
+          </a:p>
+        </p:txBody>
+      </p:sp>
+      <p:sp>
+        <p:nvSpPr>
+          <p:cNvPr id="2" name="Content Placeholder 2">
+            <a:extLst>
+              <a:ext uri="{FF2B5EF4-FFF2-40B4-BE49-F238E27FC236}">
+                <a16:creationId xmlns:a16="http://schemas.microsoft.com/office/drawing/2014/main" id="{D94DFD59-629C-742A-D2F6-6C2710D56BEC}"/>
+              </a:ext>
+            </a:extLst>
+          </p:cNvPr>
+          <p:cNvSpPr txBox="1">
+            <a:spLocks/>
+          </p:cNvSpPr>
+          <p:nvPr/>
+        </p:nvSpPr>
+        <p:spPr>
+          <a:xfrm>
+            <a:off x="339365" y="235671"/>
+            <a:ext cx="5832835" cy="6249970"/>
+          </a:xfrm>
+          <a:prstGeom prst="rect">
+            <a:avLst/>
+          </a:prstGeom>
+        </p:spPr>
+        <p:txBody>
+          <a:bodyPr vert="horz" lIns="91440" tIns="45720" rIns="91440" bIns="45720" rtlCol="0">
+            <a:noAutofit/>
+          </a:bodyPr>
+          <a:lstStyle>
+            <a:lvl1pPr marL="228600" indent="-228600" algn="l" defTabSz="914400" rtl="0" eaLnBrk="1" latinLnBrk="0" hangingPunct="1">
+              <a:lnSpc>
+                <a:spcPct val="90000"/>
+              </a:lnSpc>
+              <a:spcBef>
+                <a:spcPts val="1000"/>
+              </a:spcBef>
+              <a:buFont typeface="Arial" panose="020B0604020202020204" pitchFamily="34" charset="0"/>
+              <a:buChar char="•"/>
+              <a:defRPr sz="2800" kern="1200">
+                <a:solidFill>
+                  <a:schemeClr val="tx1"/>
+                </a:solidFill>
+                <a:latin typeface="+mn-lt"/>
+                <a:ea typeface="+mn-ea"/>
+                <a:cs typeface="+mn-cs"/>
+              </a:defRPr>
+            </a:lvl1pPr>
+            <a:lvl2pPr marL="685800" indent="-228600" algn="l" defTabSz="914400" rtl="0" eaLnBrk="1" latinLnBrk="0" hangingPunct="1">
+              <a:lnSpc>
+                <a:spcPct val="90000"/>
+              </a:lnSpc>
+              <a:spcBef>
+                <a:spcPts val="500"/>
+              </a:spcBef>
+              <a:buFont typeface="Arial" panose="020B0604020202020204" pitchFamily="34" charset="0"/>
+              <a:buChar char="•"/>
+              <a:defRPr sz="2400" kern="1200">
+                <a:solidFill>
+                  <a:schemeClr val="tx1"/>
+                </a:solidFill>
+                <a:latin typeface="+mn-lt"/>
+                <a:ea typeface="+mn-ea"/>
+                <a:cs typeface="+mn-cs"/>
+              </a:defRPr>
+            </a:lvl2pPr>
+            <a:lvl3pPr marL="1143000" indent="-228600" algn="l" defTabSz="914400" rtl="0" eaLnBrk="1" latinLnBrk="0" hangingPunct="1">
+              <a:lnSpc>
+                <a:spcPct val="90000"/>
+              </a:lnSpc>
+              <a:spcBef>
+                <a:spcPts val="500"/>
+              </a:spcBef>
+              <a:buFont typeface="Arial" panose="020B0604020202020204" pitchFamily="34" charset="0"/>
+              <a:buChar char="•"/>
+              <a:defRPr sz="2000" kern="1200">
+                <a:solidFill>
+                  <a:schemeClr val="tx1"/>
+                </a:solidFill>
+                <a:latin typeface="+mn-lt"/>
+                <a:ea typeface="+mn-ea"/>
+                <a:cs typeface="+mn-cs"/>
+              </a:defRPr>
+            </a:lvl3pPr>
+            <a:lvl4pPr marL="1600200" indent="-228600" algn="l" defTabSz="914400" rtl="0" eaLnBrk="1" latinLnBrk="0" hangingPunct="1">
+              <a:lnSpc>
+                <a:spcPct val="90000"/>
+              </a:lnSpc>
+              <a:spcBef>
+                <a:spcPts val="500"/>
+              </a:spcBef>
+              <a:buFont typeface="Arial" panose="020B0604020202020204" pitchFamily="34" charset="0"/>
+              <a:buChar char="•"/>
+              <a:defRPr sz="1800" kern="1200">
+                <a:solidFill>
+                  <a:schemeClr val="tx1"/>
+                </a:solidFill>
+                <a:latin typeface="+mn-lt"/>
+                <a:ea typeface="+mn-ea"/>
+                <a:cs typeface="+mn-cs"/>
+              </a:defRPr>
+            </a:lvl4pPr>
+            <a:lvl5pPr marL="2057400" indent="-228600" algn="l" defTabSz="914400" rtl="0" eaLnBrk="1" latinLnBrk="0" hangingPunct="1">
+              <a:lnSpc>
+                <a:spcPct val="90000"/>
+              </a:lnSpc>
+              <a:spcBef>
+                <a:spcPts val="500"/>
+              </a:spcBef>
+              <a:buFont typeface="Arial" panose="020B0604020202020204" pitchFamily="34" charset="0"/>
+              <a:buChar char="•"/>
+              <a:defRPr sz="1800" kern="1200">
+                <a:solidFill>
+                  <a:schemeClr val="tx1"/>
+                </a:solidFill>
+                <a:latin typeface="+mn-lt"/>
+                <a:ea typeface="+mn-ea"/>
+                <a:cs typeface="+mn-cs"/>
+              </a:defRPr>
+            </a:lvl5pPr>
+            <a:lvl6pPr marL="2514600" indent="-228600" algn="l" defTabSz="914400" rtl="0" eaLnBrk="1" latinLnBrk="0" hangingPunct="1">
+              <a:lnSpc>
+                <a:spcPct val="90000"/>
+              </a:lnSpc>
+              <a:spcBef>
+                <a:spcPts val="500"/>
+              </a:spcBef>
+              <a:buFont typeface="Arial" panose="020B0604020202020204" pitchFamily="34" charset="0"/>
+              <a:buChar char="•"/>
+              <a:defRPr sz="1800" kern="1200">
+                <a:solidFill>
+                  <a:schemeClr val="tx1"/>
+                </a:solidFill>
+                <a:latin typeface="+mn-lt"/>
+                <a:ea typeface="+mn-ea"/>
+                <a:cs typeface="+mn-cs"/>
+              </a:defRPr>
+            </a:lvl6pPr>
+            <a:lvl7pPr marL="2971800" indent="-228600" algn="l" defTabSz="914400" rtl="0" eaLnBrk="1" latinLnBrk="0" hangingPunct="1">
+              <a:lnSpc>
+                <a:spcPct val="90000"/>
+              </a:lnSpc>
+              <a:spcBef>
+                <a:spcPts val="500"/>
+              </a:spcBef>
+              <a:buFont typeface="Arial" panose="020B0604020202020204" pitchFamily="34" charset="0"/>
+              <a:buChar char="•"/>
+              <a:defRPr sz="1800" kern="1200">
+                <a:solidFill>
+                  <a:schemeClr val="tx1"/>
+                </a:solidFill>
+                <a:latin typeface="+mn-lt"/>
+                <a:ea typeface="+mn-ea"/>
+                <a:cs typeface="+mn-cs"/>
+              </a:defRPr>
+            </a:lvl7pPr>
+            <a:lvl8pPr marL="3429000" indent="-228600" algn="l" defTabSz="914400" rtl="0" eaLnBrk="1" latinLnBrk="0" hangingPunct="1">
+              <a:lnSpc>
+                <a:spcPct val="90000"/>
+              </a:lnSpc>
+              <a:spcBef>
+                <a:spcPts val="500"/>
+              </a:spcBef>
+              <a:buFont typeface="Arial" panose="020B0604020202020204" pitchFamily="34" charset="0"/>
+              <a:buChar char="•"/>
+              <a:defRPr sz="1800" kern="1200">
+                <a:solidFill>
+                  <a:schemeClr val="tx1"/>
+                </a:solidFill>
+                <a:latin typeface="+mn-lt"/>
+                <a:ea typeface="+mn-ea"/>
+                <a:cs typeface="+mn-cs"/>
+              </a:defRPr>
+            </a:lvl8pPr>
+            <a:lvl9pPr marL="3886200" indent="-228600" algn="l" defTabSz="914400" rtl="0" eaLnBrk="1" latinLnBrk="0" hangingPunct="1">
+              <a:lnSpc>
+                <a:spcPct val="90000"/>
+              </a:lnSpc>
+              <a:spcBef>
+                <a:spcPts val="500"/>
+              </a:spcBef>
+              <a:buFont typeface="Arial" panose="020B0604020202020204" pitchFamily="34" charset="0"/>
+              <a:buChar char="•"/>
+              <a:defRPr sz="1800" kern="1200">
+                <a:solidFill>
+                  <a:schemeClr val="tx1"/>
+                </a:solidFill>
+                <a:latin typeface="+mn-lt"/>
+                <a:ea typeface="+mn-ea"/>
+                <a:cs typeface="+mn-cs"/>
+              </a:defRPr>
+            </a:lvl9pPr>
+          </a:lstStyle>
+          <a:p>
+            <a:pPr marL="0" indent="0">
+              <a:lnSpc>
+                <a:spcPct val="100000"/>
+              </a:lnSpc>
+              <a:spcBef>
+                <a:spcPts val="600"/>
+              </a:spcBef>
+              <a:spcAft>
+                <a:spcPts val="600"/>
+              </a:spcAft>
+              <a:buFont typeface="Arial" panose="020B0604020202020204" pitchFamily="34" charset="0"/>
+              <a:buNone/>
+            </a:pPr>
+            <a:r>
+              <a:rPr lang="en-US" sz="1200" b="1" dirty="0">
+                <a:latin typeface="Verdana" panose="020B0604030504040204" pitchFamily="34" charset="0"/>
+                <a:ea typeface="Verdana" panose="020B0604030504040204" pitchFamily="34" charset="0"/>
+              </a:rPr>
+              <a:t>**1. AWS EC2**  </a:t>
+            </a:r>
+          </a:p>
+          <a:p>
+            <a:pPr marL="0" indent="0">
+              <a:lnSpc>
+                <a:spcPct val="100000"/>
+              </a:lnSpc>
+              <a:spcBef>
+                <a:spcPts val="600"/>
+              </a:spcBef>
+              <a:spcAft>
+                <a:spcPts val="600"/>
+              </a:spcAft>
+              <a:buFont typeface="Arial" panose="020B0604020202020204" pitchFamily="34" charset="0"/>
+              <a:buNone/>
+            </a:pPr>
+            <a:r>
+              <a:rPr lang="en-US" sz="1000" dirty="0">
+                <a:latin typeface="Verdana" panose="020B0604030504040204" pitchFamily="34" charset="0"/>
+                <a:ea typeface="Verdana" panose="020B0604030504040204" pitchFamily="34" charset="0"/>
+              </a:rPr>
+              <a:t>EC2 (Elastic Compute Cloud) is a virtual server in the cloud. It allows you to run applications like you would on a physical computer. You can choose the size, memory, and operating system. It is highly scalable and flexible.  </a:t>
+            </a:r>
+          </a:p>
+          <a:p>
+            <a:pPr marL="0" indent="0">
+              <a:lnSpc>
+                <a:spcPct val="100000"/>
+              </a:lnSpc>
+              <a:spcBef>
+                <a:spcPts val="600"/>
+              </a:spcBef>
+              <a:spcAft>
+                <a:spcPts val="600"/>
+              </a:spcAft>
+              <a:buFont typeface="Arial" panose="020B0604020202020204" pitchFamily="34" charset="0"/>
+              <a:buNone/>
+            </a:pPr>
+            <a:r>
+              <a:rPr lang="en-US" sz="1000" dirty="0">
+                <a:latin typeface="Verdana" panose="020B0604030504040204" pitchFamily="34" charset="0"/>
+                <a:ea typeface="Verdana" panose="020B0604030504040204" pitchFamily="34" charset="0"/>
+              </a:rPr>
+              <a:t>**Example**: Hosting a web application using an Ubuntu EC2 instance.  </a:t>
+            </a:r>
+          </a:p>
+          <a:p>
+            <a:pPr marL="0" indent="0">
+              <a:lnSpc>
+                <a:spcPct val="100000"/>
+              </a:lnSpc>
+              <a:spcBef>
+                <a:spcPts val="600"/>
+              </a:spcBef>
+              <a:spcAft>
+                <a:spcPts val="600"/>
+              </a:spcAft>
+              <a:buFont typeface="Arial" panose="020B0604020202020204" pitchFamily="34" charset="0"/>
+              <a:buNone/>
+            </a:pPr>
+            <a:r>
+              <a:rPr lang="en-US" sz="1000" dirty="0">
+                <a:latin typeface="Verdana" panose="020B0604030504040204" pitchFamily="34" charset="0"/>
+                <a:ea typeface="Verdana" panose="020B0604030504040204" pitchFamily="34" charset="0"/>
+              </a:rPr>
+              <a:t>**Actions**:  </a:t>
+            </a:r>
+          </a:p>
+          <a:p>
+            <a:pPr marL="0" indent="0">
+              <a:lnSpc>
+                <a:spcPct val="100000"/>
+              </a:lnSpc>
+              <a:spcBef>
+                <a:spcPts val="600"/>
+              </a:spcBef>
+              <a:spcAft>
+                <a:spcPts val="600"/>
+              </a:spcAft>
+              <a:buFont typeface="Arial" panose="020B0604020202020204" pitchFamily="34" charset="0"/>
+              <a:buNone/>
+            </a:pPr>
+            <a:r>
+              <a:rPr lang="en-US" sz="1000" dirty="0">
+                <a:latin typeface="Verdana" panose="020B0604030504040204" pitchFamily="34" charset="0"/>
+                <a:ea typeface="Verdana" panose="020B0604030504040204" pitchFamily="34" charset="0"/>
+              </a:rPr>
+              <a:t>- Go to EC2 Dashboard  </a:t>
+            </a:r>
+          </a:p>
+          <a:p>
+            <a:pPr marL="0" indent="0">
+              <a:lnSpc>
+                <a:spcPct val="100000"/>
+              </a:lnSpc>
+              <a:spcBef>
+                <a:spcPts val="600"/>
+              </a:spcBef>
+              <a:spcAft>
+                <a:spcPts val="600"/>
+              </a:spcAft>
+              <a:buFont typeface="Arial" panose="020B0604020202020204" pitchFamily="34" charset="0"/>
+              <a:buNone/>
+            </a:pPr>
+            <a:r>
+              <a:rPr lang="en-US" sz="1000" dirty="0">
+                <a:latin typeface="Verdana" panose="020B0604030504040204" pitchFamily="34" charset="0"/>
+                <a:ea typeface="Verdana" panose="020B0604030504040204" pitchFamily="34" charset="0"/>
+              </a:rPr>
+              <a:t>- Click "Launch Instance"  </a:t>
+            </a:r>
+          </a:p>
+          <a:p>
+            <a:pPr marL="0" indent="0">
+              <a:lnSpc>
+                <a:spcPct val="100000"/>
+              </a:lnSpc>
+              <a:spcBef>
+                <a:spcPts val="600"/>
+              </a:spcBef>
+              <a:spcAft>
+                <a:spcPts val="600"/>
+              </a:spcAft>
+              <a:buFont typeface="Arial" panose="020B0604020202020204" pitchFamily="34" charset="0"/>
+              <a:buNone/>
+            </a:pPr>
+            <a:r>
+              <a:rPr lang="en-US" sz="1000" dirty="0">
+                <a:latin typeface="Verdana" panose="020B0604030504040204" pitchFamily="34" charset="0"/>
+                <a:ea typeface="Verdana" panose="020B0604030504040204" pitchFamily="34" charset="0"/>
+              </a:rPr>
+              <a:t>- Select OS and configuration  </a:t>
+            </a:r>
+          </a:p>
+          <a:p>
+            <a:pPr marL="0" indent="0">
+              <a:lnSpc>
+                <a:spcPct val="100000"/>
+              </a:lnSpc>
+              <a:spcBef>
+                <a:spcPts val="600"/>
+              </a:spcBef>
+              <a:spcAft>
+                <a:spcPts val="600"/>
+              </a:spcAft>
+              <a:buFont typeface="Arial" panose="020B0604020202020204" pitchFamily="34" charset="0"/>
+              <a:buNone/>
+            </a:pPr>
+            <a:r>
+              <a:rPr lang="en-US" sz="1000" dirty="0">
+                <a:latin typeface="Verdana" panose="020B0604030504040204" pitchFamily="34" charset="0"/>
+                <a:ea typeface="Verdana" panose="020B0604030504040204" pitchFamily="34" charset="0"/>
+              </a:rPr>
+              <a:t>- Launch with key pair  </a:t>
+            </a:r>
+          </a:p>
+          <a:p>
+            <a:pPr marL="0" indent="0">
+              <a:lnSpc>
+                <a:spcPct val="100000"/>
+              </a:lnSpc>
+              <a:spcBef>
+                <a:spcPts val="600"/>
+              </a:spcBef>
+              <a:spcAft>
+                <a:spcPts val="600"/>
+              </a:spcAft>
+              <a:buFont typeface="Arial" panose="020B0604020202020204" pitchFamily="34" charset="0"/>
+              <a:buNone/>
+            </a:pPr>
+            <a:endParaRPr lang="en-US" sz="1000" dirty="0">
+              <a:latin typeface="Verdana" panose="020B0604030504040204" pitchFamily="34" charset="0"/>
+              <a:ea typeface="Verdana" panose="020B0604030504040204" pitchFamily="34" charset="0"/>
+            </a:endParaRPr>
+          </a:p>
+          <a:p>
+            <a:pPr marL="0" indent="0">
+              <a:lnSpc>
+                <a:spcPct val="100000"/>
+              </a:lnSpc>
+              <a:spcBef>
+                <a:spcPts val="600"/>
+              </a:spcBef>
+              <a:spcAft>
+                <a:spcPts val="600"/>
+              </a:spcAft>
+              <a:buFont typeface="Arial" panose="020B0604020202020204" pitchFamily="34" charset="0"/>
+              <a:buNone/>
+            </a:pPr>
+            <a:r>
+              <a:rPr lang="en-US" sz="1200" b="1" dirty="0">
+                <a:latin typeface="Verdana" panose="020B0604030504040204" pitchFamily="34" charset="0"/>
+                <a:ea typeface="Verdana" panose="020B0604030504040204" pitchFamily="34" charset="0"/>
+              </a:rPr>
+              <a:t>**2. AWS EBS**  </a:t>
+            </a:r>
+          </a:p>
+          <a:p>
+            <a:pPr marL="0" indent="0">
+              <a:lnSpc>
+                <a:spcPct val="100000"/>
+              </a:lnSpc>
+              <a:spcBef>
+                <a:spcPts val="600"/>
+              </a:spcBef>
+              <a:spcAft>
+                <a:spcPts val="600"/>
+              </a:spcAft>
+              <a:buFont typeface="Arial" panose="020B0604020202020204" pitchFamily="34" charset="0"/>
+              <a:buNone/>
+            </a:pPr>
+            <a:r>
+              <a:rPr lang="en-US" sz="1000" dirty="0">
+                <a:latin typeface="Verdana" panose="020B0604030504040204" pitchFamily="34" charset="0"/>
+                <a:ea typeface="Verdana" panose="020B0604030504040204" pitchFamily="34" charset="0"/>
+              </a:rPr>
+              <a:t>EBS (Elastic Block Store) provides storage volumes that can be attached to EC2 instances. It works like a hard drive and stores data even after the instance is stopped.  </a:t>
+            </a:r>
+          </a:p>
+          <a:p>
+            <a:pPr marL="0" indent="0">
+              <a:lnSpc>
+                <a:spcPct val="100000"/>
+              </a:lnSpc>
+              <a:spcBef>
+                <a:spcPts val="600"/>
+              </a:spcBef>
+              <a:spcAft>
+                <a:spcPts val="600"/>
+              </a:spcAft>
+              <a:buFont typeface="Arial" panose="020B0604020202020204" pitchFamily="34" charset="0"/>
+              <a:buNone/>
+            </a:pPr>
+            <a:r>
+              <a:rPr lang="en-US" sz="1000" dirty="0">
+                <a:latin typeface="Verdana" panose="020B0604030504040204" pitchFamily="34" charset="0"/>
+                <a:ea typeface="Verdana" panose="020B0604030504040204" pitchFamily="34" charset="0"/>
+              </a:rPr>
+              <a:t>**Example**: Store files or database data on a 100GB EBS volume.  </a:t>
+            </a:r>
+          </a:p>
+          <a:p>
+            <a:pPr marL="0" indent="0">
+              <a:lnSpc>
+                <a:spcPct val="100000"/>
+              </a:lnSpc>
+              <a:spcBef>
+                <a:spcPts val="600"/>
+              </a:spcBef>
+              <a:spcAft>
+                <a:spcPts val="600"/>
+              </a:spcAft>
+              <a:buFont typeface="Arial" panose="020B0604020202020204" pitchFamily="34" charset="0"/>
+              <a:buNone/>
+            </a:pPr>
+            <a:r>
+              <a:rPr lang="en-US" sz="1000" dirty="0">
+                <a:latin typeface="Verdana" panose="020B0604030504040204" pitchFamily="34" charset="0"/>
+                <a:ea typeface="Verdana" panose="020B0604030504040204" pitchFamily="34" charset="0"/>
+              </a:rPr>
+              <a:t>**Actions**:  </a:t>
+            </a:r>
+          </a:p>
+          <a:p>
+            <a:pPr marL="0" indent="0">
+              <a:lnSpc>
+                <a:spcPct val="100000"/>
+              </a:lnSpc>
+              <a:spcBef>
+                <a:spcPts val="600"/>
+              </a:spcBef>
+              <a:spcAft>
+                <a:spcPts val="600"/>
+              </a:spcAft>
+              <a:buFont typeface="Arial" panose="020B0604020202020204" pitchFamily="34" charset="0"/>
+              <a:buNone/>
+            </a:pPr>
+            <a:r>
+              <a:rPr lang="en-US" sz="1000" dirty="0">
+                <a:latin typeface="Verdana" panose="020B0604030504040204" pitchFamily="34" charset="0"/>
+                <a:ea typeface="Verdana" panose="020B0604030504040204" pitchFamily="34" charset="0"/>
+              </a:rPr>
+              <a:t>- Go to EC2 → Volumes  </a:t>
+            </a:r>
+          </a:p>
+          <a:p>
+            <a:pPr marL="0" indent="0">
+              <a:lnSpc>
+                <a:spcPct val="100000"/>
+              </a:lnSpc>
+              <a:spcBef>
+                <a:spcPts val="600"/>
+              </a:spcBef>
+              <a:spcAft>
+                <a:spcPts val="600"/>
+              </a:spcAft>
+              <a:buFont typeface="Arial" panose="020B0604020202020204" pitchFamily="34" charset="0"/>
+              <a:buNone/>
+            </a:pPr>
+            <a:r>
+              <a:rPr lang="en-US" sz="1000" dirty="0">
+                <a:latin typeface="Verdana" panose="020B0604030504040204" pitchFamily="34" charset="0"/>
+                <a:ea typeface="Verdana" panose="020B0604030504040204" pitchFamily="34" charset="0"/>
+              </a:rPr>
+              <a:t>- Click “Create Volume”  </a:t>
+            </a:r>
+          </a:p>
+          <a:p>
+            <a:pPr marL="0" indent="0">
+              <a:lnSpc>
+                <a:spcPct val="100000"/>
+              </a:lnSpc>
+              <a:spcBef>
+                <a:spcPts val="600"/>
+              </a:spcBef>
+              <a:spcAft>
+                <a:spcPts val="600"/>
+              </a:spcAft>
+              <a:buFont typeface="Arial" panose="020B0604020202020204" pitchFamily="34" charset="0"/>
+              <a:buNone/>
+            </a:pPr>
+            <a:r>
+              <a:rPr lang="en-US" sz="1000" dirty="0">
+                <a:latin typeface="Verdana" panose="020B0604030504040204" pitchFamily="34" charset="0"/>
+                <a:ea typeface="Verdana" panose="020B0604030504040204" pitchFamily="34" charset="0"/>
+              </a:rPr>
+              <a:t>- Attach to EC2 instance  </a:t>
+            </a:r>
+          </a:p>
+          <a:p>
+            <a:pPr marL="0" indent="0">
+              <a:lnSpc>
+                <a:spcPct val="100000"/>
+              </a:lnSpc>
+              <a:spcBef>
+                <a:spcPts val="600"/>
+              </a:spcBef>
+              <a:spcAft>
+                <a:spcPts val="600"/>
+              </a:spcAft>
+              <a:buFont typeface="Arial" panose="020B0604020202020204" pitchFamily="34" charset="0"/>
+              <a:buNone/>
+            </a:pPr>
+            <a:r>
+              <a:rPr lang="en-US" sz="1000" dirty="0">
+                <a:latin typeface="Verdana" panose="020B0604030504040204" pitchFamily="34" charset="0"/>
+                <a:ea typeface="Verdana" panose="020B0604030504040204" pitchFamily="34" charset="0"/>
+              </a:rPr>
+              <a:t>- Mount and use the disk </a:t>
+            </a:r>
+          </a:p>
+        </p:txBody>
+      </p:sp>
+    </p:spTree>
+    <p:extLst>
+      <p:ext uri="{BB962C8B-B14F-4D97-AF65-F5344CB8AC3E}">
+        <p14:creationId xmlns:p14="http://schemas.microsoft.com/office/powerpoint/2010/main" val="697495994"/>
+      </p:ext>
+    </p:extLst>
+  </p:cSld>
+  <p:clrMapOvr>
+    <a:masterClrMapping/>
+  </p:clrMapOvr>
+</p:sld>
+</file>
+
+<file path=ppt/slides/slide29.xml><?xml version="1.0" encoding="utf-8"?>
+<p:sld xmlns:a="http://schemas.openxmlformats.org/drawingml/2006/main" xmlns:r="http://schemas.openxmlformats.org/officeDocument/2006/relationships" xmlns:p="http://schemas.openxmlformats.org/presentationml/2006/main">
+  <p:cSld>
+    <p:spTree>
+      <p:nvGrpSpPr>
+        <p:cNvPr id="1" name="">
+          <a:extLst>
+            <a:ext uri="{FF2B5EF4-FFF2-40B4-BE49-F238E27FC236}">
+              <a16:creationId xmlns:a16="http://schemas.microsoft.com/office/drawing/2014/main" id="{EF923B87-0811-9F3B-E9A6-33A5313262A0}"/>
+            </a:ext>
+          </a:extLst>
+        </p:cNvPr>
+        <p:cNvGrpSpPr/>
+        <p:nvPr/>
+      </p:nvGrpSpPr>
+      <p:grpSpPr>
+        <a:xfrm>
+          <a:off x="0" y="0"/>
+          <a:ext cx="0" cy="0"/>
+          <a:chOff x="0" y="0"/>
+          <a:chExt cx="0" cy="0"/>
+        </a:xfrm>
+      </p:grpSpPr>
+      <p:sp>
+        <p:nvSpPr>
+          <p:cNvPr id="3" name="Content Placeholder 2">
+            <a:extLst>
+              <a:ext uri="{FF2B5EF4-FFF2-40B4-BE49-F238E27FC236}">
+                <a16:creationId xmlns:a16="http://schemas.microsoft.com/office/drawing/2014/main" id="{87062D4E-2D03-DD5A-A439-E69ED38D2F45}"/>
+              </a:ext>
+            </a:extLst>
+          </p:cNvPr>
+          <p:cNvSpPr>
+            <a:spLocks noGrp="1"/>
+          </p:cNvSpPr>
+          <p:nvPr>
+            <p:ph sz="half" idx="1"/>
+          </p:nvPr>
+        </p:nvSpPr>
+        <p:spPr>
+          <a:xfrm>
+            <a:off x="6172200" y="235671"/>
+            <a:ext cx="5181600" cy="6249969"/>
+          </a:xfrm>
+        </p:spPr>
+        <p:txBody>
+          <a:bodyPr>
+            <a:noAutofit/>
+          </a:bodyPr>
+          <a:lstStyle/>
+          <a:p>
+            <a:pPr marL="0" indent="0">
+              <a:lnSpc>
+                <a:spcPct val="150000"/>
+              </a:lnSpc>
+              <a:spcBef>
+                <a:spcPts val="300"/>
+              </a:spcBef>
+              <a:spcAft>
+                <a:spcPts val="300"/>
+              </a:spcAft>
+              <a:buFont typeface="Arial" panose="020B0604020202020204" pitchFamily="34" charset="0"/>
+              <a:buNone/>
+            </a:pPr>
+            <a:r>
+              <a:rPr lang="en-US" sz="1000" b="1" dirty="0">
+                <a:latin typeface="Verdana" panose="020B0604030504040204" pitchFamily="34" charset="0"/>
+                <a:ea typeface="Verdana" panose="020B0604030504040204" pitchFamily="34" charset="0"/>
+              </a:rPr>
+              <a:t>**7. Creating an AMI**  </a:t>
+            </a:r>
+          </a:p>
+          <a:p>
+            <a:pPr marL="0" indent="0">
+              <a:lnSpc>
+                <a:spcPct val="150000"/>
+              </a:lnSpc>
+              <a:spcBef>
+                <a:spcPts val="300"/>
+              </a:spcBef>
+              <a:spcAft>
+                <a:spcPts val="300"/>
+              </a:spcAft>
+              <a:buFont typeface="Arial" panose="020B0604020202020204" pitchFamily="34" charset="0"/>
+              <a:buNone/>
+            </a:pPr>
+            <a:r>
+              <a:rPr lang="en-US" sz="1000" dirty="0">
+                <a:latin typeface="Verdana" panose="020B0604030504040204" pitchFamily="34" charset="0"/>
+                <a:ea typeface="Verdana" panose="020B0604030504040204" pitchFamily="34" charset="0"/>
+              </a:rPr>
+              <a:t>Used to save the configuration of an EC2 for future use.  </a:t>
+            </a:r>
+          </a:p>
+          <a:p>
+            <a:pPr marL="0" indent="0">
+              <a:lnSpc>
+                <a:spcPct val="150000"/>
+              </a:lnSpc>
+              <a:spcBef>
+                <a:spcPts val="300"/>
+              </a:spcBef>
+              <a:spcAft>
+                <a:spcPts val="300"/>
+              </a:spcAft>
+              <a:buFont typeface="Arial" panose="020B0604020202020204" pitchFamily="34" charset="0"/>
+              <a:buNone/>
+            </a:pPr>
+            <a:r>
+              <a:rPr lang="en-US" sz="1000" dirty="0">
+                <a:latin typeface="Verdana" panose="020B0604030504040204" pitchFamily="34" charset="0"/>
+                <a:ea typeface="Verdana" panose="020B0604030504040204" pitchFamily="34" charset="0"/>
+              </a:rPr>
+              <a:t>**Example**: Create an AMI from a configured EC2 with installed software.  </a:t>
+            </a:r>
+          </a:p>
+          <a:p>
+            <a:pPr marL="0" indent="0">
+              <a:lnSpc>
+                <a:spcPct val="150000"/>
+              </a:lnSpc>
+              <a:spcBef>
+                <a:spcPts val="300"/>
+              </a:spcBef>
+              <a:spcAft>
+                <a:spcPts val="300"/>
+              </a:spcAft>
+              <a:buFont typeface="Arial" panose="020B0604020202020204" pitchFamily="34" charset="0"/>
+              <a:buNone/>
+            </a:pPr>
+            <a:r>
+              <a:rPr lang="en-US" sz="1000" dirty="0">
+                <a:latin typeface="Verdana" panose="020B0604030504040204" pitchFamily="34" charset="0"/>
+                <a:ea typeface="Verdana" panose="020B0604030504040204" pitchFamily="34" charset="0"/>
+              </a:rPr>
+              <a:t>**Actions**:  </a:t>
+            </a:r>
+          </a:p>
+          <a:p>
+            <a:pPr marL="0" indent="0">
+              <a:lnSpc>
+                <a:spcPct val="150000"/>
+              </a:lnSpc>
+              <a:spcBef>
+                <a:spcPts val="300"/>
+              </a:spcBef>
+              <a:spcAft>
+                <a:spcPts val="300"/>
+              </a:spcAft>
+              <a:buFont typeface="Arial" panose="020B0604020202020204" pitchFamily="34" charset="0"/>
+              <a:buNone/>
+            </a:pPr>
+            <a:r>
+              <a:rPr lang="en-US" sz="1000" dirty="0">
+                <a:latin typeface="Verdana" panose="020B0604030504040204" pitchFamily="34" charset="0"/>
+                <a:ea typeface="Verdana" panose="020B0604030504040204" pitchFamily="34" charset="0"/>
+              </a:rPr>
+              <a:t>- Go to EC2 → Instances  </a:t>
+            </a:r>
+          </a:p>
+          <a:p>
+            <a:pPr marL="0" indent="0">
+              <a:lnSpc>
+                <a:spcPct val="150000"/>
+              </a:lnSpc>
+              <a:spcBef>
+                <a:spcPts val="300"/>
+              </a:spcBef>
+              <a:spcAft>
+                <a:spcPts val="300"/>
+              </a:spcAft>
+              <a:buFont typeface="Arial" panose="020B0604020202020204" pitchFamily="34" charset="0"/>
+              <a:buNone/>
+            </a:pPr>
+            <a:r>
+              <a:rPr lang="en-US" sz="1000" dirty="0">
+                <a:latin typeface="Verdana" panose="020B0604030504040204" pitchFamily="34" charset="0"/>
+                <a:ea typeface="Verdana" panose="020B0604030504040204" pitchFamily="34" charset="0"/>
+              </a:rPr>
+              <a:t>- Right-click → Create Image  </a:t>
+            </a:r>
+          </a:p>
+          <a:p>
+            <a:pPr marL="0" indent="0">
+              <a:lnSpc>
+                <a:spcPct val="150000"/>
+              </a:lnSpc>
+              <a:spcBef>
+                <a:spcPts val="300"/>
+              </a:spcBef>
+              <a:spcAft>
+                <a:spcPts val="300"/>
+              </a:spcAft>
+              <a:buFont typeface="Arial" panose="020B0604020202020204" pitchFamily="34" charset="0"/>
+              <a:buNone/>
+            </a:pPr>
+            <a:r>
+              <a:rPr lang="en-US" sz="1000" dirty="0">
+                <a:latin typeface="Verdana" panose="020B0604030504040204" pitchFamily="34" charset="0"/>
+                <a:ea typeface="Verdana" panose="020B0604030504040204" pitchFamily="34" charset="0"/>
+              </a:rPr>
+              <a:t>- Provide image name  </a:t>
+            </a:r>
+          </a:p>
+          <a:p>
+            <a:pPr marL="0" indent="0">
+              <a:lnSpc>
+                <a:spcPct val="150000"/>
+              </a:lnSpc>
+              <a:spcBef>
+                <a:spcPts val="300"/>
+              </a:spcBef>
+              <a:spcAft>
+                <a:spcPts val="300"/>
+              </a:spcAft>
+              <a:buFont typeface="Arial" panose="020B0604020202020204" pitchFamily="34" charset="0"/>
+              <a:buNone/>
+            </a:pPr>
+            <a:r>
+              <a:rPr lang="en-US" sz="1000" dirty="0">
+                <a:latin typeface="Verdana" panose="020B0604030504040204" pitchFamily="34" charset="0"/>
+                <a:ea typeface="Verdana" panose="020B0604030504040204" pitchFamily="34" charset="0"/>
+              </a:rPr>
+              <a:t>- Use to launch identical EC2 instances later  </a:t>
+            </a:r>
+          </a:p>
+          <a:p>
+            <a:pPr marL="0" indent="0">
+              <a:lnSpc>
+                <a:spcPct val="150000"/>
+              </a:lnSpc>
+              <a:spcBef>
+                <a:spcPts val="300"/>
+              </a:spcBef>
+              <a:spcAft>
+                <a:spcPts val="300"/>
+              </a:spcAft>
+              <a:buFont typeface="Arial" panose="020B0604020202020204" pitchFamily="34" charset="0"/>
+              <a:buNone/>
+            </a:pPr>
+            <a:endParaRPr lang="en-US" sz="1000" dirty="0">
+              <a:latin typeface="Verdana" panose="020B0604030504040204" pitchFamily="34" charset="0"/>
+              <a:ea typeface="Verdana" panose="020B0604030504040204" pitchFamily="34" charset="0"/>
+            </a:endParaRPr>
+          </a:p>
+          <a:p>
+            <a:pPr marL="0" indent="0">
+              <a:lnSpc>
+                <a:spcPct val="150000"/>
+              </a:lnSpc>
+              <a:spcBef>
+                <a:spcPts val="300"/>
+              </a:spcBef>
+              <a:spcAft>
+                <a:spcPts val="300"/>
+              </a:spcAft>
+              <a:buFont typeface="Arial" panose="020B0604020202020204" pitchFamily="34" charset="0"/>
+              <a:buNone/>
+            </a:pPr>
+            <a:r>
+              <a:rPr lang="en-US" sz="1000" b="1" dirty="0">
+                <a:latin typeface="Verdana" panose="020B0604030504040204" pitchFamily="34" charset="0"/>
+                <a:ea typeface="Verdana" panose="020B0604030504040204" pitchFamily="34" charset="0"/>
+              </a:rPr>
+              <a:t>**8. AWS Load Balancing**  </a:t>
+            </a:r>
+          </a:p>
+          <a:p>
+            <a:pPr marL="0" indent="0">
+              <a:lnSpc>
+                <a:spcPct val="150000"/>
+              </a:lnSpc>
+              <a:spcBef>
+                <a:spcPts val="300"/>
+              </a:spcBef>
+              <a:spcAft>
+                <a:spcPts val="300"/>
+              </a:spcAft>
+              <a:buFont typeface="Arial" panose="020B0604020202020204" pitchFamily="34" charset="0"/>
+              <a:buNone/>
+            </a:pPr>
+            <a:r>
+              <a:rPr lang="en-US" sz="1000" dirty="0">
+                <a:latin typeface="Verdana" panose="020B0604030504040204" pitchFamily="34" charset="0"/>
+                <a:ea typeface="Verdana" panose="020B0604030504040204" pitchFamily="34" charset="0"/>
+              </a:rPr>
+              <a:t>Distributes traffic across multiple EC2 instances. Improves performance and uptime.  </a:t>
+            </a:r>
+          </a:p>
+          <a:p>
+            <a:pPr marL="0" indent="0">
+              <a:lnSpc>
+                <a:spcPct val="150000"/>
+              </a:lnSpc>
+              <a:spcBef>
+                <a:spcPts val="300"/>
+              </a:spcBef>
+              <a:spcAft>
+                <a:spcPts val="300"/>
+              </a:spcAft>
+              <a:buFont typeface="Arial" panose="020B0604020202020204" pitchFamily="34" charset="0"/>
+              <a:buNone/>
+            </a:pPr>
+            <a:r>
+              <a:rPr lang="en-US" sz="1000" dirty="0">
+                <a:latin typeface="Verdana" panose="020B0604030504040204" pitchFamily="34" charset="0"/>
+                <a:ea typeface="Verdana" panose="020B0604030504040204" pitchFamily="34" charset="0"/>
+              </a:rPr>
+              <a:t>**Example**: Distribute website visitors across 3 EC2 instances.  </a:t>
+            </a:r>
+          </a:p>
+          <a:p>
+            <a:pPr marL="0" indent="0">
+              <a:lnSpc>
+                <a:spcPct val="150000"/>
+              </a:lnSpc>
+              <a:spcBef>
+                <a:spcPts val="300"/>
+              </a:spcBef>
+              <a:spcAft>
+                <a:spcPts val="300"/>
+              </a:spcAft>
+              <a:buFont typeface="Arial" panose="020B0604020202020204" pitchFamily="34" charset="0"/>
+              <a:buNone/>
+            </a:pPr>
+            <a:r>
+              <a:rPr lang="en-US" sz="1000" dirty="0">
+                <a:latin typeface="Verdana" panose="020B0604030504040204" pitchFamily="34" charset="0"/>
+                <a:ea typeface="Verdana" panose="020B0604030504040204" pitchFamily="34" charset="0"/>
+              </a:rPr>
+              <a:t>**Actions**:  </a:t>
+            </a:r>
+          </a:p>
+          <a:p>
+            <a:pPr marL="0" indent="0">
+              <a:lnSpc>
+                <a:spcPct val="150000"/>
+              </a:lnSpc>
+              <a:spcBef>
+                <a:spcPts val="300"/>
+              </a:spcBef>
+              <a:spcAft>
+                <a:spcPts val="300"/>
+              </a:spcAft>
+              <a:buFont typeface="Arial" panose="020B0604020202020204" pitchFamily="34" charset="0"/>
+              <a:buNone/>
+            </a:pPr>
+            <a:r>
+              <a:rPr lang="en-US" sz="1000" dirty="0">
+                <a:latin typeface="Verdana" panose="020B0604030504040204" pitchFamily="34" charset="0"/>
+                <a:ea typeface="Verdana" panose="020B0604030504040204" pitchFamily="34" charset="0"/>
+              </a:rPr>
+              <a:t>- Go to EC2 → Load Balancers  </a:t>
+            </a:r>
+          </a:p>
+          <a:p>
+            <a:pPr marL="0" indent="0">
+              <a:lnSpc>
+                <a:spcPct val="150000"/>
+              </a:lnSpc>
+              <a:spcBef>
+                <a:spcPts val="300"/>
+              </a:spcBef>
+              <a:spcAft>
+                <a:spcPts val="300"/>
+              </a:spcAft>
+              <a:buFont typeface="Arial" panose="020B0604020202020204" pitchFamily="34" charset="0"/>
+              <a:buNone/>
+            </a:pPr>
+            <a:r>
+              <a:rPr lang="en-US" sz="1000" dirty="0">
+                <a:latin typeface="Verdana" panose="020B0604030504040204" pitchFamily="34" charset="0"/>
+                <a:ea typeface="Verdana" panose="020B0604030504040204" pitchFamily="34" charset="0"/>
+              </a:rPr>
+              <a:t>- Create Load Balancer  </a:t>
+            </a:r>
+          </a:p>
+          <a:p>
+            <a:pPr marL="0" indent="0">
+              <a:lnSpc>
+                <a:spcPct val="150000"/>
+              </a:lnSpc>
+              <a:spcBef>
+                <a:spcPts val="300"/>
+              </a:spcBef>
+              <a:spcAft>
+                <a:spcPts val="300"/>
+              </a:spcAft>
+              <a:buFont typeface="Arial" panose="020B0604020202020204" pitchFamily="34" charset="0"/>
+              <a:buNone/>
+            </a:pPr>
+            <a:r>
+              <a:rPr lang="en-US" sz="1000" dirty="0">
+                <a:latin typeface="Verdana" panose="020B0604030504040204" pitchFamily="34" charset="0"/>
+                <a:ea typeface="Verdana" panose="020B0604030504040204" pitchFamily="34" charset="0"/>
+              </a:rPr>
+              <a:t>- Configure listeners (like HTTP 80)  </a:t>
+            </a:r>
+          </a:p>
+          <a:p>
+            <a:pPr marL="0" indent="0">
+              <a:lnSpc>
+                <a:spcPct val="150000"/>
+              </a:lnSpc>
+              <a:spcBef>
+                <a:spcPts val="300"/>
+              </a:spcBef>
+              <a:spcAft>
+                <a:spcPts val="300"/>
+              </a:spcAft>
+              <a:buFont typeface="Arial" panose="020B0604020202020204" pitchFamily="34" charset="0"/>
+              <a:buNone/>
+            </a:pPr>
+            <a:r>
+              <a:rPr lang="en-US" sz="1000" dirty="0">
+                <a:latin typeface="Verdana" panose="020B0604030504040204" pitchFamily="34" charset="0"/>
+                <a:ea typeface="Verdana" panose="020B0604030504040204" pitchFamily="34" charset="0"/>
+              </a:rPr>
+              <a:t>- Register EC2 instances </a:t>
+            </a:r>
+          </a:p>
+        </p:txBody>
+      </p:sp>
+      <p:sp>
+        <p:nvSpPr>
+          <p:cNvPr id="2" name="Content Placeholder 2">
+            <a:extLst>
+              <a:ext uri="{FF2B5EF4-FFF2-40B4-BE49-F238E27FC236}">
+                <a16:creationId xmlns:a16="http://schemas.microsoft.com/office/drawing/2014/main" id="{2FD876E8-391D-EF4C-D7CC-4432DE11D3AC}"/>
+              </a:ext>
+            </a:extLst>
+          </p:cNvPr>
+          <p:cNvSpPr txBox="1">
+            <a:spLocks/>
+          </p:cNvSpPr>
+          <p:nvPr/>
+        </p:nvSpPr>
+        <p:spPr>
+          <a:xfrm>
+            <a:off x="339365" y="235671"/>
+            <a:ext cx="5832835" cy="6249970"/>
+          </a:xfrm>
+          <a:prstGeom prst="rect">
+            <a:avLst/>
+          </a:prstGeom>
+        </p:spPr>
+        <p:txBody>
+          <a:bodyPr vert="horz" lIns="91440" tIns="45720" rIns="91440" bIns="45720" rtlCol="0">
+            <a:noAutofit/>
+          </a:bodyPr>
+          <a:lstStyle>
+            <a:lvl1pPr marL="228600" indent="-228600" algn="l" defTabSz="914400" rtl="0" eaLnBrk="1" latinLnBrk="0" hangingPunct="1">
+              <a:lnSpc>
+                <a:spcPct val="90000"/>
+              </a:lnSpc>
+              <a:spcBef>
+                <a:spcPts val="1000"/>
+              </a:spcBef>
+              <a:buFont typeface="Arial" panose="020B0604020202020204" pitchFamily="34" charset="0"/>
+              <a:buChar char="•"/>
+              <a:defRPr sz="2800" kern="1200">
+                <a:solidFill>
+                  <a:schemeClr val="tx1"/>
+                </a:solidFill>
+                <a:latin typeface="+mn-lt"/>
+                <a:ea typeface="+mn-ea"/>
+                <a:cs typeface="+mn-cs"/>
+              </a:defRPr>
+            </a:lvl1pPr>
+            <a:lvl2pPr marL="685800" indent="-228600" algn="l" defTabSz="914400" rtl="0" eaLnBrk="1" latinLnBrk="0" hangingPunct="1">
+              <a:lnSpc>
+                <a:spcPct val="90000"/>
+              </a:lnSpc>
+              <a:spcBef>
+                <a:spcPts val="500"/>
+              </a:spcBef>
+              <a:buFont typeface="Arial" panose="020B0604020202020204" pitchFamily="34" charset="0"/>
+              <a:buChar char="•"/>
+              <a:defRPr sz="2400" kern="1200">
+                <a:solidFill>
+                  <a:schemeClr val="tx1"/>
+                </a:solidFill>
+                <a:latin typeface="+mn-lt"/>
+                <a:ea typeface="+mn-ea"/>
+                <a:cs typeface="+mn-cs"/>
+              </a:defRPr>
+            </a:lvl2pPr>
+            <a:lvl3pPr marL="1143000" indent="-228600" algn="l" defTabSz="914400" rtl="0" eaLnBrk="1" latinLnBrk="0" hangingPunct="1">
+              <a:lnSpc>
+                <a:spcPct val="90000"/>
+              </a:lnSpc>
+              <a:spcBef>
+                <a:spcPts val="500"/>
+              </a:spcBef>
+              <a:buFont typeface="Arial" panose="020B0604020202020204" pitchFamily="34" charset="0"/>
+              <a:buChar char="•"/>
+              <a:defRPr sz="2000" kern="1200">
+                <a:solidFill>
+                  <a:schemeClr val="tx1"/>
+                </a:solidFill>
+                <a:latin typeface="+mn-lt"/>
+                <a:ea typeface="+mn-ea"/>
+                <a:cs typeface="+mn-cs"/>
+              </a:defRPr>
+            </a:lvl3pPr>
+            <a:lvl4pPr marL="1600200" indent="-228600" algn="l" defTabSz="914400" rtl="0" eaLnBrk="1" latinLnBrk="0" hangingPunct="1">
+              <a:lnSpc>
+                <a:spcPct val="90000"/>
+              </a:lnSpc>
+              <a:spcBef>
+                <a:spcPts val="500"/>
+              </a:spcBef>
+              <a:buFont typeface="Arial" panose="020B0604020202020204" pitchFamily="34" charset="0"/>
+              <a:buChar char="•"/>
+              <a:defRPr sz="1800" kern="1200">
+                <a:solidFill>
+                  <a:schemeClr val="tx1"/>
+                </a:solidFill>
+                <a:latin typeface="+mn-lt"/>
+                <a:ea typeface="+mn-ea"/>
+                <a:cs typeface="+mn-cs"/>
+              </a:defRPr>
+            </a:lvl4pPr>
+            <a:lvl5pPr marL="2057400" indent="-228600" algn="l" defTabSz="914400" rtl="0" eaLnBrk="1" latinLnBrk="0" hangingPunct="1">
+              <a:lnSpc>
+                <a:spcPct val="90000"/>
+              </a:lnSpc>
+              <a:spcBef>
+                <a:spcPts val="500"/>
+              </a:spcBef>
+              <a:buFont typeface="Arial" panose="020B0604020202020204" pitchFamily="34" charset="0"/>
+              <a:buChar char="•"/>
+              <a:defRPr sz="1800" kern="1200">
+                <a:solidFill>
+                  <a:schemeClr val="tx1"/>
+                </a:solidFill>
+                <a:latin typeface="+mn-lt"/>
+                <a:ea typeface="+mn-ea"/>
+                <a:cs typeface="+mn-cs"/>
+              </a:defRPr>
+            </a:lvl5pPr>
+            <a:lvl6pPr marL="2514600" indent="-228600" algn="l" defTabSz="914400" rtl="0" eaLnBrk="1" latinLnBrk="0" hangingPunct="1">
+              <a:lnSpc>
+                <a:spcPct val="90000"/>
+              </a:lnSpc>
+              <a:spcBef>
+                <a:spcPts val="500"/>
+              </a:spcBef>
+              <a:buFont typeface="Arial" panose="020B0604020202020204" pitchFamily="34" charset="0"/>
+              <a:buChar char="•"/>
+              <a:defRPr sz="1800" kern="1200">
+                <a:solidFill>
+                  <a:schemeClr val="tx1"/>
+                </a:solidFill>
+                <a:latin typeface="+mn-lt"/>
+                <a:ea typeface="+mn-ea"/>
+                <a:cs typeface="+mn-cs"/>
+              </a:defRPr>
+            </a:lvl6pPr>
+            <a:lvl7pPr marL="2971800" indent="-228600" algn="l" defTabSz="914400" rtl="0" eaLnBrk="1" latinLnBrk="0" hangingPunct="1">
+              <a:lnSpc>
+                <a:spcPct val="90000"/>
+              </a:lnSpc>
+              <a:spcBef>
+                <a:spcPts val="500"/>
+              </a:spcBef>
+              <a:buFont typeface="Arial" panose="020B0604020202020204" pitchFamily="34" charset="0"/>
+              <a:buChar char="•"/>
+              <a:defRPr sz="1800" kern="1200">
+                <a:solidFill>
+                  <a:schemeClr val="tx1"/>
+                </a:solidFill>
+                <a:latin typeface="+mn-lt"/>
+                <a:ea typeface="+mn-ea"/>
+                <a:cs typeface="+mn-cs"/>
+              </a:defRPr>
+            </a:lvl7pPr>
+            <a:lvl8pPr marL="3429000" indent="-228600" algn="l" defTabSz="914400" rtl="0" eaLnBrk="1" latinLnBrk="0" hangingPunct="1">
+              <a:lnSpc>
+                <a:spcPct val="90000"/>
+              </a:lnSpc>
+              <a:spcBef>
+                <a:spcPts val="500"/>
+              </a:spcBef>
+              <a:buFont typeface="Arial" panose="020B0604020202020204" pitchFamily="34" charset="0"/>
+              <a:buChar char="•"/>
+              <a:defRPr sz="1800" kern="1200">
+                <a:solidFill>
+                  <a:schemeClr val="tx1"/>
+                </a:solidFill>
+                <a:latin typeface="+mn-lt"/>
+                <a:ea typeface="+mn-ea"/>
+                <a:cs typeface="+mn-cs"/>
+              </a:defRPr>
+            </a:lvl8pPr>
+            <a:lvl9pPr marL="3886200" indent="-228600" algn="l" defTabSz="914400" rtl="0" eaLnBrk="1" latinLnBrk="0" hangingPunct="1">
+              <a:lnSpc>
+                <a:spcPct val="90000"/>
+              </a:lnSpc>
+              <a:spcBef>
+                <a:spcPts val="500"/>
+              </a:spcBef>
+              <a:buFont typeface="Arial" panose="020B0604020202020204" pitchFamily="34" charset="0"/>
+              <a:buChar char="•"/>
+              <a:defRPr sz="1800" kern="1200">
+                <a:solidFill>
+                  <a:schemeClr val="tx1"/>
+                </a:solidFill>
+                <a:latin typeface="+mn-lt"/>
+                <a:ea typeface="+mn-ea"/>
+                <a:cs typeface="+mn-cs"/>
+              </a:defRPr>
+            </a:lvl9pPr>
+          </a:lstStyle>
+          <a:p>
+            <a:pPr marL="0" indent="0">
+              <a:lnSpc>
+                <a:spcPct val="100000"/>
+              </a:lnSpc>
+              <a:spcBef>
+                <a:spcPts val="600"/>
+              </a:spcBef>
+              <a:spcAft>
+                <a:spcPts val="600"/>
+              </a:spcAft>
+              <a:buFont typeface="Arial" panose="020B0604020202020204" pitchFamily="34" charset="0"/>
+              <a:buNone/>
+            </a:pPr>
+            <a:endParaRPr lang="en-US" sz="1000" dirty="0">
+              <a:latin typeface="Verdana" panose="020B0604030504040204" pitchFamily="34" charset="0"/>
+              <a:ea typeface="Verdana" panose="020B0604030504040204" pitchFamily="34" charset="0"/>
+            </a:endParaRPr>
+          </a:p>
+          <a:p>
+            <a:pPr marL="0" indent="0">
+              <a:lnSpc>
+                <a:spcPct val="100000"/>
+              </a:lnSpc>
+              <a:spcBef>
+                <a:spcPts val="600"/>
+              </a:spcBef>
+              <a:spcAft>
+                <a:spcPts val="600"/>
+              </a:spcAft>
+              <a:buFont typeface="Arial" panose="020B0604020202020204" pitchFamily="34" charset="0"/>
+              <a:buNone/>
+            </a:pPr>
+            <a:r>
+              <a:rPr lang="en-US" sz="1000" b="1" dirty="0">
+                <a:latin typeface="Verdana" panose="020B0604030504040204" pitchFamily="34" charset="0"/>
+                <a:ea typeface="Verdana" panose="020B0604030504040204" pitchFamily="34" charset="0"/>
+              </a:rPr>
+              <a:t>**5. Security Group**  </a:t>
+            </a:r>
+          </a:p>
+          <a:p>
+            <a:pPr marL="0" indent="0">
+              <a:lnSpc>
+                <a:spcPct val="100000"/>
+              </a:lnSpc>
+              <a:spcBef>
+                <a:spcPts val="600"/>
+              </a:spcBef>
+              <a:spcAft>
+                <a:spcPts val="600"/>
+              </a:spcAft>
+              <a:buFont typeface="Arial" panose="020B0604020202020204" pitchFamily="34" charset="0"/>
+              <a:buNone/>
+            </a:pPr>
+            <a:r>
+              <a:rPr lang="en-US" sz="1000" dirty="0">
+                <a:latin typeface="Verdana" panose="020B0604030504040204" pitchFamily="34" charset="0"/>
+                <a:ea typeface="Verdana" panose="020B0604030504040204" pitchFamily="34" charset="0"/>
+              </a:rPr>
+              <a:t>Acts as a virtual firewall for EC2. Allows or blocks traffic based on rules.  </a:t>
+            </a:r>
+          </a:p>
+          <a:p>
+            <a:pPr marL="0" indent="0">
+              <a:lnSpc>
+                <a:spcPct val="100000"/>
+              </a:lnSpc>
+              <a:spcBef>
+                <a:spcPts val="600"/>
+              </a:spcBef>
+              <a:spcAft>
+                <a:spcPts val="600"/>
+              </a:spcAft>
+              <a:buFont typeface="Arial" panose="020B0604020202020204" pitchFamily="34" charset="0"/>
+              <a:buNone/>
+            </a:pPr>
+            <a:r>
+              <a:rPr lang="en-US" sz="1000" dirty="0">
+                <a:latin typeface="Verdana" panose="020B0604030504040204" pitchFamily="34" charset="0"/>
+                <a:ea typeface="Verdana" panose="020B0604030504040204" pitchFamily="34" charset="0"/>
+              </a:rPr>
+              <a:t>**Example**: Allow only port 22 (SSH) and port 80 (HTTP) for web access.  </a:t>
+            </a:r>
+          </a:p>
+          <a:p>
+            <a:pPr marL="0" indent="0">
+              <a:lnSpc>
+                <a:spcPct val="100000"/>
+              </a:lnSpc>
+              <a:spcBef>
+                <a:spcPts val="600"/>
+              </a:spcBef>
+              <a:spcAft>
+                <a:spcPts val="600"/>
+              </a:spcAft>
+              <a:buFont typeface="Arial" panose="020B0604020202020204" pitchFamily="34" charset="0"/>
+              <a:buNone/>
+            </a:pPr>
+            <a:r>
+              <a:rPr lang="en-US" sz="1000" dirty="0">
+                <a:latin typeface="Verdana" panose="020B0604030504040204" pitchFamily="34" charset="0"/>
+                <a:ea typeface="Verdana" panose="020B0604030504040204" pitchFamily="34" charset="0"/>
+              </a:rPr>
+              <a:t>**Actions**:  </a:t>
+            </a:r>
+          </a:p>
+          <a:p>
+            <a:pPr marL="0" indent="0">
+              <a:lnSpc>
+                <a:spcPct val="100000"/>
+              </a:lnSpc>
+              <a:spcBef>
+                <a:spcPts val="600"/>
+              </a:spcBef>
+              <a:spcAft>
+                <a:spcPts val="600"/>
+              </a:spcAft>
+              <a:buFont typeface="Arial" panose="020B0604020202020204" pitchFamily="34" charset="0"/>
+              <a:buNone/>
+            </a:pPr>
+            <a:r>
+              <a:rPr lang="en-US" sz="1000" dirty="0">
+                <a:latin typeface="Verdana" panose="020B0604030504040204" pitchFamily="34" charset="0"/>
+                <a:ea typeface="Verdana" panose="020B0604030504040204" pitchFamily="34" charset="0"/>
+              </a:rPr>
+              <a:t>- Go to Security Groups  </a:t>
+            </a:r>
+          </a:p>
+          <a:p>
+            <a:pPr marL="0" indent="0">
+              <a:lnSpc>
+                <a:spcPct val="100000"/>
+              </a:lnSpc>
+              <a:spcBef>
+                <a:spcPts val="600"/>
+              </a:spcBef>
+              <a:spcAft>
+                <a:spcPts val="600"/>
+              </a:spcAft>
+              <a:buFont typeface="Arial" panose="020B0604020202020204" pitchFamily="34" charset="0"/>
+              <a:buNone/>
+            </a:pPr>
+            <a:r>
+              <a:rPr lang="en-US" sz="1000" dirty="0">
+                <a:latin typeface="Verdana" panose="020B0604030504040204" pitchFamily="34" charset="0"/>
+                <a:ea typeface="Verdana" panose="020B0604030504040204" pitchFamily="34" charset="0"/>
+              </a:rPr>
+              <a:t>- Create or edit one  </a:t>
+            </a:r>
+          </a:p>
+          <a:p>
+            <a:pPr marL="0" indent="0">
+              <a:lnSpc>
+                <a:spcPct val="100000"/>
+              </a:lnSpc>
+              <a:spcBef>
+                <a:spcPts val="600"/>
+              </a:spcBef>
+              <a:spcAft>
+                <a:spcPts val="600"/>
+              </a:spcAft>
+              <a:buFont typeface="Arial" panose="020B0604020202020204" pitchFamily="34" charset="0"/>
+              <a:buNone/>
+            </a:pPr>
+            <a:r>
+              <a:rPr lang="en-US" sz="1000" dirty="0">
+                <a:latin typeface="Verdana" panose="020B0604030504040204" pitchFamily="34" charset="0"/>
+                <a:ea typeface="Verdana" panose="020B0604030504040204" pitchFamily="34" charset="0"/>
+              </a:rPr>
+              <a:t>- Add inbound rules (e.g., allow SSH from your IP)  </a:t>
+            </a:r>
+          </a:p>
+          <a:p>
+            <a:pPr marL="0" indent="0">
+              <a:lnSpc>
+                <a:spcPct val="100000"/>
+              </a:lnSpc>
+              <a:spcBef>
+                <a:spcPts val="600"/>
+              </a:spcBef>
+              <a:spcAft>
+                <a:spcPts val="600"/>
+              </a:spcAft>
+              <a:buFont typeface="Arial" panose="020B0604020202020204" pitchFamily="34" charset="0"/>
+              <a:buNone/>
+            </a:pPr>
+            <a:r>
+              <a:rPr lang="en-US" sz="1000" dirty="0">
+                <a:latin typeface="Verdana" panose="020B0604030504040204" pitchFamily="34" charset="0"/>
+                <a:ea typeface="Verdana" panose="020B0604030504040204" pitchFamily="34" charset="0"/>
+              </a:rPr>
+              <a:t>- Assign to EC2 instance</a:t>
+            </a:r>
+          </a:p>
+          <a:p>
+            <a:pPr marL="0" indent="0">
+              <a:lnSpc>
+                <a:spcPct val="100000"/>
+              </a:lnSpc>
+              <a:spcBef>
+                <a:spcPts val="600"/>
+              </a:spcBef>
+              <a:spcAft>
+                <a:spcPts val="600"/>
+              </a:spcAft>
+              <a:buFont typeface="Arial" panose="020B0604020202020204" pitchFamily="34" charset="0"/>
+              <a:buNone/>
+            </a:pPr>
+            <a:endParaRPr lang="en-US" sz="1000" dirty="0">
+              <a:latin typeface="Verdana" panose="020B0604030504040204" pitchFamily="34" charset="0"/>
+              <a:ea typeface="Verdana" panose="020B0604030504040204" pitchFamily="34" charset="0"/>
+            </a:endParaRPr>
+          </a:p>
+          <a:p>
+            <a:pPr marL="0" indent="0">
+              <a:lnSpc>
+                <a:spcPct val="100000"/>
+              </a:lnSpc>
+              <a:spcBef>
+                <a:spcPts val="600"/>
+              </a:spcBef>
+              <a:spcAft>
+                <a:spcPts val="600"/>
+              </a:spcAft>
+              <a:buFont typeface="Arial" panose="020B0604020202020204" pitchFamily="34" charset="0"/>
+              <a:buNone/>
+            </a:pPr>
+            <a:r>
+              <a:rPr lang="en-US" sz="1000" b="1" dirty="0">
+                <a:latin typeface="Verdana" panose="020B0604030504040204" pitchFamily="34" charset="0"/>
+                <a:ea typeface="Verdana" panose="020B0604030504040204" pitchFamily="34" charset="0"/>
+              </a:rPr>
+              <a:t>**6. AWS AMI**  </a:t>
+            </a:r>
+          </a:p>
+          <a:p>
+            <a:pPr marL="0" indent="0">
+              <a:lnSpc>
+                <a:spcPct val="100000"/>
+              </a:lnSpc>
+              <a:spcBef>
+                <a:spcPts val="600"/>
+              </a:spcBef>
+              <a:spcAft>
+                <a:spcPts val="600"/>
+              </a:spcAft>
+              <a:buFont typeface="Arial" panose="020B0604020202020204" pitchFamily="34" charset="0"/>
+              <a:buNone/>
+            </a:pPr>
+            <a:r>
+              <a:rPr lang="en-US" sz="1000" dirty="0">
+                <a:latin typeface="Verdana" panose="020B0604030504040204" pitchFamily="34" charset="0"/>
+                <a:ea typeface="Verdana" panose="020B0604030504040204" pitchFamily="34" charset="0"/>
+              </a:rPr>
+              <a:t>AMI (Amazon Machine Image) is a ready-to-use OS and software bundle for launching EC2.  </a:t>
+            </a:r>
+          </a:p>
+          <a:p>
+            <a:pPr marL="0" indent="0">
+              <a:lnSpc>
+                <a:spcPct val="100000"/>
+              </a:lnSpc>
+              <a:spcBef>
+                <a:spcPts val="600"/>
+              </a:spcBef>
+              <a:spcAft>
+                <a:spcPts val="600"/>
+              </a:spcAft>
+              <a:buFont typeface="Arial" panose="020B0604020202020204" pitchFamily="34" charset="0"/>
+              <a:buNone/>
+            </a:pPr>
+            <a:r>
+              <a:rPr lang="en-US" sz="1000" dirty="0">
+                <a:latin typeface="Verdana" panose="020B0604030504040204" pitchFamily="34" charset="0"/>
+                <a:ea typeface="Verdana" panose="020B0604030504040204" pitchFamily="34" charset="0"/>
+              </a:rPr>
+              <a:t>**Example**: Use Amazon Linux AMI to launch a web server.  </a:t>
+            </a:r>
+          </a:p>
+          <a:p>
+            <a:pPr marL="0" indent="0">
+              <a:lnSpc>
+                <a:spcPct val="100000"/>
+              </a:lnSpc>
+              <a:spcBef>
+                <a:spcPts val="600"/>
+              </a:spcBef>
+              <a:spcAft>
+                <a:spcPts val="600"/>
+              </a:spcAft>
+              <a:buFont typeface="Arial" panose="020B0604020202020204" pitchFamily="34" charset="0"/>
+              <a:buNone/>
+            </a:pPr>
+            <a:r>
+              <a:rPr lang="en-US" sz="1000" dirty="0">
+                <a:latin typeface="Verdana" panose="020B0604030504040204" pitchFamily="34" charset="0"/>
+                <a:ea typeface="Verdana" panose="020B0604030504040204" pitchFamily="34" charset="0"/>
+              </a:rPr>
+              <a:t>**Actions**:  </a:t>
+            </a:r>
+          </a:p>
+          <a:p>
+            <a:pPr marL="0" indent="0">
+              <a:lnSpc>
+                <a:spcPct val="100000"/>
+              </a:lnSpc>
+              <a:spcBef>
+                <a:spcPts val="600"/>
+              </a:spcBef>
+              <a:spcAft>
+                <a:spcPts val="600"/>
+              </a:spcAft>
+              <a:buFont typeface="Arial" panose="020B0604020202020204" pitchFamily="34" charset="0"/>
+              <a:buNone/>
+            </a:pPr>
+            <a:r>
+              <a:rPr lang="en-US" sz="1000" dirty="0">
+                <a:latin typeface="Verdana" panose="020B0604030504040204" pitchFamily="34" charset="0"/>
+                <a:ea typeface="Verdana" panose="020B0604030504040204" pitchFamily="34" charset="0"/>
+              </a:rPr>
+              <a:t>- Choose AMI during EC2 creation  </a:t>
+            </a:r>
+          </a:p>
+          <a:p>
+            <a:pPr marL="0" indent="0">
+              <a:lnSpc>
+                <a:spcPct val="100000"/>
+              </a:lnSpc>
+              <a:spcBef>
+                <a:spcPts val="600"/>
+              </a:spcBef>
+              <a:spcAft>
+                <a:spcPts val="600"/>
+              </a:spcAft>
+              <a:buFont typeface="Arial" panose="020B0604020202020204" pitchFamily="34" charset="0"/>
+              <a:buNone/>
+            </a:pPr>
+            <a:r>
+              <a:rPr lang="en-US" sz="1000" dirty="0">
+                <a:latin typeface="Verdana" panose="020B0604030504040204" pitchFamily="34" charset="0"/>
+                <a:ea typeface="Verdana" panose="020B0604030504040204" pitchFamily="34" charset="0"/>
+              </a:rPr>
+              <a:t>- Use public AMI or Marketplace AMI  </a:t>
+            </a:r>
+          </a:p>
+          <a:p>
+            <a:pPr marL="0" indent="0">
+              <a:lnSpc>
+                <a:spcPct val="100000"/>
+              </a:lnSpc>
+              <a:spcBef>
+                <a:spcPts val="600"/>
+              </a:spcBef>
+              <a:spcAft>
+                <a:spcPts val="600"/>
+              </a:spcAft>
+              <a:buFont typeface="Arial" panose="020B0604020202020204" pitchFamily="34" charset="0"/>
+              <a:buNone/>
+            </a:pPr>
+            <a:r>
+              <a:rPr lang="en-US" sz="1000" dirty="0">
+                <a:latin typeface="Verdana" panose="020B0604030504040204" pitchFamily="34" charset="0"/>
+                <a:ea typeface="Verdana" panose="020B0604030504040204" pitchFamily="34" charset="0"/>
+              </a:rPr>
+              <a:t>- Launch EC2 with it  </a:t>
+            </a:r>
+          </a:p>
+          <a:p>
+            <a:pPr marL="0" indent="0">
+              <a:lnSpc>
+                <a:spcPct val="100000"/>
+              </a:lnSpc>
+              <a:spcBef>
+                <a:spcPts val="600"/>
+              </a:spcBef>
+              <a:spcAft>
+                <a:spcPts val="600"/>
+              </a:spcAft>
+              <a:buFont typeface="Arial" panose="020B0604020202020204" pitchFamily="34" charset="0"/>
+              <a:buNone/>
+            </a:pPr>
+            <a:endParaRPr lang="en-US" sz="1000" dirty="0">
+              <a:latin typeface="Verdana" panose="020B0604030504040204" pitchFamily="34" charset="0"/>
+              <a:ea typeface="Verdana" panose="020B0604030504040204" pitchFamily="34" charset="0"/>
+            </a:endParaRPr>
+          </a:p>
+        </p:txBody>
+      </p:sp>
+    </p:spTree>
+    <p:extLst>
+      <p:ext uri="{BB962C8B-B14F-4D97-AF65-F5344CB8AC3E}">
+        <p14:creationId xmlns:p14="http://schemas.microsoft.com/office/powerpoint/2010/main" val="1992696820"/>
+      </p:ext>
+    </p:extLst>
+  </p:cSld>
+  <p:clrMapOvr>
+    <a:masterClrMapping/>
+  </p:clrMapOvr>
+</p:sld>
+</file>
+
 <file path=ppt/slides/slide3.xml><?xml version="1.0" encoding="utf-8"?>
 <p:sld xmlns:a="http://schemas.openxmlformats.org/drawingml/2006/main" xmlns:r="http://schemas.openxmlformats.org/officeDocument/2006/relationships" xmlns:p="http://schemas.openxmlformats.org/presentationml/2006/main">
   <p:cSld>
@@ -18158,6 +23469,2587 @@
     <p:extLst>
       <p:ext uri="{BB962C8B-B14F-4D97-AF65-F5344CB8AC3E}">
         <p14:creationId xmlns:p14="http://schemas.microsoft.com/office/powerpoint/2010/main" val="2121398969"/>
+      </p:ext>
+    </p:extLst>
+  </p:cSld>
+  <p:clrMapOvr>
+    <a:masterClrMapping/>
+  </p:clrMapOvr>
+</p:sld>
+</file>
+
+<file path=ppt/slides/slide30.xml><?xml version="1.0" encoding="utf-8"?>
+<p:sld xmlns:a="http://schemas.openxmlformats.org/drawingml/2006/main" xmlns:r="http://schemas.openxmlformats.org/officeDocument/2006/relationships" xmlns:p="http://schemas.openxmlformats.org/presentationml/2006/main">
+  <p:cSld>
+    <p:spTree>
+      <p:nvGrpSpPr>
+        <p:cNvPr id="1" name="">
+          <a:extLst>
+            <a:ext uri="{FF2B5EF4-FFF2-40B4-BE49-F238E27FC236}">
+              <a16:creationId xmlns:a16="http://schemas.microsoft.com/office/drawing/2014/main" id="{DCFEF8E4-1109-3E1A-FBC5-CFACF3CC0592}"/>
+            </a:ext>
+          </a:extLst>
+        </p:cNvPr>
+        <p:cNvGrpSpPr/>
+        <p:nvPr/>
+      </p:nvGrpSpPr>
+      <p:grpSpPr>
+        <a:xfrm>
+          <a:off x="0" y="0"/>
+          <a:ext cx="0" cy="0"/>
+          <a:chOff x="0" y="0"/>
+          <a:chExt cx="0" cy="0"/>
+        </a:xfrm>
+      </p:grpSpPr>
+      <p:sp>
+        <p:nvSpPr>
+          <p:cNvPr id="3" name="Content Placeholder 2">
+            <a:extLst>
+              <a:ext uri="{FF2B5EF4-FFF2-40B4-BE49-F238E27FC236}">
+                <a16:creationId xmlns:a16="http://schemas.microsoft.com/office/drawing/2014/main" id="{14A5E98D-1359-50BF-81B4-E4ED9CAAE553}"/>
+              </a:ext>
+            </a:extLst>
+          </p:cNvPr>
+          <p:cNvSpPr>
+            <a:spLocks noGrp="1"/>
+          </p:cNvSpPr>
+          <p:nvPr>
+            <p:ph sz="half" idx="1"/>
+          </p:nvPr>
+        </p:nvSpPr>
+        <p:spPr>
+          <a:xfrm>
+            <a:off x="6172200" y="235671"/>
+            <a:ext cx="5181600" cy="6249969"/>
+          </a:xfrm>
+        </p:spPr>
+        <p:txBody>
+          <a:bodyPr>
+            <a:noAutofit/>
+          </a:bodyPr>
+          <a:lstStyle/>
+          <a:p>
+            <a:pPr marL="0" indent="0">
+              <a:lnSpc>
+                <a:spcPct val="100000"/>
+              </a:lnSpc>
+              <a:spcBef>
+                <a:spcPts val="300"/>
+              </a:spcBef>
+              <a:spcAft>
+                <a:spcPts val="300"/>
+              </a:spcAft>
+              <a:buFont typeface="Arial" panose="020B0604020202020204" pitchFamily="34" charset="0"/>
+              <a:buNone/>
+            </a:pPr>
+            <a:r>
+              <a:rPr lang="en-US" sz="1000" b="1" dirty="0">
+                <a:latin typeface="Verdana" panose="020B0604030504040204" pitchFamily="34" charset="0"/>
+                <a:ea typeface="Verdana" panose="020B0604030504040204" pitchFamily="34" charset="0"/>
+              </a:rPr>
+              <a:t>**11. Creating a Lambda**  </a:t>
+            </a:r>
+          </a:p>
+          <a:p>
+            <a:pPr marL="0" indent="0">
+              <a:lnSpc>
+                <a:spcPct val="100000"/>
+              </a:lnSpc>
+              <a:spcBef>
+                <a:spcPts val="300"/>
+              </a:spcBef>
+              <a:spcAft>
+                <a:spcPts val="300"/>
+              </a:spcAft>
+              <a:buFont typeface="Arial" panose="020B0604020202020204" pitchFamily="34" charset="0"/>
+              <a:buNone/>
+            </a:pPr>
+            <a:r>
+              <a:rPr lang="en-US" sz="1000" dirty="0">
+                <a:latin typeface="Verdana" panose="020B0604030504040204" pitchFamily="34" charset="0"/>
+                <a:ea typeface="Verdana" panose="020B0604030504040204" pitchFamily="34" charset="0"/>
+              </a:rPr>
+              <a:t>Steps to create a function that runs based on triggers.  </a:t>
+            </a:r>
+          </a:p>
+          <a:p>
+            <a:pPr marL="0" indent="0">
+              <a:lnSpc>
+                <a:spcPct val="100000"/>
+              </a:lnSpc>
+              <a:spcBef>
+                <a:spcPts val="300"/>
+              </a:spcBef>
+              <a:spcAft>
+                <a:spcPts val="300"/>
+              </a:spcAft>
+              <a:buFont typeface="Arial" panose="020B0604020202020204" pitchFamily="34" charset="0"/>
+              <a:buNone/>
+            </a:pPr>
+            <a:r>
+              <a:rPr lang="en-US" sz="1000" dirty="0">
+                <a:latin typeface="Verdana" panose="020B0604030504040204" pitchFamily="34" charset="0"/>
+                <a:ea typeface="Verdana" panose="020B0604030504040204" pitchFamily="34" charset="0"/>
+              </a:rPr>
+              <a:t>**Example**: Send welcome email when a new user signs up.  </a:t>
+            </a:r>
+          </a:p>
+          <a:p>
+            <a:pPr marL="0" indent="0">
+              <a:lnSpc>
+                <a:spcPct val="100000"/>
+              </a:lnSpc>
+              <a:spcBef>
+                <a:spcPts val="300"/>
+              </a:spcBef>
+              <a:spcAft>
+                <a:spcPts val="300"/>
+              </a:spcAft>
+              <a:buFont typeface="Arial" panose="020B0604020202020204" pitchFamily="34" charset="0"/>
+              <a:buNone/>
+            </a:pPr>
+            <a:r>
+              <a:rPr lang="en-US" sz="1000" dirty="0">
+                <a:latin typeface="Verdana" panose="020B0604030504040204" pitchFamily="34" charset="0"/>
+                <a:ea typeface="Verdana" panose="020B0604030504040204" pitchFamily="34" charset="0"/>
+              </a:rPr>
+              <a:t>**Actions**:  </a:t>
+            </a:r>
+          </a:p>
+          <a:p>
+            <a:pPr marL="0" indent="0">
+              <a:lnSpc>
+                <a:spcPct val="100000"/>
+              </a:lnSpc>
+              <a:spcBef>
+                <a:spcPts val="300"/>
+              </a:spcBef>
+              <a:spcAft>
+                <a:spcPts val="300"/>
+              </a:spcAft>
+              <a:buFont typeface="Arial" panose="020B0604020202020204" pitchFamily="34" charset="0"/>
+              <a:buNone/>
+            </a:pPr>
+            <a:r>
+              <a:rPr lang="en-US" sz="1000" dirty="0">
+                <a:latin typeface="Verdana" panose="020B0604030504040204" pitchFamily="34" charset="0"/>
+                <a:ea typeface="Verdana" panose="020B0604030504040204" pitchFamily="34" charset="0"/>
+              </a:rPr>
+              <a:t>- Go to Lambda → Create Function  </a:t>
+            </a:r>
+          </a:p>
+          <a:p>
+            <a:pPr marL="0" indent="0">
+              <a:lnSpc>
+                <a:spcPct val="100000"/>
+              </a:lnSpc>
+              <a:spcBef>
+                <a:spcPts val="300"/>
+              </a:spcBef>
+              <a:spcAft>
+                <a:spcPts val="300"/>
+              </a:spcAft>
+              <a:buFont typeface="Arial" panose="020B0604020202020204" pitchFamily="34" charset="0"/>
+              <a:buNone/>
+            </a:pPr>
+            <a:r>
+              <a:rPr lang="en-US" sz="1000" dirty="0">
+                <a:latin typeface="Verdana" panose="020B0604030504040204" pitchFamily="34" charset="0"/>
+                <a:ea typeface="Verdana" panose="020B0604030504040204" pitchFamily="34" charset="0"/>
+              </a:rPr>
+              <a:t>- Choose author from scratch  </a:t>
+            </a:r>
+          </a:p>
+          <a:p>
+            <a:pPr marL="0" indent="0">
+              <a:lnSpc>
+                <a:spcPct val="100000"/>
+              </a:lnSpc>
+              <a:spcBef>
+                <a:spcPts val="300"/>
+              </a:spcBef>
+              <a:spcAft>
+                <a:spcPts val="300"/>
+              </a:spcAft>
+              <a:buFont typeface="Arial" panose="020B0604020202020204" pitchFamily="34" charset="0"/>
+              <a:buNone/>
+            </a:pPr>
+            <a:r>
+              <a:rPr lang="en-US" sz="1000" dirty="0">
+                <a:latin typeface="Verdana" panose="020B0604030504040204" pitchFamily="34" charset="0"/>
+                <a:ea typeface="Verdana" panose="020B0604030504040204" pitchFamily="34" charset="0"/>
+              </a:rPr>
+              <a:t>- Write or upload code  </a:t>
+            </a:r>
+          </a:p>
+          <a:p>
+            <a:pPr marL="0" indent="0">
+              <a:lnSpc>
+                <a:spcPct val="100000"/>
+              </a:lnSpc>
+              <a:spcBef>
+                <a:spcPts val="300"/>
+              </a:spcBef>
+              <a:spcAft>
+                <a:spcPts val="300"/>
+              </a:spcAft>
+              <a:buFont typeface="Arial" panose="020B0604020202020204" pitchFamily="34" charset="0"/>
+              <a:buNone/>
+            </a:pPr>
+            <a:r>
+              <a:rPr lang="en-US" sz="1000" dirty="0">
+                <a:latin typeface="Verdana" panose="020B0604030504040204" pitchFamily="34" charset="0"/>
+                <a:ea typeface="Verdana" panose="020B0604030504040204" pitchFamily="34" charset="0"/>
+              </a:rPr>
+              <a:t>- Set trigger (e.g., API Gateway or S3)  </a:t>
+            </a:r>
+          </a:p>
+          <a:p>
+            <a:pPr marL="0" indent="0">
+              <a:lnSpc>
+                <a:spcPct val="100000"/>
+              </a:lnSpc>
+              <a:spcBef>
+                <a:spcPts val="300"/>
+              </a:spcBef>
+              <a:spcAft>
+                <a:spcPts val="300"/>
+              </a:spcAft>
+              <a:buFont typeface="Arial" panose="020B0604020202020204" pitchFamily="34" charset="0"/>
+              <a:buNone/>
+            </a:pPr>
+            <a:r>
+              <a:rPr lang="en-US" sz="1000" dirty="0">
+                <a:latin typeface="Verdana" panose="020B0604030504040204" pitchFamily="34" charset="0"/>
+                <a:ea typeface="Verdana" panose="020B0604030504040204" pitchFamily="34" charset="0"/>
+              </a:rPr>
+              <a:t>- Test and monitor  </a:t>
+            </a:r>
+          </a:p>
+          <a:p>
+            <a:pPr marL="0" indent="0">
+              <a:lnSpc>
+                <a:spcPct val="100000"/>
+              </a:lnSpc>
+              <a:spcBef>
+                <a:spcPts val="300"/>
+              </a:spcBef>
+              <a:spcAft>
+                <a:spcPts val="300"/>
+              </a:spcAft>
+              <a:buFont typeface="Arial" panose="020B0604020202020204" pitchFamily="34" charset="0"/>
+              <a:buNone/>
+            </a:pPr>
+            <a:r>
+              <a:rPr lang="en-US" sz="1000" b="1" dirty="0">
+                <a:latin typeface="Verdana" panose="020B0604030504040204" pitchFamily="34" charset="0"/>
+                <a:ea typeface="Verdana" panose="020B0604030504040204" pitchFamily="34" charset="0"/>
+              </a:rPr>
+              <a:t>**12. CloudWatch EC2**  </a:t>
+            </a:r>
+          </a:p>
+          <a:p>
+            <a:pPr marL="0" indent="0">
+              <a:lnSpc>
+                <a:spcPct val="100000"/>
+              </a:lnSpc>
+              <a:spcBef>
+                <a:spcPts val="300"/>
+              </a:spcBef>
+              <a:spcAft>
+                <a:spcPts val="300"/>
+              </a:spcAft>
+              <a:buFont typeface="Arial" panose="020B0604020202020204" pitchFamily="34" charset="0"/>
+              <a:buNone/>
+            </a:pPr>
+            <a:r>
+              <a:rPr lang="en-US" sz="1000" dirty="0">
+                <a:latin typeface="Verdana" panose="020B0604030504040204" pitchFamily="34" charset="0"/>
+                <a:ea typeface="Verdana" panose="020B0604030504040204" pitchFamily="34" charset="0"/>
+              </a:rPr>
+              <a:t>Monitors EC2 metrics like CPU, memory, disk, and sends alerts.  </a:t>
+            </a:r>
+          </a:p>
+          <a:p>
+            <a:pPr marL="0" indent="0">
+              <a:lnSpc>
+                <a:spcPct val="100000"/>
+              </a:lnSpc>
+              <a:spcBef>
+                <a:spcPts val="300"/>
+              </a:spcBef>
+              <a:spcAft>
+                <a:spcPts val="300"/>
+              </a:spcAft>
+              <a:buFont typeface="Arial" panose="020B0604020202020204" pitchFamily="34" charset="0"/>
+              <a:buNone/>
+            </a:pPr>
+            <a:r>
+              <a:rPr lang="en-US" sz="1000" dirty="0">
+                <a:latin typeface="Verdana" panose="020B0604030504040204" pitchFamily="34" charset="0"/>
+                <a:ea typeface="Verdana" panose="020B0604030504040204" pitchFamily="34" charset="0"/>
+              </a:rPr>
+              <a:t>**Example**: Alert when CPU usage &gt; 80%.  </a:t>
+            </a:r>
+          </a:p>
+          <a:p>
+            <a:pPr marL="0" indent="0">
+              <a:lnSpc>
+                <a:spcPct val="100000"/>
+              </a:lnSpc>
+              <a:spcBef>
+                <a:spcPts val="300"/>
+              </a:spcBef>
+              <a:spcAft>
+                <a:spcPts val="300"/>
+              </a:spcAft>
+              <a:buFont typeface="Arial" panose="020B0604020202020204" pitchFamily="34" charset="0"/>
+              <a:buNone/>
+            </a:pPr>
+            <a:r>
+              <a:rPr lang="en-US" sz="1000" dirty="0">
+                <a:latin typeface="Verdana" panose="020B0604030504040204" pitchFamily="34" charset="0"/>
+                <a:ea typeface="Verdana" panose="020B0604030504040204" pitchFamily="34" charset="0"/>
+              </a:rPr>
+              <a:t>**Actions**:  </a:t>
+            </a:r>
+          </a:p>
+          <a:p>
+            <a:pPr marL="0" indent="0">
+              <a:lnSpc>
+                <a:spcPct val="100000"/>
+              </a:lnSpc>
+              <a:spcBef>
+                <a:spcPts val="300"/>
+              </a:spcBef>
+              <a:spcAft>
+                <a:spcPts val="300"/>
+              </a:spcAft>
+              <a:buFont typeface="Arial" panose="020B0604020202020204" pitchFamily="34" charset="0"/>
+              <a:buNone/>
+            </a:pPr>
+            <a:r>
+              <a:rPr lang="en-US" sz="1000" dirty="0">
+                <a:latin typeface="Verdana" panose="020B0604030504040204" pitchFamily="34" charset="0"/>
+                <a:ea typeface="Verdana" panose="020B0604030504040204" pitchFamily="34" charset="0"/>
+              </a:rPr>
+              <a:t>- Go to CloudWatch Console  </a:t>
+            </a:r>
+          </a:p>
+          <a:p>
+            <a:pPr marL="0" indent="0">
+              <a:lnSpc>
+                <a:spcPct val="100000"/>
+              </a:lnSpc>
+              <a:spcBef>
+                <a:spcPts val="300"/>
+              </a:spcBef>
+              <a:spcAft>
+                <a:spcPts val="300"/>
+              </a:spcAft>
+              <a:buFont typeface="Arial" panose="020B0604020202020204" pitchFamily="34" charset="0"/>
+              <a:buNone/>
+            </a:pPr>
+            <a:r>
+              <a:rPr lang="en-US" sz="1000" dirty="0">
+                <a:latin typeface="Verdana" panose="020B0604030504040204" pitchFamily="34" charset="0"/>
+                <a:ea typeface="Verdana" panose="020B0604030504040204" pitchFamily="34" charset="0"/>
+              </a:rPr>
+              <a:t>- Select EC2 metrics  </a:t>
+            </a:r>
+          </a:p>
+          <a:p>
+            <a:pPr marL="0" indent="0">
+              <a:lnSpc>
+                <a:spcPct val="100000"/>
+              </a:lnSpc>
+              <a:spcBef>
+                <a:spcPts val="300"/>
+              </a:spcBef>
+              <a:spcAft>
+                <a:spcPts val="300"/>
+              </a:spcAft>
+              <a:buFont typeface="Arial" panose="020B0604020202020204" pitchFamily="34" charset="0"/>
+              <a:buNone/>
+            </a:pPr>
+            <a:r>
+              <a:rPr lang="en-US" sz="1000" dirty="0">
+                <a:latin typeface="Verdana" panose="020B0604030504040204" pitchFamily="34" charset="0"/>
+                <a:ea typeface="Verdana" panose="020B0604030504040204" pitchFamily="34" charset="0"/>
+              </a:rPr>
+              <a:t>- Create Alarm  </a:t>
+            </a:r>
+          </a:p>
+          <a:p>
+            <a:pPr marL="0" indent="0">
+              <a:lnSpc>
+                <a:spcPct val="100000"/>
+              </a:lnSpc>
+              <a:spcBef>
+                <a:spcPts val="300"/>
+              </a:spcBef>
+              <a:spcAft>
+                <a:spcPts val="300"/>
+              </a:spcAft>
+              <a:buFont typeface="Arial" panose="020B0604020202020204" pitchFamily="34" charset="0"/>
+              <a:buNone/>
+            </a:pPr>
+            <a:r>
+              <a:rPr lang="en-US" sz="1000" dirty="0">
+                <a:latin typeface="Verdana" panose="020B0604030504040204" pitchFamily="34" charset="0"/>
+                <a:ea typeface="Verdana" panose="020B0604030504040204" pitchFamily="34" charset="0"/>
+              </a:rPr>
+              <a:t>- Set threshold and notification  </a:t>
+            </a:r>
+          </a:p>
+          <a:p>
+            <a:pPr marL="0" indent="0">
+              <a:lnSpc>
+                <a:spcPct val="100000"/>
+              </a:lnSpc>
+              <a:spcBef>
+                <a:spcPts val="300"/>
+              </a:spcBef>
+              <a:spcAft>
+                <a:spcPts val="300"/>
+              </a:spcAft>
+              <a:buFont typeface="Arial" panose="020B0604020202020204" pitchFamily="34" charset="0"/>
+              <a:buNone/>
+            </a:pPr>
+            <a:r>
+              <a:rPr lang="en-US" sz="1000" b="1" dirty="0">
+                <a:latin typeface="Verdana" panose="020B0604030504040204" pitchFamily="34" charset="0"/>
+                <a:ea typeface="Verdana" panose="020B0604030504040204" pitchFamily="34" charset="0"/>
+              </a:rPr>
+              <a:t>**13. AWS Bash Script**  </a:t>
+            </a:r>
+          </a:p>
+          <a:p>
+            <a:pPr marL="0" indent="0">
+              <a:lnSpc>
+                <a:spcPct val="100000"/>
+              </a:lnSpc>
+              <a:spcBef>
+                <a:spcPts val="0"/>
+              </a:spcBef>
+              <a:buFont typeface="Arial" panose="020B0604020202020204" pitchFamily="34" charset="0"/>
+              <a:buNone/>
+            </a:pPr>
+            <a:r>
+              <a:rPr lang="en-US" sz="1000" dirty="0">
+                <a:latin typeface="Verdana" panose="020B0604030504040204" pitchFamily="34" charset="0"/>
+                <a:ea typeface="Verdana" panose="020B0604030504040204" pitchFamily="34" charset="0"/>
+              </a:rPr>
+              <a:t>Used to automate tasks during EC2 launch like installing software.  </a:t>
+            </a:r>
+          </a:p>
+          <a:p>
+            <a:pPr marL="0" indent="0">
+              <a:lnSpc>
+                <a:spcPct val="100000"/>
+              </a:lnSpc>
+              <a:spcBef>
+                <a:spcPts val="0"/>
+              </a:spcBef>
+              <a:buFont typeface="Arial" panose="020B0604020202020204" pitchFamily="34" charset="0"/>
+              <a:buNone/>
+            </a:pPr>
+            <a:r>
+              <a:rPr lang="en-US" sz="1000" dirty="0">
+                <a:latin typeface="Verdana" panose="020B0604030504040204" pitchFamily="34" charset="0"/>
+                <a:ea typeface="Verdana" panose="020B0604030504040204" pitchFamily="34" charset="0"/>
+              </a:rPr>
+              <a:t>**Example**: Install Apache during EC2 launch.  </a:t>
+            </a:r>
+          </a:p>
+          <a:p>
+            <a:pPr marL="0" indent="0">
+              <a:lnSpc>
+                <a:spcPct val="100000"/>
+              </a:lnSpc>
+              <a:spcBef>
+                <a:spcPts val="0"/>
+              </a:spcBef>
+              <a:buFont typeface="Arial" panose="020B0604020202020204" pitchFamily="34" charset="0"/>
+              <a:buNone/>
+            </a:pPr>
+            <a:r>
+              <a:rPr lang="en-US" sz="1000" dirty="0">
+                <a:latin typeface="Verdana" panose="020B0604030504040204" pitchFamily="34" charset="0"/>
+                <a:ea typeface="Verdana" panose="020B0604030504040204" pitchFamily="34" charset="0"/>
+              </a:rPr>
+              <a:t>**Actions**:  </a:t>
+            </a:r>
+          </a:p>
+          <a:p>
+            <a:pPr marL="0" indent="0">
+              <a:lnSpc>
+                <a:spcPct val="100000"/>
+              </a:lnSpc>
+              <a:spcBef>
+                <a:spcPts val="0"/>
+              </a:spcBef>
+              <a:buFont typeface="Arial" panose="020B0604020202020204" pitchFamily="34" charset="0"/>
+              <a:buNone/>
+            </a:pPr>
+            <a:r>
+              <a:rPr lang="en-US" sz="1000" dirty="0">
+                <a:latin typeface="Verdana" panose="020B0604030504040204" pitchFamily="34" charset="0"/>
+                <a:ea typeface="Verdana" panose="020B0604030504040204" pitchFamily="34" charset="0"/>
+              </a:rPr>
+              <a:t>- Create a script:</a:t>
+            </a:r>
+          </a:p>
+          <a:p>
+            <a:pPr marL="0" indent="0">
+              <a:lnSpc>
+                <a:spcPct val="100000"/>
+              </a:lnSpc>
+              <a:spcBef>
+                <a:spcPts val="0"/>
+              </a:spcBef>
+              <a:buFont typeface="Arial" panose="020B0604020202020204" pitchFamily="34" charset="0"/>
+              <a:buNone/>
+            </a:pPr>
+            <a:r>
+              <a:rPr lang="en-US" sz="1000" dirty="0">
+                <a:latin typeface="Verdana" panose="020B0604030504040204" pitchFamily="34" charset="0"/>
+                <a:ea typeface="Verdana" panose="020B0604030504040204" pitchFamily="34" charset="0"/>
+              </a:rPr>
+              <a:t>  ```bash</a:t>
+            </a:r>
+          </a:p>
+          <a:p>
+            <a:pPr marL="0" indent="0">
+              <a:lnSpc>
+                <a:spcPct val="100000"/>
+              </a:lnSpc>
+              <a:spcBef>
+                <a:spcPts val="0"/>
+              </a:spcBef>
+              <a:buFont typeface="Arial" panose="020B0604020202020204" pitchFamily="34" charset="0"/>
+              <a:buNone/>
+            </a:pPr>
+            <a:r>
+              <a:rPr lang="en-US" sz="1000" dirty="0">
+                <a:latin typeface="Verdana" panose="020B0604030504040204" pitchFamily="34" charset="0"/>
+                <a:ea typeface="Verdana" panose="020B0604030504040204" pitchFamily="34" charset="0"/>
+              </a:rPr>
+              <a:t>  #!/bin/bash</a:t>
+            </a:r>
+          </a:p>
+          <a:p>
+            <a:pPr marL="0" indent="0">
+              <a:lnSpc>
+                <a:spcPct val="100000"/>
+              </a:lnSpc>
+              <a:spcBef>
+                <a:spcPts val="0"/>
+              </a:spcBef>
+              <a:buFont typeface="Arial" panose="020B0604020202020204" pitchFamily="34" charset="0"/>
+              <a:buNone/>
+            </a:pPr>
+            <a:r>
+              <a:rPr lang="en-US" sz="1000" dirty="0">
+                <a:latin typeface="Verdana" panose="020B0604030504040204" pitchFamily="34" charset="0"/>
+                <a:ea typeface="Verdana" panose="020B0604030504040204" pitchFamily="34" charset="0"/>
+              </a:rPr>
+              <a:t>  yum update -y</a:t>
+            </a:r>
+          </a:p>
+          <a:p>
+            <a:pPr marL="0" indent="0">
+              <a:lnSpc>
+                <a:spcPct val="100000"/>
+              </a:lnSpc>
+              <a:spcBef>
+                <a:spcPts val="0"/>
+              </a:spcBef>
+              <a:buFont typeface="Arial" panose="020B0604020202020204" pitchFamily="34" charset="0"/>
+              <a:buNone/>
+            </a:pPr>
+            <a:r>
+              <a:rPr lang="en-US" sz="1000" dirty="0">
+                <a:latin typeface="Verdana" panose="020B0604030504040204" pitchFamily="34" charset="0"/>
+                <a:ea typeface="Verdana" panose="020B0604030504040204" pitchFamily="34" charset="0"/>
+              </a:rPr>
+              <a:t>  yum install httpd -y</a:t>
+            </a:r>
+          </a:p>
+          <a:p>
+            <a:pPr marL="0" indent="0">
+              <a:lnSpc>
+                <a:spcPct val="100000"/>
+              </a:lnSpc>
+              <a:spcBef>
+                <a:spcPts val="0"/>
+              </a:spcBef>
+              <a:buFont typeface="Arial" panose="020B0604020202020204" pitchFamily="34" charset="0"/>
+              <a:buNone/>
+            </a:pPr>
+            <a:r>
+              <a:rPr lang="en-US" sz="1000" dirty="0">
+                <a:latin typeface="Verdana" panose="020B0604030504040204" pitchFamily="34" charset="0"/>
+                <a:ea typeface="Verdana" panose="020B0604030504040204" pitchFamily="34" charset="0"/>
+              </a:rPr>
+              <a:t>  </a:t>
+            </a:r>
+            <a:r>
+              <a:rPr lang="en-US" sz="1000" dirty="0" err="1">
+                <a:latin typeface="Verdana" panose="020B0604030504040204" pitchFamily="34" charset="0"/>
+                <a:ea typeface="Verdana" panose="020B0604030504040204" pitchFamily="34" charset="0"/>
+              </a:rPr>
+              <a:t>systemctl</a:t>
+            </a:r>
+            <a:r>
+              <a:rPr lang="en-US" sz="1000" dirty="0">
+                <a:latin typeface="Verdana" panose="020B0604030504040204" pitchFamily="34" charset="0"/>
+                <a:ea typeface="Verdana" panose="020B0604030504040204" pitchFamily="34" charset="0"/>
+              </a:rPr>
+              <a:t> start httpd</a:t>
+            </a:r>
+          </a:p>
+          <a:p>
+            <a:pPr marL="0" indent="0">
+              <a:lnSpc>
+                <a:spcPct val="100000"/>
+              </a:lnSpc>
+              <a:spcBef>
+                <a:spcPts val="0"/>
+              </a:spcBef>
+              <a:buFont typeface="Arial" panose="020B0604020202020204" pitchFamily="34" charset="0"/>
+              <a:buNone/>
+            </a:pPr>
+            <a:r>
+              <a:rPr lang="en-US" sz="1000" dirty="0">
+                <a:latin typeface="Verdana" panose="020B0604030504040204" pitchFamily="34" charset="0"/>
+                <a:ea typeface="Verdana" panose="020B0604030504040204" pitchFamily="34" charset="0"/>
+              </a:rPr>
+              <a:t>  </a:t>
+            </a:r>
+            <a:r>
+              <a:rPr lang="en-US" sz="1000" dirty="0" err="1">
+                <a:latin typeface="Verdana" panose="020B0604030504040204" pitchFamily="34" charset="0"/>
+                <a:ea typeface="Verdana" panose="020B0604030504040204" pitchFamily="34" charset="0"/>
+              </a:rPr>
+              <a:t>systemctl</a:t>
+            </a:r>
+            <a:r>
+              <a:rPr lang="en-US" sz="1000" dirty="0">
+                <a:latin typeface="Verdana" panose="020B0604030504040204" pitchFamily="34" charset="0"/>
+                <a:ea typeface="Verdana" panose="020B0604030504040204" pitchFamily="34" charset="0"/>
+              </a:rPr>
+              <a:t> enable httpd</a:t>
+            </a:r>
+          </a:p>
+          <a:p>
+            <a:pPr marL="0" indent="0">
+              <a:lnSpc>
+                <a:spcPct val="100000"/>
+              </a:lnSpc>
+              <a:spcBef>
+                <a:spcPts val="0"/>
+              </a:spcBef>
+              <a:buFont typeface="Arial" panose="020B0604020202020204" pitchFamily="34" charset="0"/>
+              <a:buNone/>
+            </a:pPr>
+            <a:r>
+              <a:rPr lang="en-US" sz="1000" dirty="0">
+                <a:latin typeface="Verdana" panose="020B0604030504040204" pitchFamily="34" charset="0"/>
+                <a:ea typeface="Verdana" panose="020B0604030504040204" pitchFamily="34" charset="0"/>
+              </a:rPr>
+              <a:t>  ```</a:t>
+            </a:r>
+          </a:p>
+          <a:p>
+            <a:pPr marL="0" indent="0">
+              <a:lnSpc>
+                <a:spcPct val="100000"/>
+              </a:lnSpc>
+              <a:spcBef>
+                <a:spcPts val="0"/>
+              </a:spcBef>
+              <a:buFont typeface="Arial" panose="020B0604020202020204" pitchFamily="34" charset="0"/>
+              <a:buNone/>
+            </a:pPr>
+            <a:r>
+              <a:rPr lang="en-US" sz="1000" dirty="0">
+                <a:latin typeface="Verdana" panose="020B0604030504040204" pitchFamily="34" charset="0"/>
+                <a:ea typeface="Verdana" panose="020B0604030504040204" pitchFamily="34" charset="0"/>
+              </a:rPr>
+              <a:t>- Paste in “User Data” while launching EC2  </a:t>
+            </a:r>
+          </a:p>
+          <a:p>
+            <a:pPr marL="0" indent="0">
+              <a:lnSpc>
+                <a:spcPct val="100000"/>
+              </a:lnSpc>
+              <a:spcBef>
+                <a:spcPts val="0"/>
+              </a:spcBef>
+              <a:buFont typeface="Arial" panose="020B0604020202020204" pitchFamily="34" charset="0"/>
+              <a:buNone/>
+            </a:pPr>
+            <a:r>
+              <a:rPr lang="en-US" sz="1000" dirty="0">
+                <a:latin typeface="Verdana" panose="020B0604030504040204" pitchFamily="34" charset="0"/>
+                <a:ea typeface="Verdana" panose="020B0604030504040204" pitchFamily="34" charset="0"/>
+              </a:rPr>
+              <a:t>- Script runs automatically after launch </a:t>
+            </a:r>
+          </a:p>
+        </p:txBody>
+      </p:sp>
+      <p:sp>
+        <p:nvSpPr>
+          <p:cNvPr id="2" name="Content Placeholder 2">
+            <a:extLst>
+              <a:ext uri="{FF2B5EF4-FFF2-40B4-BE49-F238E27FC236}">
+                <a16:creationId xmlns:a16="http://schemas.microsoft.com/office/drawing/2014/main" id="{64C4BCCE-FD39-AD2D-DAFB-CD8E9B010F3C}"/>
+              </a:ext>
+            </a:extLst>
+          </p:cNvPr>
+          <p:cNvSpPr txBox="1">
+            <a:spLocks/>
+          </p:cNvSpPr>
+          <p:nvPr/>
+        </p:nvSpPr>
+        <p:spPr>
+          <a:xfrm>
+            <a:off x="339365" y="235671"/>
+            <a:ext cx="5832835" cy="6249970"/>
+          </a:xfrm>
+          <a:prstGeom prst="rect">
+            <a:avLst/>
+          </a:prstGeom>
+        </p:spPr>
+        <p:txBody>
+          <a:bodyPr vert="horz" lIns="91440" tIns="45720" rIns="91440" bIns="45720" rtlCol="0">
+            <a:noAutofit/>
+          </a:bodyPr>
+          <a:lstStyle>
+            <a:lvl1pPr marL="228600" indent="-228600" algn="l" defTabSz="914400" rtl="0" eaLnBrk="1" latinLnBrk="0" hangingPunct="1">
+              <a:lnSpc>
+                <a:spcPct val="90000"/>
+              </a:lnSpc>
+              <a:spcBef>
+                <a:spcPts val="1000"/>
+              </a:spcBef>
+              <a:buFont typeface="Arial" panose="020B0604020202020204" pitchFamily="34" charset="0"/>
+              <a:buChar char="•"/>
+              <a:defRPr sz="2800" kern="1200">
+                <a:solidFill>
+                  <a:schemeClr val="tx1"/>
+                </a:solidFill>
+                <a:latin typeface="+mn-lt"/>
+                <a:ea typeface="+mn-ea"/>
+                <a:cs typeface="+mn-cs"/>
+              </a:defRPr>
+            </a:lvl1pPr>
+            <a:lvl2pPr marL="685800" indent="-228600" algn="l" defTabSz="914400" rtl="0" eaLnBrk="1" latinLnBrk="0" hangingPunct="1">
+              <a:lnSpc>
+                <a:spcPct val="90000"/>
+              </a:lnSpc>
+              <a:spcBef>
+                <a:spcPts val="500"/>
+              </a:spcBef>
+              <a:buFont typeface="Arial" panose="020B0604020202020204" pitchFamily="34" charset="0"/>
+              <a:buChar char="•"/>
+              <a:defRPr sz="2400" kern="1200">
+                <a:solidFill>
+                  <a:schemeClr val="tx1"/>
+                </a:solidFill>
+                <a:latin typeface="+mn-lt"/>
+                <a:ea typeface="+mn-ea"/>
+                <a:cs typeface="+mn-cs"/>
+              </a:defRPr>
+            </a:lvl2pPr>
+            <a:lvl3pPr marL="1143000" indent="-228600" algn="l" defTabSz="914400" rtl="0" eaLnBrk="1" latinLnBrk="0" hangingPunct="1">
+              <a:lnSpc>
+                <a:spcPct val="90000"/>
+              </a:lnSpc>
+              <a:spcBef>
+                <a:spcPts val="500"/>
+              </a:spcBef>
+              <a:buFont typeface="Arial" panose="020B0604020202020204" pitchFamily="34" charset="0"/>
+              <a:buChar char="•"/>
+              <a:defRPr sz="2000" kern="1200">
+                <a:solidFill>
+                  <a:schemeClr val="tx1"/>
+                </a:solidFill>
+                <a:latin typeface="+mn-lt"/>
+                <a:ea typeface="+mn-ea"/>
+                <a:cs typeface="+mn-cs"/>
+              </a:defRPr>
+            </a:lvl3pPr>
+            <a:lvl4pPr marL="1600200" indent="-228600" algn="l" defTabSz="914400" rtl="0" eaLnBrk="1" latinLnBrk="0" hangingPunct="1">
+              <a:lnSpc>
+                <a:spcPct val="90000"/>
+              </a:lnSpc>
+              <a:spcBef>
+                <a:spcPts val="500"/>
+              </a:spcBef>
+              <a:buFont typeface="Arial" panose="020B0604020202020204" pitchFamily="34" charset="0"/>
+              <a:buChar char="•"/>
+              <a:defRPr sz="1800" kern="1200">
+                <a:solidFill>
+                  <a:schemeClr val="tx1"/>
+                </a:solidFill>
+                <a:latin typeface="+mn-lt"/>
+                <a:ea typeface="+mn-ea"/>
+                <a:cs typeface="+mn-cs"/>
+              </a:defRPr>
+            </a:lvl4pPr>
+            <a:lvl5pPr marL="2057400" indent="-228600" algn="l" defTabSz="914400" rtl="0" eaLnBrk="1" latinLnBrk="0" hangingPunct="1">
+              <a:lnSpc>
+                <a:spcPct val="90000"/>
+              </a:lnSpc>
+              <a:spcBef>
+                <a:spcPts val="500"/>
+              </a:spcBef>
+              <a:buFont typeface="Arial" panose="020B0604020202020204" pitchFamily="34" charset="0"/>
+              <a:buChar char="•"/>
+              <a:defRPr sz="1800" kern="1200">
+                <a:solidFill>
+                  <a:schemeClr val="tx1"/>
+                </a:solidFill>
+                <a:latin typeface="+mn-lt"/>
+                <a:ea typeface="+mn-ea"/>
+                <a:cs typeface="+mn-cs"/>
+              </a:defRPr>
+            </a:lvl5pPr>
+            <a:lvl6pPr marL="2514600" indent="-228600" algn="l" defTabSz="914400" rtl="0" eaLnBrk="1" latinLnBrk="0" hangingPunct="1">
+              <a:lnSpc>
+                <a:spcPct val="90000"/>
+              </a:lnSpc>
+              <a:spcBef>
+                <a:spcPts val="500"/>
+              </a:spcBef>
+              <a:buFont typeface="Arial" panose="020B0604020202020204" pitchFamily="34" charset="0"/>
+              <a:buChar char="•"/>
+              <a:defRPr sz="1800" kern="1200">
+                <a:solidFill>
+                  <a:schemeClr val="tx1"/>
+                </a:solidFill>
+                <a:latin typeface="+mn-lt"/>
+                <a:ea typeface="+mn-ea"/>
+                <a:cs typeface="+mn-cs"/>
+              </a:defRPr>
+            </a:lvl6pPr>
+            <a:lvl7pPr marL="2971800" indent="-228600" algn="l" defTabSz="914400" rtl="0" eaLnBrk="1" latinLnBrk="0" hangingPunct="1">
+              <a:lnSpc>
+                <a:spcPct val="90000"/>
+              </a:lnSpc>
+              <a:spcBef>
+                <a:spcPts val="500"/>
+              </a:spcBef>
+              <a:buFont typeface="Arial" panose="020B0604020202020204" pitchFamily="34" charset="0"/>
+              <a:buChar char="•"/>
+              <a:defRPr sz="1800" kern="1200">
+                <a:solidFill>
+                  <a:schemeClr val="tx1"/>
+                </a:solidFill>
+                <a:latin typeface="+mn-lt"/>
+                <a:ea typeface="+mn-ea"/>
+                <a:cs typeface="+mn-cs"/>
+              </a:defRPr>
+            </a:lvl7pPr>
+            <a:lvl8pPr marL="3429000" indent="-228600" algn="l" defTabSz="914400" rtl="0" eaLnBrk="1" latinLnBrk="0" hangingPunct="1">
+              <a:lnSpc>
+                <a:spcPct val="90000"/>
+              </a:lnSpc>
+              <a:spcBef>
+                <a:spcPts val="500"/>
+              </a:spcBef>
+              <a:buFont typeface="Arial" panose="020B0604020202020204" pitchFamily="34" charset="0"/>
+              <a:buChar char="•"/>
+              <a:defRPr sz="1800" kern="1200">
+                <a:solidFill>
+                  <a:schemeClr val="tx1"/>
+                </a:solidFill>
+                <a:latin typeface="+mn-lt"/>
+                <a:ea typeface="+mn-ea"/>
+                <a:cs typeface="+mn-cs"/>
+              </a:defRPr>
+            </a:lvl8pPr>
+            <a:lvl9pPr marL="3886200" indent="-228600" algn="l" defTabSz="914400" rtl="0" eaLnBrk="1" latinLnBrk="0" hangingPunct="1">
+              <a:lnSpc>
+                <a:spcPct val="90000"/>
+              </a:lnSpc>
+              <a:spcBef>
+                <a:spcPts val="500"/>
+              </a:spcBef>
+              <a:buFont typeface="Arial" panose="020B0604020202020204" pitchFamily="34" charset="0"/>
+              <a:buChar char="•"/>
+              <a:defRPr sz="1800" kern="1200">
+                <a:solidFill>
+                  <a:schemeClr val="tx1"/>
+                </a:solidFill>
+                <a:latin typeface="+mn-lt"/>
+                <a:ea typeface="+mn-ea"/>
+                <a:cs typeface="+mn-cs"/>
+              </a:defRPr>
+            </a:lvl9pPr>
+          </a:lstStyle>
+          <a:p>
+            <a:pPr marL="0" indent="0">
+              <a:lnSpc>
+                <a:spcPct val="100000"/>
+              </a:lnSpc>
+              <a:spcBef>
+                <a:spcPts val="600"/>
+              </a:spcBef>
+              <a:spcAft>
+                <a:spcPts val="600"/>
+              </a:spcAft>
+              <a:buFont typeface="Arial" panose="020B0604020202020204" pitchFamily="34" charset="0"/>
+              <a:buNone/>
+            </a:pPr>
+            <a:endParaRPr lang="en-US" sz="1000" dirty="0">
+              <a:latin typeface="Verdana" panose="020B0604030504040204" pitchFamily="34" charset="0"/>
+              <a:ea typeface="Verdana" panose="020B0604030504040204" pitchFamily="34" charset="0"/>
+            </a:endParaRPr>
+          </a:p>
+          <a:p>
+            <a:pPr marL="0" indent="0">
+              <a:lnSpc>
+                <a:spcPct val="100000"/>
+              </a:lnSpc>
+              <a:spcBef>
+                <a:spcPts val="600"/>
+              </a:spcBef>
+              <a:spcAft>
+                <a:spcPts val="600"/>
+              </a:spcAft>
+              <a:buFont typeface="Arial" panose="020B0604020202020204" pitchFamily="34" charset="0"/>
+              <a:buNone/>
+            </a:pPr>
+            <a:r>
+              <a:rPr lang="en-US" sz="1000" b="1" dirty="0">
+                <a:latin typeface="Verdana" panose="020B0604030504040204" pitchFamily="34" charset="0"/>
+                <a:ea typeface="Verdana" panose="020B0604030504040204" pitchFamily="34" charset="0"/>
+              </a:rPr>
+              <a:t>**9. Creating Load Balancer**  </a:t>
+            </a:r>
+          </a:p>
+          <a:p>
+            <a:pPr marL="0" indent="0">
+              <a:lnSpc>
+                <a:spcPct val="100000"/>
+              </a:lnSpc>
+              <a:spcBef>
+                <a:spcPts val="600"/>
+              </a:spcBef>
+              <a:spcAft>
+                <a:spcPts val="600"/>
+              </a:spcAft>
+              <a:buFont typeface="Arial" panose="020B0604020202020204" pitchFamily="34" charset="0"/>
+              <a:buNone/>
+            </a:pPr>
+            <a:r>
+              <a:rPr lang="en-US" sz="1000" dirty="0">
+                <a:latin typeface="Verdana" panose="020B0604030504040204" pitchFamily="34" charset="0"/>
+                <a:ea typeface="Verdana" panose="020B0604030504040204" pitchFamily="34" charset="0"/>
+              </a:rPr>
+              <a:t>Set up rules and targets for traffic balancing.  </a:t>
+            </a:r>
+          </a:p>
+          <a:p>
+            <a:pPr marL="0" indent="0">
+              <a:lnSpc>
+                <a:spcPct val="100000"/>
+              </a:lnSpc>
+              <a:spcBef>
+                <a:spcPts val="600"/>
+              </a:spcBef>
+              <a:spcAft>
+                <a:spcPts val="600"/>
+              </a:spcAft>
+              <a:buFont typeface="Arial" panose="020B0604020202020204" pitchFamily="34" charset="0"/>
+              <a:buNone/>
+            </a:pPr>
+            <a:r>
+              <a:rPr lang="en-US" sz="1000" dirty="0">
+                <a:latin typeface="Verdana" panose="020B0604030504040204" pitchFamily="34" charset="0"/>
+                <a:ea typeface="Verdana" panose="020B0604030504040204" pitchFamily="34" charset="0"/>
+              </a:rPr>
+              <a:t>**Example**: Application Load Balancer for a web app.  </a:t>
+            </a:r>
+          </a:p>
+          <a:p>
+            <a:pPr marL="0" indent="0">
+              <a:lnSpc>
+                <a:spcPct val="100000"/>
+              </a:lnSpc>
+              <a:spcBef>
+                <a:spcPts val="600"/>
+              </a:spcBef>
+              <a:spcAft>
+                <a:spcPts val="600"/>
+              </a:spcAft>
+              <a:buFont typeface="Arial" panose="020B0604020202020204" pitchFamily="34" charset="0"/>
+              <a:buNone/>
+            </a:pPr>
+            <a:r>
+              <a:rPr lang="en-US" sz="1000" dirty="0">
+                <a:latin typeface="Verdana" panose="020B0604030504040204" pitchFamily="34" charset="0"/>
+                <a:ea typeface="Verdana" panose="020B0604030504040204" pitchFamily="34" charset="0"/>
+              </a:rPr>
+              <a:t>**Actions**:  </a:t>
+            </a:r>
+          </a:p>
+          <a:p>
+            <a:pPr marL="0" indent="0">
+              <a:lnSpc>
+                <a:spcPct val="100000"/>
+              </a:lnSpc>
+              <a:spcBef>
+                <a:spcPts val="600"/>
+              </a:spcBef>
+              <a:spcAft>
+                <a:spcPts val="600"/>
+              </a:spcAft>
+              <a:buFont typeface="Arial" panose="020B0604020202020204" pitchFamily="34" charset="0"/>
+              <a:buNone/>
+            </a:pPr>
+            <a:r>
+              <a:rPr lang="en-US" sz="1000" dirty="0">
+                <a:latin typeface="Verdana" panose="020B0604030504040204" pitchFamily="34" charset="0"/>
+                <a:ea typeface="Verdana" panose="020B0604030504040204" pitchFamily="34" charset="0"/>
+              </a:rPr>
+              <a:t>- Choose Application Load Balancer  </a:t>
+            </a:r>
+          </a:p>
+          <a:p>
+            <a:pPr marL="0" indent="0">
+              <a:lnSpc>
+                <a:spcPct val="100000"/>
+              </a:lnSpc>
+              <a:spcBef>
+                <a:spcPts val="600"/>
+              </a:spcBef>
+              <a:spcAft>
+                <a:spcPts val="600"/>
+              </a:spcAft>
+              <a:buFont typeface="Arial" panose="020B0604020202020204" pitchFamily="34" charset="0"/>
+              <a:buNone/>
+            </a:pPr>
+            <a:r>
+              <a:rPr lang="en-US" sz="1000" dirty="0">
+                <a:latin typeface="Verdana" panose="020B0604030504040204" pitchFamily="34" charset="0"/>
+                <a:ea typeface="Verdana" panose="020B0604030504040204" pitchFamily="34" charset="0"/>
+              </a:rPr>
+              <a:t>- Set name, listeners, and availability zones  </a:t>
+            </a:r>
+          </a:p>
+          <a:p>
+            <a:pPr marL="0" indent="0">
+              <a:lnSpc>
+                <a:spcPct val="100000"/>
+              </a:lnSpc>
+              <a:spcBef>
+                <a:spcPts val="600"/>
+              </a:spcBef>
+              <a:spcAft>
+                <a:spcPts val="600"/>
+              </a:spcAft>
+              <a:buFont typeface="Arial" panose="020B0604020202020204" pitchFamily="34" charset="0"/>
+              <a:buNone/>
+            </a:pPr>
+            <a:r>
+              <a:rPr lang="en-US" sz="1000" dirty="0">
+                <a:latin typeface="Verdana" panose="020B0604030504040204" pitchFamily="34" charset="0"/>
+                <a:ea typeface="Verdana" panose="020B0604030504040204" pitchFamily="34" charset="0"/>
+              </a:rPr>
+              <a:t>- Create target group and register EC2 instances  </a:t>
+            </a:r>
+          </a:p>
+          <a:p>
+            <a:pPr>
+              <a:lnSpc>
+                <a:spcPct val="100000"/>
+              </a:lnSpc>
+              <a:spcBef>
+                <a:spcPts val="600"/>
+              </a:spcBef>
+              <a:spcAft>
+                <a:spcPts val="600"/>
+              </a:spcAft>
+              <a:buFontTx/>
+              <a:buChar char="-"/>
+            </a:pPr>
+            <a:r>
+              <a:rPr lang="en-US" sz="1000" dirty="0">
+                <a:latin typeface="Verdana" panose="020B0604030504040204" pitchFamily="34" charset="0"/>
+                <a:ea typeface="Verdana" panose="020B0604030504040204" pitchFamily="34" charset="0"/>
+              </a:rPr>
+              <a:t>Review and launch  </a:t>
+            </a:r>
+          </a:p>
+          <a:p>
+            <a:pPr marL="0" indent="0">
+              <a:lnSpc>
+                <a:spcPct val="100000"/>
+              </a:lnSpc>
+              <a:spcBef>
+                <a:spcPts val="600"/>
+              </a:spcBef>
+              <a:spcAft>
+                <a:spcPts val="600"/>
+              </a:spcAft>
+              <a:buNone/>
+            </a:pPr>
+            <a:endParaRPr lang="en-US" sz="1000" dirty="0">
+              <a:latin typeface="Verdana" panose="020B0604030504040204" pitchFamily="34" charset="0"/>
+              <a:ea typeface="Verdana" panose="020B0604030504040204" pitchFamily="34" charset="0"/>
+            </a:endParaRPr>
+          </a:p>
+          <a:p>
+            <a:pPr marL="0" indent="0">
+              <a:lnSpc>
+                <a:spcPct val="100000"/>
+              </a:lnSpc>
+              <a:spcBef>
+                <a:spcPts val="600"/>
+              </a:spcBef>
+              <a:spcAft>
+                <a:spcPts val="600"/>
+              </a:spcAft>
+              <a:buNone/>
+            </a:pPr>
+            <a:endParaRPr lang="en-US" sz="1000" dirty="0">
+              <a:latin typeface="Verdana" panose="020B0604030504040204" pitchFamily="34" charset="0"/>
+              <a:ea typeface="Verdana" panose="020B0604030504040204" pitchFamily="34" charset="0"/>
+            </a:endParaRPr>
+          </a:p>
+          <a:p>
+            <a:pPr marL="0" indent="0">
+              <a:lnSpc>
+                <a:spcPct val="100000"/>
+              </a:lnSpc>
+              <a:spcBef>
+                <a:spcPts val="600"/>
+              </a:spcBef>
+              <a:spcAft>
+                <a:spcPts val="600"/>
+              </a:spcAft>
+              <a:buFont typeface="Arial" panose="020B0604020202020204" pitchFamily="34" charset="0"/>
+              <a:buNone/>
+            </a:pPr>
+            <a:r>
+              <a:rPr lang="en-US" sz="1000" b="1" dirty="0">
+                <a:latin typeface="Verdana" panose="020B0604030504040204" pitchFamily="34" charset="0"/>
+                <a:ea typeface="Verdana" panose="020B0604030504040204" pitchFamily="34" charset="0"/>
+              </a:rPr>
+              <a:t>**10. AWS Lambda**  </a:t>
+            </a:r>
+          </a:p>
+          <a:p>
+            <a:pPr marL="0" indent="0">
+              <a:lnSpc>
+                <a:spcPct val="100000"/>
+              </a:lnSpc>
+              <a:spcBef>
+                <a:spcPts val="600"/>
+              </a:spcBef>
+              <a:spcAft>
+                <a:spcPts val="600"/>
+              </a:spcAft>
+              <a:buFont typeface="Arial" panose="020B0604020202020204" pitchFamily="34" charset="0"/>
+              <a:buNone/>
+            </a:pPr>
+            <a:r>
+              <a:rPr lang="en-US" sz="1000" dirty="0">
+                <a:latin typeface="Verdana" panose="020B0604030504040204" pitchFamily="34" charset="0"/>
+                <a:ea typeface="Verdana" panose="020B0604030504040204" pitchFamily="34" charset="0"/>
+              </a:rPr>
+              <a:t>Lambda allows running code without managing servers. You pay only for run time.  </a:t>
+            </a:r>
+          </a:p>
+          <a:p>
+            <a:pPr marL="0" indent="0">
+              <a:lnSpc>
+                <a:spcPct val="100000"/>
+              </a:lnSpc>
+              <a:spcBef>
+                <a:spcPts val="600"/>
+              </a:spcBef>
+              <a:spcAft>
+                <a:spcPts val="600"/>
+              </a:spcAft>
+              <a:buFont typeface="Arial" panose="020B0604020202020204" pitchFamily="34" charset="0"/>
+              <a:buNone/>
+            </a:pPr>
+            <a:r>
+              <a:rPr lang="en-US" sz="1000" dirty="0">
+                <a:latin typeface="Verdana" panose="020B0604030504040204" pitchFamily="34" charset="0"/>
+                <a:ea typeface="Verdana" panose="020B0604030504040204" pitchFamily="34" charset="0"/>
+              </a:rPr>
+              <a:t>**Example**: Automatically resize images uploaded to S3.  </a:t>
+            </a:r>
+          </a:p>
+          <a:p>
+            <a:pPr marL="0" indent="0">
+              <a:lnSpc>
+                <a:spcPct val="100000"/>
+              </a:lnSpc>
+              <a:spcBef>
+                <a:spcPts val="600"/>
+              </a:spcBef>
+              <a:spcAft>
+                <a:spcPts val="600"/>
+              </a:spcAft>
+              <a:buFont typeface="Arial" panose="020B0604020202020204" pitchFamily="34" charset="0"/>
+              <a:buNone/>
+            </a:pPr>
+            <a:r>
+              <a:rPr lang="en-US" sz="1000" dirty="0">
+                <a:latin typeface="Verdana" panose="020B0604030504040204" pitchFamily="34" charset="0"/>
+                <a:ea typeface="Verdana" panose="020B0604030504040204" pitchFamily="34" charset="0"/>
+              </a:rPr>
+              <a:t>**Actions**:  </a:t>
+            </a:r>
+          </a:p>
+          <a:p>
+            <a:pPr marL="0" indent="0">
+              <a:lnSpc>
+                <a:spcPct val="100000"/>
+              </a:lnSpc>
+              <a:spcBef>
+                <a:spcPts val="600"/>
+              </a:spcBef>
+              <a:spcAft>
+                <a:spcPts val="600"/>
+              </a:spcAft>
+              <a:buFont typeface="Arial" panose="020B0604020202020204" pitchFamily="34" charset="0"/>
+              <a:buNone/>
+            </a:pPr>
+            <a:r>
+              <a:rPr lang="en-US" sz="1000" dirty="0">
+                <a:latin typeface="Verdana" panose="020B0604030504040204" pitchFamily="34" charset="0"/>
+                <a:ea typeface="Verdana" panose="020B0604030504040204" pitchFamily="34" charset="0"/>
+              </a:rPr>
+              <a:t>- Go to Lambda Console  </a:t>
+            </a:r>
+          </a:p>
+          <a:p>
+            <a:pPr marL="0" indent="0">
+              <a:lnSpc>
+                <a:spcPct val="100000"/>
+              </a:lnSpc>
+              <a:spcBef>
+                <a:spcPts val="600"/>
+              </a:spcBef>
+              <a:spcAft>
+                <a:spcPts val="600"/>
+              </a:spcAft>
+              <a:buFont typeface="Arial" panose="020B0604020202020204" pitchFamily="34" charset="0"/>
+              <a:buNone/>
+            </a:pPr>
+            <a:r>
+              <a:rPr lang="en-US" sz="1000" dirty="0">
+                <a:latin typeface="Verdana" panose="020B0604030504040204" pitchFamily="34" charset="0"/>
+                <a:ea typeface="Verdana" panose="020B0604030504040204" pitchFamily="34" charset="0"/>
+              </a:rPr>
+              <a:t>- Click “Create Function”  </a:t>
+            </a:r>
+          </a:p>
+          <a:p>
+            <a:pPr marL="0" indent="0">
+              <a:lnSpc>
+                <a:spcPct val="100000"/>
+              </a:lnSpc>
+              <a:spcBef>
+                <a:spcPts val="600"/>
+              </a:spcBef>
+              <a:spcAft>
+                <a:spcPts val="600"/>
+              </a:spcAft>
+              <a:buFont typeface="Arial" panose="020B0604020202020204" pitchFamily="34" charset="0"/>
+              <a:buNone/>
+            </a:pPr>
+            <a:r>
+              <a:rPr lang="en-US" sz="1000" dirty="0">
+                <a:latin typeface="Verdana" panose="020B0604030504040204" pitchFamily="34" charset="0"/>
+                <a:ea typeface="Verdana" panose="020B0604030504040204" pitchFamily="34" charset="0"/>
+              </a:rPr>
+              <a:t>- Choose Python or Node.js  </a:t>
+            </a:r>
+          </a:p>
+          <a:p>
+            <a:pPr marL="0" indent="0">
+              <a:lnSpc>
+                <a:spcPct val="100000"/>
+              </a:lnSpc>
+              <a:spcBef>
+                <a:spcPts val="600"/>
+              </a:spcBef>
+              <a:spcAft>
+                <a:spcPts val="600"/>
+              </a:spcAft>
+              <a:buFont typeface="Arial" panose="020B0604020202020204" pitchFamily="34" charset="0"/>
+              <a:buNone/>
+            </a:pPr>
+            <a:r>
+              <a:rPr lang="en-US" sz="1000" dirty="0">
+                <a:latin typeface="Verdana" panose="020B0604030504040204" pitchFamily="34" charset="0"/>
+                <a:ea typeface="Verdana" panose="020B0604030504040204" pitchFamily="34" charset="0"/>
+              </a:rPr>
+              <a:t>- Add S3 trigger  </a:t>
+            </a:r>
+          </a:p>
+          <a:p>
+            <a:pPr marL="0" indent="0">
+              <a:lnSpc>
+                <a:spcPct val="100000"/>
+              </a:lnSpc>
+              <a:spcBef>
+                <a:spcPts val="600"/>
+              </a:spcBef>
+              <a:spcAft>
+                <a:spcPts val="600"/>
+              </a:spcAft>
+              <a:buFont typeface="Arial" panose="020B0604020202020204" pitchFamily="34" charset="0"/>
+              <a:buNone/>
+            </a:pPr>
+            <a:r>
+              <a:rPr lang="en-US" sz="1000" dirty="0">
+                <a:latin typeface="Verdana" panose="020B0604030504040204" pitchFamily="34" charset="0"/>
+                <a:ea typeface="Verdana" panose="020B0604030504040204" pitchFamily="34" charset="0"/>
+              </a:rPr>
+              <a:t>- Deploy function </a:t>
+            </a:r>
+            <a:br>
+              <a:rPr lang="en-US" sz="1000" dirty="0">
+                <a:latin typeface="Verdana" panose="020B0604030504040204" pitchFamily="34" charset="0"/>
+                <a:ea typeface="Verdana" panose="020B0604030504040204" pitchFamily="34" charset="0"/>
+              </a:rPr>
+            </a:br>
+            <a:br>
+              <a:rPr lang="en-US" sz="1000" dirty="0">
+                <a:latin typeface="Verdana" panose="020B0604030504040204" pitchFamily="34" charset="0"/>
+                <a:ea typeface="Verdana" panose="020B0604030504040204" pitchFamily="34" charset="0"/>
+              </a:rPr>
+            </a:br>
+            <a:endParaRPr lang="en-US" sz="1000" dirty="0">
+              <a:latin typeface="Verdana" panose="020B0604030504040204" pitchFamily="34" charset="0"/>
+              <a:ea typeface="Verdana" panose="020B0604030504040204" pitchFamily="34" charset="0"/>
+            </a:endParaRPr>
+          </a:p>
+        </p:txBody>
+      </p:sp>
+    </p:spTree>
+    <p:extLst>
+      <p:ext uri="{BB962C8B-B14F-4D97-AF65-F5344CB8AC3E}">
+        <p14:creationId xmlns:p14="http://schemas.microsoft.com/office/powerpoint/2010/main" val="2717787872"/>
+      </p:ext>
+    </p:extLst>
+  </p:cSld>
+  <p:clrMapOvr>
+    <a:masterClrMapping/>
+  </p:clrMapOvr>
+</p:sld>
+</file>
+
+<file path=ppt/slides/slide31.xml><?xml version="1.0" encoding="utf-8"?>
+<p:sld xmlns:a="http://schemas.openxmlformats.org/drawingml/2006/main" xmlns:r="http://schemas.openxmlformats.org/officeDocument/2006/relationships" xmlns:p="http://schemas.openxmlformats.org/presentationml/2006/main">
+  <p:cSld>
+    <p:spTree>
+      <p:nvGrpSpPr>
+        <p:cNvPr id="1" name="">
+          <a:extLst>
+            <a:ext uri="{FF2B5EF4-FFF2-40B4-BE49-F238E27FC236}">
+              <a16:creationId xmlns:a16="http://schemas.microsoft.com/office/drawing/2014/main" id="{F4BE277F-49A8-E30A-E187-92E5FC40A5C8}"/>
+            </a:ext>
+          </a:extLst>
+        </p:cNvPr>
+        <p:cNvGrpSpPr/>
+        <p:nvPr/>
+      </p:nvGrpSpPr>
+      <p:grpSpPr>
+        <a:xfrm>
+          <a:off x="0" y="0"/>
+          <a:ext cx="0" cy="0"/>
+          <a:chOff x="0" y="0"/>
+          <a:chExt cx="0" cy="0"/>
+        </a:xfrm>
+      </p:grpSpPr>
+      <p:sp>
+        <p:nvSpPr>
+          <p:cNvPr id="3" name="Content Placeholder 2">
+            <a:extLst>
+              <a:ext uri="{FF2B5EF4-FFF2-40B4-BE49-F238E27FC236}">
+                <a16:creationId xmlns:a16="http://schemas.microsoft.com/office/drawing/2014/main" id="{8D73E654-53C9-14D4-8255-35B27D7E145D}"/>
+              </a:ext>
+            </a:extLst>
+          </p:cNvPr>
+          <p:cNvSpPr>
+            <a:spLocks noGrp="1"/>
+          </p:cNvSpPr>
+          <p:nvPr>
+            <p:ph sz="half" idx="1"/>
+          </p:nvPr>
+        </p:nvSpPr>
+        <p:spPr>
+          <a:xfrm>
+            <a:off x="6172200" y="235671"/>
+            <a:ext cx="5181600" cy="6249969"/>
+          </a:xfrm>
+        </p:spPr>
+        <p:txBody>
+          <a:bodyPr>
+            <a:noAutofit/>
+          </a:bodyPr>
+          <a:lstStyle/>
+          <a:p>
+            <a:pPr marL="0" indent="0">
+              <a:lnSpc>
+                <a:spcPct val="100000"/>
+              </a:lnSpc>
+              <a:spcBef>
+                <a:spcPts val="300"/>
+              </a:spcBef>
+              <a:spcAft>
+                <a:spcPts val="300"/>
+              </a:spcAft>
+              <a:buFont typeface="Arial" panose="020B0604020202020204" pitchFamily="34" charset="0"/>
+              <a:buNone/>
+            </a:pPr>
+            <a:r>
+              <a:rPr lang="en-US" sz="1000" b="1" dirty="0">
+                <a:latin typeface="Verdana" panose="020B0604030504040204" pitchFamily="34" charset="0"/>
+                <a:ea typeface="Verdana" panose="020B0604030504040204" pitchFamily="34" charset="0"/>
+              </a:rPr>
+              <a:t>**DNS Records and Key Terms**</a:t>
+            </a:r>
+          </a:p>
+          <a:p>
+            <a:pPr marL="0" indent="0">
+              <a:lnSpc>
+                <a:spcPct val="100000"/>
+              </a:lnSpc>
+              <a:spcBef>
+                <a:spcPts val="300"/>
+              </a:spcBef>
+              <a:spcAft>
+                <a:spcPts val="300"/>
+              </a:spcAft>
+              <a:buFont typeface="Arial" panose="020B0604020202020204" pitchFamily="34" charset="0"/>
+              <a:buNone/>
+            </a:pPr>
+            <a:r>
+              <a:rPr lang="en-US" sz="1000" dirty="0">
+                <a:latin typeface="Verdana" panose="020B0604030504040204" pitchFamily="34" charset="0"/>
+                <a:ea typeface="Verdana" panose="020B0604030504040204" pitchFamily="34" charset="0"/>
+              </a:rPr>
+              <a:t>SOA Record (Start of Authority)  </a:t>
+            </a:r>
+          </a:p>
+          <a:p>
+            <a:pPr marL="0" indent="0">
+              <a:lnSpc>
+                <a:spcPct val="100000"/>
+              </a:lnSpc>
+              <a:spcBef>
+                <a:spcPts val="300"/>
+              </a:spcBef>
+              <a:spcAft>
+                <a:spcPts val="300"/>
+              </a:spcAft>
+              <a:buFont typeface="Arial" panose="020B0604020202020204" pitchFamily="34" charset="0"/>
+              <a:buNone/>
+            </a:pPr>
+            <a:r>
+              <a:rPr lang="en-US" sz="1000" dirty="0">
+                <a:latin typeface="Verdana" panose="020B0604030504040204" pitchFamily="34" charset="0"/>
+                <a:ea typeface="Verdana" panose="020B0604030504040204" pitchFamily="34" charset="0"/>
+              </a:rPr>
+              <a:t>It holds important info about the DNS zone.  </a:t>
+            </a:r>
+          </a:p>
+          <a:p>
+            <a:pPr marL="0" indent="0">
+              <a:lnSpc>
+                <a:spcPct val="100000"/>
+              </a:lnSpc>
+              <a:spcBef>
+                <a:spcPts val="300"/>
+              </a:spcBef>
+              <a:spcAft>
+                <a:spcPts val="300"/>
+              </a:spcAft>
+              <a:buFont typeface="Arial" panose="020B0604020202020204" pitchFamily="34" charset="0"/>
+              <a:buNone/>
+            </a:pPr>
+            <a:r>
+              <a:rPr lang="en-US" sz="1000" dirty="0">
+                <a:latin typeface="Verdana" panose="020B0604030504040204" pitchFamily="34" charset="0"/>
+                <a:ea typeface="Verdana" panose="020B0604030504040204" pitchFamily="34" charset="0"/>
+              </a:rPr>
+              <a:t>Includes the main server's name, the admin’s email, version of zone data, and time-to-live (TTL).  </a:t>
+            </a:r>
+          </a:p>
+          <a:p>
+            <a:pPr marL="0" indent="0">
+              <a:lnSpc>
+                <a:spcPct val="100000"/>
+              </a:lnSpc>
+              <a:spcBef>
+                <a:spcPts val="300"/>
+              </a:spcBef>
+              <a:spcAft>
+                <a:spcPts val="300"/>
+              </a:spcAft>
+              <a:buFont typeface="Arial" panose="020B0604020202020204" pitchFamily="34" charset="0"/>
+              <a:buNone/>
+            </a:pPr>
+            <a:r>
+              <a:rPr lang="en-US" sz="1000" dirty="0">
+                <a:latin typeface="Verdana" panose="020B0604030504040204" pitchFamily="34" charset="0"/>
+                <a:ea typeface="Verdana" panose="020B0604030504040204" pitchFamily="34" charset="0"/>
+              </a:rPr>
+              <a:t>TTL means how long the DNS record is kept before checking for updates. Lower TTL makes updates faster.</a:t>
+            </a:r>
+          </a:p>
+          <a:p>
+            <a:pPr marL="0" indent="0">
+              <a:lnSpc>
+                <a:spcPct val="100000"/>
+              </a:lnSpc>
+              <a:spcBef>
+                <a:spcPts val="300"/>
+              </a:spcBef>
+              <a:spcAft>
+                <a:spcPts val="300"/>
+              </a:spcAft>
+              <a:buFont typeface="Arial" panose="020B0604020202020204" pitchFamily="34" charset="0"/>
+              <a:buNone/>
+            </a:pPr>
+            <a:endParaRPr lang="en-US" sz="1000" dirty="0">
+              <a:latin typeface="Verdana" panose="020B0604030504040204" pitchFamily="34" charset="0"/>
+              <a:ea typeface="Verdana" panose="020B0604030504040204" pitchFamily="34" charset="0"/>
+            </a:endParaRPr>
+          </a:p>
+          <a:p>
+            <a:pPr marL="0" indent="0">
+              <a:lnSpc>
+                <a:spcPct val="100000"/>
+              </a:lnSpc>
+              <a:spcBef>
+                <a:spcPts val="300"/>
+              </a:spcBef>
+              <a:spcAft>
+                <a:spcPts val="300"/>
+              </a:spcAft>
+              <a:buFont typeface="Arial" panose="020B0604020202020204" pitchFamily="34" charset="0"/>
+              <a:buNone/>
+            </a:pPr>
+            <a:r>
+              <a:rPr lang="en-US" sz="1000" dirty="0">
+                <a:latin typeface="Verdana" panose="020B0604030504040204" pitchFamily="34" charset="0"/>
+                <a:ea typeface="Verdana" panose="020B0604030504040204" pitchFamily="34" charset="0"/>
+              </a:rPr>
+              <a:t>NS Record (Name Server)  </a:t>
+            </a:r>
+          </a:p>
+          <a:p>
+            <a:pPr marL="0" indent="0">
+              <a:lnSpc>
+                <a:spcPct val="100000"/>
+              </a:lnSpc>
+              <a:spcBef>
+                <a:spcPts val="300"/>
+              </a:spcBef>
+              <a:spcAft>
+                <a:spcPts val="300"/>
+              </a:spcAft>
+              <a:buFont typeface="Arial" panose="020B0604020202020204" pitchFamily="34" charset="0"/>
+              <a:buNone/>
+            </a:pPr>
+            <a:r>
+              <a:rPr lang="en-US" sz="1000" dirty="0">
+                <a:latin typeface="Verdana" panose="020B0604030504040204" pitchFamily="34" charset="0"/>
+                <a:ea typeface="Verdana" panose="020B0604030504040204" pitchFamily="34" charset="0"/>
+              </a:rPr>
+              <a:t>This tells which DNS server has the actual DNS records.  </a:t>
+            </a:r>
+          </a:p>
+          <a:p>
+            <a:pPr marL="0" indent="0">
+              <a:lnSpc>
+                <a:spcPct val="100000"/>
+              </a:lnSpc>
+              <a:spcBef>
+                <a:spcPts val="300"/>
+              </a:spcBef>
+              <a:spcAft>
+                <a:spcPts val="300"/>
+              </a:spcAft>
+              <a:buFont typeface="Arial" panose="020B0604020202020204" pitchFamily="34" charset="0"/>
+              <a:buNone/>
+            </a:pPr>
+            <a:r>
+              <a:rPr lang="en-US" sz="1000" dirty="0">
+                <a:latin typeface="Verdana" panose="020B0604030504040204" pitchFamily="34" charset="0"/>
+                <a:ea typeface="Verdana" panose="020B0604030504040204" pitchFamily="34" charset="0"/>
+              </a:rPr>
+              <a:t>Example: If someone asks for hindi100.com, and their DNS does not know it, it checks .com TLD, finds the NS record (like ns.awsdns.com), then goes to that name server to get the IP.</a:t>
+            </a:r>
+          </a:p>
+          <a:p>
+            <a:pPr marL="0" indent="0">
+              <a:lnSpc>
+                <a:spcPct val="100000"/>
+              </a:lnSpc>
+              <a:spcBef>
+                <a:spcPts val="300"/>
+              </a:spcBef>
+              <a:spcAft>
+                <a:spcPts val="300"/>
+              </a:spcAft>
+              <a:buFont typeface="Arial" panose="020B0604020202020204" pitchFamily="34" charset="0"/>
+              <a:buNone/>
+            </a:pPr>
+            <a:endParaRPr lang="en-US" sz="1000" dirty="0">
+              <a:latin typeface="Verdana" panose="020B0604030504040204" pitchFamily="34" charset="0"/>
+              <a:ea typeface="Verdana" panose="020B0604030504040204" pitchFamily="34" charset="0"/>
+            </a:endParaRPr>
+          </a:p>
+          <a:p>
+            <a:pPr marL="0" indent="0">
+              <a:lnSpc>
+                <a:spcPct val="100000"/>
+              </a:lnSpc>
+              <a:spcBef>
+                <a:spcPts val="300"/>
+              </a:spcBef>
+              <a:spcAft>
+                <a:spcPts val="300"/>
+              </a:spcAft>
+              <a:buFont typeface="Arial" panose="020B0604020202020204" pitchFamily="34" charset="0"/>
+              <a:buNone/>
+            </a:pPr>
+            <a:r>
+              <a:rPr lang="en-US" sz="1000" dirty="0">
+                <a:latin typeface="Verdana" panose="020B0604030504040204" pitchFamily="34" charset="0"/>
+                <a:ea typeface="Verdana" panose="020B0604030504040204" pitchFamily="34" charset="0"/>
+              </a:rPr>
+              <a:t>A Record (Address Record)  </a:t>
+            </a:r>
+          </a:p>
+          <a:p>
+            <a:pPr marL="0" indent="0">
+              <a:lnSpc>
+                <a:spcPct val="100000"/>
+              </a:lnSpc>
+              <a:spcBef>
+                <a:spcPts val="300"/>
+              </a:spcBef>
+              <a:spcAft>
+                <a:spcPts val="300"/>
+              </a:spcAft>
+              <a:buFont typeface="Arial" panose="020B0604020202020204" pitchFamily="34" charset="0"/>
+              <a:buNone/>
+            </a:pPr>
+            <a:r>
+              <a:rPr lang="en-US" sz="1000" dirty="0">
+                <a:latin typeface="Verdana" panose="020B0604030504040204" pitchFamily="34" charset="0"/>
+                <a:ea typeface="Verdana" panose="020B0604030504040204" pitchFamily="34" charset="0"/>
+              </a:rPr>
+              <a:t>Maps a domain name to an IP address.  </a:t>
+            </a:r>
+          </a:p>
+          <a:p>
+            <a:pPr marL="0" indent="0">
+              <a:lnSpc>
+                <a:spcPct val="100000"/>
+              </a:lnSpc>
+              <a:spcBef>
+                <a:spcPts val="300"/>
+              </a:spcBef>
+              <a:spcAft>
+                <a:spcPts val="300"/>
+              </a:spcAft>
+              <a:buFont typeface="Arial" panose="020B0604020202020204" pitchFamily="34" charset="0"/>
+              <a:buNone/>
+            </a:pPr>
+            <a:r>
+              <a:rPr lang="en-US" sz="1000" dirty="0">
+                <a:latin typeface="Verdana" panose="020B0604030504040204" pitchFamily="34" charset="0"/>
+                <a:ea typeface="Verdana" panose="020B0604030504040204" pitchFamily="34" charset="0"/>
+              </a:rPr>
+              <a:t>Example: www.javatpoint.com → 123.10.10.80</a:t>
+            </a:r>
+          </a:p>
+          <a:p>
+            <a:pPr marL="0" indent="0">
+              <a:lnSpc>
+                <a:spcPct val="100000"/>
+              </a:lnSpc>
+              <a:spcBef>
+                <a:spcPts val="0"/>
+              </a:spcBef>
+              <a:buFont typeface="Arial" panose="020B0604020202020204" pitchFamily="34" charset="0"/>
+              <a:buNone/>
+            </a:pPr>
+            <a:endParaRPr lang="en-US" sz="1000" dirty="0">
+              <a:latin typeface="Verdana" panose="020B0604030504040204" pitchFamily="34" charset="0"/>
+              <a:ea typeface="Verdana" panose="020B0604030504040204" pitchFamily="34" charset="0"/>
+            </a:endParaRPr>
+          </a:p>
+          <a:p>
+            <a:pPr marL="0" indent="0">
+              <a:lnSpc>
+                <a:spcPct val="100000"/>
+              </a:lnSpc>
+              <a:spcBef>
+                <a:spcPts val="0"/>
+              </a:spcBef>
+              <a:buFont typeface="Arial" panose="020B0604020202020204" pitchFamily="34" charset="0"/>
+              <a:buNone/>
+            </a:pPr>
+            <a:r>
+              <a:rPr lang="en-US" sz="1000" dirty="0">
+                <a:latin typeface="Verdana" panose="020B0604030504040204" pitchFamily="34" charset="0"/>
+                <a:ea typeface="Verdana" panose="020B0604030504040204" pitchFamily="34" charset="0"/>
+              </a:rPr>
+              <a:t>TTL (Time to Live)  </a:t>
+            </a:r>
+          </a:p>
+          <a:p>
+            <a:pPr marL="0" indent="0">
+              <a:lnSpc>
+                <a:spcPct val="100000"/>
+              </a:lnSpc>
+              <a:spcBef>
+                <a:spcPts val="300"/>
+              </a:spcBef>
+              <a:spcAft>
+                <a:spcPts val="300"/>
+              </a:spcAft>
+              <a:buFont typeface="Arial" panose="020B0604020202020204" pitchFamily="34" charset="0"/>
+              <a:buNone/>
+            </a:pPr>
+            <a:r>
+              <a:rPr lang="en-US" sz="1000" dirty="0">
+                <a:latin typeface="Verdana" panose="020B0604030504040204" pitchFamily="34" charset="0"/>
+                <a:ea typeface="Verdana" panose="020B0604030504040204" pitchFamily="34" charset="0"/>
+              </a:rPr>
+              <a:t>This shows how long a DNS record is saved (cached).  </a:t>
+            </a:r>
+          </a:p>
+          <a:p>
+            <a:pPr marL="0" indent="0">
+              <a:lnSpc>
+                <a:spcPct val="100000"/>
+              </a:lnSpc>
+              <a:spcBef>
+                <a:spcPts val="300"/>
+              </a:spcBef>
+              <a:spcAft>
+                <a:spcPts val="300"/>
+              </a:spcAft>
+              <a:buFont typeface="Arial" panose="020B0604020202020204" pitchFamily="34" charset="0"/>
+              <a:buNone/>
+            </a:pPr>
+            <a:r>
+              <a:rPr lang="en-US" sz="1000" dirty="0">
+                <a:latin typeface="Verdana" panose="020B0604030504040204" pitchFamily="34" charset="0"/>
+                <a:ea typeface="Verdana" panose="020B0604030504040204" pitchFamily="34" charset="0"/>
+              </a:rPr>
+              <a:t>Shorter TTL = faster updates.</a:t>
+            </a:r>
+          </a:p>
+          <a:p>
+            <a:pPr marL="0" indent="0">
+              <a:lnSpc>
+                <a:spcPct val="100000"/>
+              </a:lnSpc>
+              <a:spcBef>
+                <a:spcPts val="0"/>
+              </a:spcBef>
+              <a:buFont typeface="Arial" panose="020B0604020202020204" pitchFamily="34" charset="0"/>
+              <a:buNone/>
+            </a:pPr>
+            <a:endParaRPr lang="en-US" sz="1000" dirty="0">
+              <a:latin typeface="Verdana" panose="020B0604030504040204" pitchFamily="34" charset="0"/>
+              <a:ea typeface="Verdana" panose="020B0604030504040204" pitchFamily="34" charset="0"/>
+            </a:endParaRPr>
+          </a:p>
+          <a:p>
+            <a:pPr marL="0" indent="0">
+              <a:lnSpc>
+                <a:spcPct val="100000"/>
+              </a:lnSpc>
+              <a:spcBef>
+                <a:spcPts val="0"/>
+              </a:spcBef>
+              <a:buFont typeface="Arial" panose="020B0604020202020204" pitchFamily="34" charset="0"/>
+              <a:buNone/>
+            </a:pPr>
+            <a:r>
+              <a:rPr lang="en-US" sz="1000" dirty="0">
+                <a:latin typeface="Verdana" panose="020B0604030504040204" pitchFamily="34" charset="0"/>
+                <a:ea typeface="Verdana" panose="020B0604030504040204" pitchFamily="34" charset="0"/>
+              </a:rPr>
+              <a:t>CNAME Record (Canonical Name)  </a:t>
+            </a:r>
+          </a:p>
+          <a:p>
+            <a:pPr marL="0" indent="0">
+              <a:lnSpc>
+                <a:spcPct val="100000"/>
+              </a:lnSpc>
+              <a:spcBef>
+                <a:spcPts val="300"/>
+              </a:spcBef>
+              <a:spcAft>
+                <a:spcPts val="300"/>
+              </a:spcAft>
+              <a:buFont typeface="Arial" panose="020B0604020202020204" pitchFamily="34" charset="0"/>
+              <a:buNone/>
+            </a:pPr>
+            <a:r>
+              <a:rPr lang="en-US" sz="1000" dirty="0">
+                <a:latin typeface="Verdana" panose="020B0604030504040204" pitchFamily="34" charset="0"/>
+                <a:ea typeface="Verdana" panose="020B0604030504040204" pitchFamily="34" charset="0"/>
+              </a:rPr>
+              <a:t>Points one domain to another.  </a:t>
+            </a:r>
+          </a:p>
+          <a:p>
+            <a:pPr marL="0" indent="0">
+              <a:lnSpc>
+                <a:spcPct val="100000"/>
+              </a:lnSpc>
+              <a:spcBef>
+                <a:spcPts val="300"/>
+              </a:spcBef>
+              <a:spcAft>
+                <a:spcPts val="300"/>
+              </a:spcAft>
+              <a:buFont typeface="Arial" panose="020B0604020202020204" pitchFamily="34" charset="0"/>
+              <a:buNone/>
+            </a:pPr>
+            <a:r>
+              <a:rPr lang="en-US" sz="1000" dirty="0">
+                <a:latin typeface="Verdana" panose="020B0604030504040204" pitchFamily="34" charset="0"/>
+                <a:ea typeface="Verdana" panose="020B0604030504040204" pitchFamily="34" charset="0"/>
+              </a:rPr>
+              <a:t>Example: mobile.devices.com → m.devices.com</a:t>
+            </a:r>
+          </a:p>
+          <a:p>
+            <a:pPr marL="0" indent="0">
+              <a:lnSpc>
+                <a:spcPct val="100000"/>
+              </a:lnSpc>
+              <a:spcBef>
+                <a:spcPts val="300"/>
+              </a:spcBef>
+              <a:spcAft>
+                <a:spcPts val="300"/>
+              </a:spcAft>
+              <a:buFont typeface="Arial" panose="020B0604020202020204" pitchFamily="34" charset="0"/>
+              <a:buNone/>
+            </a:pPr>
+            <a:endParaRPr lang="en-US" sz="1000" dirty="0">
+              <a:latin typeface="Verdana" panose="020B0604030504040204" pitchFamily="34" charset="0"/>
+              <a:ea typeface="Verdana" panose="020B0604030504040204" pitchFamily="34" charset="0"/>
+            </a:endParaRPr>
+          </a:p>
+          <a:p>
+            <a:pPr marL="0" indent="0">
+              <a:lnSpc>
+                <a:spcPct val="100000"/>
+              </a:lnSpc>
+              <a:spcBef>
+                <a:spcPts val="300"/>
+              </a:spcBef>
+              <a:spcAft>
+                <a:spcPts val="300"/>
+              </a:spcAft>
+              <a:buFont typeface="Arial" panose="020B0604020202020204" pitchFamily="34" charset="0"/>
+              <a:buNone/>
+            </a:pPr>
+            <a:r>
+              <a:rPr lang="en-US" sz="1000" dirty="0">
+                <a:latin typeface="Verdana" panose="020B0604030504040204" pitchFamily="34" charset="0"/>
+                <a:ea typeface="Verdana" panose="020B0604030504040204" pitchFamily="34" charset="0"/>
+              </a:rPr>
+              <a:t>Alias Record  </a:t>
+            </a:r>
+          </a:p>
+          <a:p>
+            <a:pPr marL="0" indent="0">
+              <a:lnSpc>
+                <a:spcPct val="100000"/>
+              </a:lnSpc>
+              <a:spcBef>
+                <a:spcPts val="300"/>
+              </a:spcBef>
+              <a:spcAft>
+                <a:spcPts val="300"/>
+              </a:spcAft>
+              <a:buFont typeface="Arial" panose="020B0604020202020204" pitchFamily="34" charset="0"/>
+              <a:buNone/>
+            </a:pPr>
+            <a:r>
+              <a:rPr lang="en-US" sz="1000" dirty="0">
+                <a:latin typeface="Verdana" panose="020B0604030504040204" pitchFamily="34" charset="0"/>
+                <a:ea typeface="Verdana" panose="020B0604030504040204" pitchFamily="34" charset="0"/>
+              </a:rPr>
+              <a:t>Similar to CNAME but used for AWS services like Load Balancer, S3, or CloudFront.  </a:t>
+            </a:r>
+          </a:p>
+          <a:p>
+            <a:pPr marL="0" indent="0">
+              <a:lnSpc>
+                <a:spcPct val="100000"/>
+              </a:lnSpc>
+              <a:spcBef>
+                <a:spcPts val="300"/>
+              </a:spcBef>
+              <a:spcAft>
+                <a:spcPts val="300"/>
+              </a:spcAft>
+              <a:buFont typeface="Arial" panose="020B0604020202020204" pitchFamily="34" charset="0"/>
+              <a:buNone/>
+            </a:pPr>
+            <a:r>
+              <a:rPr lang="en-US" sz="1000" dirty="0">
+                <a:latin typeface="Verdana" panose="020B0604030504040204" pitchFamily="34" charset="0"/>
+                <a:ea typeface="Verdana" panose="020B0604030504040204" pitchFamily="34" charset="0"/>
+              </a:rPr>
+              <a:t>Alias works for root domain (like example.com) while CNAME does not.</a:t>
+            </a:r>
+          </a:p>
+        </p:txBody>
+      </p:sp>
+      <p:sp>
+        <p:nvSpPr>
+          <p:cNvPr id="2" name="Content Placeholder 2">
+            <a:extLst>
+              <a:ext uri="{FF2B5EF4-FFF2-40B4-BE49-F238E27FC236}">
+                <a16:creationId xmlns:a16="http://schemas.microsoft.com/office/drawing/2014/main" id="{829D11F8-B2CC-B4DB-E974-5D8941BC9989}"/>
+              </a:ext>
+            </a:extLst>
+          </p:cNvPr>
+          <p:cNvSpPr txBox="1">
+            <a:spLocks/>
+          </p:cNvSpPr>
+          <p:nvPr/>
+        </p:nvSpPr>
+        <p:spPr>
+          <a:xfrm>
+            <a:off x="339365" y="235671"/>
+            <a:ext cx="5832835" cy="6249970"/>
+          </a:xfrm>
+          <a:prstGeom prst="rect">
+            <a:avLst/>
+          </a:prstGeom>
+        </p:spPr>
+        <p:txBody>
+          <a:bodyPr vert="horz" lIns="91440" tIns="45720" rIns="91440" bIns="45720" rtlCol="0">
+            <a:noAutofit/>
+          </a:bodyPr>
+          <a:lstStyle>
+            <a:lvl1pPr marL="228600" indent="-228600" algn="l" defTabSz="914400" rtl="0" eaLnBrk="1" latinLnBrk="0" hangingPunct="1">
+              <a:lnSpc>
+                <a:spcPct val="90000"/>
+              </a:lnSpc>
+              <a:spcBef>
+                <a:spcPts val="1000"/>
+              </a:spcBef>
+              <a:buFont typeface="Arial" panose="020B0604020202020204" pitchFamily="34" charset="0"/>
+              <a:buChar char="•"/>
+              <a:defRPr sz="2800" kern="1200">
+                <a:solidFill>
+                  <a:schemeClr val="tx1"/>
+                </a:solidFill>
+                <a:latin typeface="+mn-lt"/>
+                <a:ea typeface="+mn-ea"/>
+                <a:cs typeface="+mn-cs"/>
+              </a:defRPr>
+            </a:lvl1pPr>
+            <a:lvl2pPr marL="685800" indent="-228600" algn="l" defTabSz="914400" rtl="0" eaLnBrk="1" latinLnBrk="0" hangingPunct="1">
+              <a:lnSpc>
+                <a:spcPct val="90000"/>
+              </a:lnSpc>
+              <a:spcBef>
+                <a:spcPts val="500"/>
+              </a:spcBef>
+              <a:buFont typeface="Arial" panose="020B0604020202020204" pitchFamily="34" charset="0"/>
+              <a:buChar char="•"/>
+              <a:defRPr sz="2400" kern="1200">
+                <a:solidFill>
+                  <a:schemeClr val="tx1"/>
+                </a:solidFill>
+                <a:latin typeface="+mn-lt"/>
+                <a:ea typeface="+mn-ea"/>
+                <a:cs typeface="+mn-cs"/>
+              </a:defRPr>
+            </a:lvl2pPr>
+            <a:lvl3pPr marL="1143000" indent="-228600" algn="l" defTabSz="914400" rtl="0" eaLnBrk="1" latinLnBrk="0" hangingPunct="1">
+              <a:lnSpc>
+                <a:spcPct val="90000"/>
+              </a:lnSpc>
+              <a:spcBef>
+                <a:spcPts val="500"/>
+              </a:spcBef>
+              <a:buFont typeface="Arial" panose="020B0604020202020204" pitchFamily="34" charset="0"/>
+              <a:buChar char="•"/>
+              <a:defRPr sz="2000" kern="1200">
+                <a:solidFill>
+                  <a:schemeClr val="tx1"/>
+                </a:solidFill>
+                <a:latin typeface="+mn-lt"/>
+                <a:ea typeface="+mn-ea"/>
+                <a:cs typeface="+mn-cs"/>
+              </a:defRPr>
+            </a:lvl3pPr>
+            <a:lvl4pPr marL="1600200" indent="-228600" algn="l" defTabSz="914400" rtl="0" eaLnBrk="1" latinLnBrk="0" hangingPunct="1">
+              <a:lnSpc>
+                <a:spcPct val="90000"/>
+              </a:lnSpc>
+              <a:spcBef>
+                <a:spcPts val="500"/>
+              </a:spcBef>
+              <a:buFont typeface="Arial" panose="020B0604020202020204" pitchFamily="34" charset="0"/>
+              <a:buChar char="•"/>
+              <a:defRPr sz="1800" kern="1200">
+                <a:solidFill>
+                  <a:schemeClr val="tx1"/>
+                </a:solidFill>
+                <a:latin typeface="+mn-lt"/>
+                <a:ea typeface="+mn-ea"/>
+                <a:cs typeface="+mn-cs"/>
+              </a:defRPr>
+            </a:lvl4pPr>
+            <a:lvl5pPr marL="2057400" indent="-228600" algn="l" defTabSz="914400" rtl="0" eaLnBrk="1" latinLnBrk="0" hangingPunct="1">
+              <a:lnSpc>
+                <a:spcPct val="90000"/>
+              </a:lnSpc>
+              <a:spcBef>
+                <a:spcPts val="500"/>
+              </a:spcBef>
+              <a:buFont typeface="Arial" panose="020B0604020202020204" pitchFamily="34" charset="0"/>
+              <a:buChar char="•"/>
+              <a:defRPr sz="1800" kern="1200">
+                <a:solidFill>
+                  <a:schemeClr val="tx1"/>
+                </a:solidFill>
+                <a:latin typeface="+mn-lt"/>
+                <a:ea typeface="+mn-ea"/>
+                <a:cs typeface="+mn-cs"/>
+              </a:defRPr>
+            </a:lvl5pPr>
+            <a:lvl6pPr marL="2514600" indent="-228600" algn="l" defTabSz="914400" rtl="0" eaLnBrk="1" latinLnBrk="0" hangingPunct="1">
+              <a:lnSpc>
+                <a:spcPct val="90000"/>
+              </a:lnSpc>
+              <a:spcBef>
+                <a:spcPts val="500"/>
+              </a:spcBef>
+              <a:buFont typeface="Arial" panose="020B0604020202020204" pitchFamily="34" charset="0"/>
+              <a:buChar char="•"/>
+              <a:defRPr sz="1800" kern="1200">
+                <a:solidFill>
+                  <a:schemeClr val="tx1"/>
+                </a:solidFill>
+                <a:latin typeface="+mn-lt"/>
+                <a:ea typeface="+mn-ea"/>
+                <a:cs typeface="+mn-cs"/>
+              </a:defRPr>
+            </a:lvl6pPr>
+            <a:lvl7pPr marL="2971800" indent="-228600" algn="l" defTabSz="914400" rtl="0" eaLnBrk="1" latinLnBrk="0" hangingPunct="1">
+              <a:lnSpc>
+                <a:spcPct val="90000"/>
+              </a:lnSpc>
+              <a:spcBef>
+                <a:spcPts val="500"/>
+              </a:spcBef>
+              <a:buFont typeface="Arial" panose="020B0604020202020204" pitchFamily="34" charset="0"/>
+              <a:buChar char="•"/>
+              <a:defRPr sz="1800" kern="1200">
+                <a:solidFill>
+                  <a:schemeClr val="tx1"/>
+                </a:solidFill>
+                <a:latin typeface="+mn-lt"/>
+                <a:ea typeface="+mn-ea"/>
+                <a:cs typeface="+mn-cs"/>
+              </a:defRPr>
+            </a:lvl7pPr>
+            <a:lvl8pPr marL="3429000" indent="-228600" algn="l" defTabSz="914400" rtl="0" eaLnBrk="1" latinLnBrk="0" hangingPunct="1">
+              <a:lnSpc>
+                <a:spcPct val="90000"/>
+              </a:lnSpc>
+              <a:spcBef>
+                <a:spcPts val="500"/>
+              </a:spcBef>
+              <a:buFont typeface="Arial" panose="020B0604020202020204" pitchFamily="34" charset="0"/>
+              <a:buChar char="•"/>
+              <a:defRPr sz="1800" kern="1200">
+                <a:solidFill>
+                  <a:schemeClr val="tx1"/>
+                </a:solidFill>
+                <a:latin typeface="+mn-lt"/>
+                <a:ea typeface="+mn-ea"/>
+                <a:cs typeface="+mn-cs"/>
+              </a:defRPr>
+            </a:lvl8pPr>
+            <a:lvl9pPr marL="3886200" indent="-228600" algn="l" defTabSz="914400" rtl="0" eaLnBrk="1" latinLnBrk="0" hangingPunct="1">
+              <a:lnSpc>
+                <a:spcPct val="90000"/>
+              </a:lnSpc>
+              <a:spcBef>
+                <a:spcPts val="500"/>
+              </a:spcBef>
+              <a:buFont typeface="Arial" panose="020B0604020202020204" pitchFamily="34" charset="0"/>
+              <a:buChar char="•"/>
+              <a:defRPr sz="1800" kern="1200">
+                <a:solidFill>
+                  <a:schemeClr val="tx1"/>
+                </a:solidFill>
+                <a:latin typeface="+mn-lt"/>
+                <a:ea typeface="+mn-ea"/>
+                <a:cs typeface="+mn-cs"/>
+              </a:defRPr>
+            </a:lvl9pPr>
+          </a:lstStyle>
+          <a:p>
+            <a:pPr marL="0" indent="0">
+              <a:lnSpc>
+                <a:spcPct val="100000"/>
+              </a:lnSpc>
+              <a:spcBef>
+                <a:spcPts val="600"/>
+              </a:spcBef>
+              <a:spcAft>
+                <a:spcPts val="600"/>
+              </a:spcAft>
+              <a:buFont typeface="Arial" panose="020B0604020202020204" pitchFamily="34" charset="0"/>
+              <a:buNone/>
+            </a:pPr>
+            <a:r>
+              <a:rPr lang="en-US" sz="1000" b="1" dirty="0">
+                <a:latin typeface="Verdana" panose="020B0604030504040204" pitchFamily="34" charset="0"/>
+                <a:ea typeface="Verdana" panose="020B0604030504040204" pitchFamily="34" charset="0"/>
+              </a:rPr>
+              <a:t>**What is DNS and How It Works**</a:t>
+            </a:r>
+            <a:endParaRPr lang="en-US" sz="1000" dirty="0">
+              <a:latin typeface="Verdana" panose="020B0604030504040204" pitchFamily="34" charset="0"/>
+              <a:ea typeface="Verdana" panose="020B0604030504040204" pitchFamily="34" charset="0"/>
+            </a:endParaRPr>
+          </a:p>
+          <a:p>
+            <a:pPr marL="0" indent="0">
+              <a:lnSpc>
+                <a:spcPct val="100000"/>
+              </a:lnSpc>
+              <a:spcBef>
+                <a:spcPts val="600"/>
+              </a:spcBef>
+              <a:spcAft>
+                <a:spcPts val="600"/>
+              </a:spcAft>
+              <a:buFont typeface="Arial" panose="020B0604020202020204" pitchFamily="34" charset="0"/>
+              <a:buNone/>
+            </a:pPr>
+            <a:r>
+              <a:rPr lang="en-US" sz="1000" dirty="0">
+                <a:latin typeface="Verdana" panose="020B0604030504040204" pitchFamily="34" charset="0"/>
+                <a:ea typeface="Verdana" panose="020B0604030504040204" pitchFamily="34" charset="0"/>
+              </a:rPr>
+              <a:t>DNS stands for Domain Name System.  </a:t>
+            </a:r>
+          </a:p>
+          <a:p>
+            <a:pPr marL="0" indent="0">
+              <a:lnSpc>
+                <a:spcPct val="100000"/>
+              </a:lnSpc>
+              <a:spcBef>
+                <a:spcPts val="600"/>
+              </a:spcBef>
+              <a:spcAft>
+                <a:spcPts val="600"/>
+              </a:spcAft>
+              <a:buFont typeface="Arial" panose="020B0604020202020204" pitchFamily="34" charset="0"/>
+              <a:buNone/>
+            </a:pPr>
+            <a:r>
+              <a:rPr lang="en-US" sz="1000" dirty="0">
+                <a:latin typeface="Verdana" panose="020B0604030504040204" pitchFamily="34" charset="0"/>
+                <a:ea typeface="Verdana" panose="020B0604030504040204" pitchFamily="34" charset="0"/>
+              </a:rPr>
+              <a:t>DNS changes website names like www.google.com into IP addresses like 192.168.1.1 that computers understand.  </a:t>
+            </a:r>
+          </a:p>
+          <a:p>
+            <a:pPr marL="0" indent="0">
+              <a:lnSpc>
+                <a:spcPct val="100000"/>
+              </a:lnSpc>
+              <a:spcBef>
+                <a:spcPts val="600"/>
+              </a:spcBef>
+              <a:spcAft>
+                <a:spcPts val="600"/>
+              </a:spcAft>
+              <a:buFont typeface="Arial" panose="020B0604020202020204" pitchFamily="34" charset="0"/>
+              <a:buNone/>
+            </a:pPr>
+            <a:r>
+              <a:rPr lang="en-US" sz="1000" dirty="0">
+                <a:latin typeface="Verdana" panose="020B0604030504040204" pitchFamily="34" charset="0"/>
+                <a:ea typeface="Verdana" panose="020B0604030504040204" pitchFamily="34" charset="0"/>
+              </a:rPr>
+              <a:t>IP addresses are used by computers to find each other on the internet.  </a:t>
+            </a:r>
+          </a:p>
+          <a:p>
+            <a:pPr marL="0" indent="0">
+              <a:lnSpc>
+                <a:spcPct val="100000"/>
+              </a:lnSpc>
+              <a:spcBef>
+                <a:spcPts val="600"/>
+              </a:spcBef>
+              <a:spcAft>
+                <a:spcPts val="600"/>
+              </a:spcAft>
+              <a:buFont typeface="Arial" panose="020B0604020202020204" pitchFamily="34" charset="0"/>
+              <a:buNone/>
+            </a:pPr>
+            <a:r>
+              <a:rPr lang="en-US" sz="1000" dirty="0">
+                <a:latin typeface="Verdana" panose="020B0604030504040204" pitchFamily="34" charset="0"/>
+                <a:ea typeface="Verdana" panose="020B0604030504040204" pitchFamily="34" charset="0"/>
+              </a:rPr>
+              <a:t>There are two types of IP addresses: IPv4 and IPv6.</a:t>
+            </a:r>
+          </a:p>
+          <a:p>
+            <a:pPr marL="0" indent="0">
+              <a:lnSpc>
+                <a:spcPct val="100000"/>
+              </a:lnSpc>
+              <a:spcBef>
+                <a:spcPts val="600"/>
+              </a:spcBef>
+              <a:spcAft>
+                <a:spcPts val="600"/>
+              </a:spcAft>
+              <a:buFont typeface="Arial" panose="020B0604020202020204" pitchFamily="34" charset="0"/>
+              <a:buNone/>
+            </a:pPr>
+            <a:endParaRPr lang="en-US" sz="1000" dirty="0">
+              <a:latin typeface="Verdana" panose="020B0604030504040204" pitchFamily="34" charset="0"/>
+              <a:ea typeface="Verdana" panose="020B0604030504040204" pitchFamily="34" charset="0"/>
+            </a:endParaRPr>
+          </a:p>
+          <a:p>
+            <a:pPr marL="0" indent="0">
+              <a:lnSpc>
+                <a:spcPct val="100000"/>
+              </a:lnSpc>
+              <a:spcBef>
+                <a:spcPts val="600"/>
+              </a:spcBef>
+              <a:spcAft>
+                <a:spcPts val="600"/>
+              </a:spcAft>
+              <a:buFont typeface="Arial" panose="020B0604020202020204" pitchFamily="34" charset="0"/>
+              <a:buNone/>
+            </a:pPr>
+            <a:r>
+              <a:rPr lang="en-US" sz="1000" dirty="0">
+                <a:latin typeface="Verdana" panose="020B0604030504040204" pitchFamily="34" charset="0"/>
+                <a:ea typeface="Verdana" panose="020B0604030504040204" pitchFamily="34" charset="0"/>
+              </a:rPr>
+              <a:t>Each domain name is made of parts separated by dots.  </a:t>
+            </a:r>
+          </a:p>
+          <a:p>
+            <a:pPr marL="0" indent="0">
+              <a:lnSpc>
+                <a:spcPct val="100000"/>
+              </a:lnSpc>
+              <a:spcBef>
+                <a:spcPts val="600"/>
+              </a:spcBef>
+              <a:spcAft>
+                <a:spcPts val="600"/>
+              </a:spcAft>
+              <a:buFont typeface="Arial" panose="020B0604020202020204" pitchFamily="34" charset="0"/>
+              <a:buNone/>
+            </a:pPr>
+            <a:r>
+              <a:rPr lang="en-US" sz="1000" dirty="0">
+                <a:latin typeface="Verdana" panose="020B0604030504040204" pitchFamily="34" charset="0"/>
+                <a:ea typeface="Verdana" panose="020B0604030504040204" pitchFamily="34" charset="0"/>
+              </a:rPr>
+              <a:t>The last part is called the top-level domain (TLD). Examples: .com, .org, .</a:t>
+            </a:r>
+            <a:r>
+              <a:rPr lang="en-US" sz="1000" dirty="0" err="1">
+                <a:latin typeface="Verdana" panose="020B0604030504040204" pitchFamily="34" charset="0"/>
+                <a:ea typeface="Verdana" panose="020B0604030504040204" pitchFamily="34" charset="0"/>
+              </a:rPr>
+              <a:t>edu</a:t>
+            </a:r>
+            <a:r>
+              <a:rPr lang="en-US" sz="1000" dirty="0">
+                <a:latin typeface="Verdana" panose="020B0604030504040204" pitchFamily="34" charset="0"/>
+                <a:ea typeface="Verdana" panose="020B0604030504040204" pitchFamily="34" charset="0"/>
+              </a:rPr>
+              <a:t>  </a:t>
+            </a:r>
+          </a:p>
+          <a:p>
+            <a:pPr marL="0" indent="0">
+              <a:lnSpc>
+                <a:spcPct val="100000"/>
+              </a:lnSpc>
+              <a:spcBef>
+                <a:spcPts val="600"/>
+              </a:spcBef>
+              <a:spcAft>
+                <a:spcPts val="600"/>
+              </a:spcAft>
+              <a:buFont typeface="Arial" panose="020B0604020202020204" pitchFamily="34" charset="0"/>
+              <a:buNone/>
+            </a:pPr>
+            <a:r>
+              <a:rPr lang="en-US" sz="1000" dirty="0">
+                <a:latin typeface="Verdana" panose="020B0604030504040204" pitchFamily="34" charset="0"/>
+                <a:ea typeface="Verdana" panose="020B0604030504040204" pitchFamily="34" charset="0"/>
+              </a:rPr>
+              <a:t>The part before that is the second-level domain. For example, in google.com, .com is the top-level and google is the second-level domain.  </a:t>
+            </a:r>
+          </a:p>
+          <a:p>
+            <a:pPr marL="0" indent="0">
+              <a:lnSpc>
+                <a:spcPct val="100000"/>
+              </a:lnSpc>
+              <a:spcBef>
+                <a:spcPts val="600"/>
+              </a:spcBef>
+              <a:spcAft>
+                <a:spcPts val="600"/>
+              </a:spcAft>
+              <a:buFont typeface="Arial" panose="020B0604020202020204" pitchFamily="34" charset="0"/>
+              <a:buNone/>
+            </a:pPr>
+            <a:r>
+              <a:rPr lang="en-US" sz="1000" dirty="0">
+                <a:latin typeface="Verdana" panose="020B0604030504040204" pitchFamily="34" charset="0"/>
+                <a:ea typeface="Verdana" panose="020B0604030504040204" pitchFamily="34" charset="0"/>
+              </a:rPr>
+              <a:t>In .co.uk, .</a:t>
+            </a:r>
+            <a:r>
+              <a:rPr lang="en-US" sz="1000" dirty="0" err="1">
+                <a:latin typeface="Verdana" panose="020B0604030504040204" pitchFamily="34" charset="0"/>
+                <a:ea typeface="Verdana" panose="020B0604030504040204" pitchFamily="34" charset="0"/>
+              </a:rPr>
+              <a:t>uk</a:t>
+            </a:r>
+            <a:r>
+              <a:rPr lang="en-US" sz="1000" dirty="0">
+                <a:latin typeface="Verdana" panose="020B0604030504040204" pitchFamily="34" charset="0"/>
+                <a:ea typeface="Verdana" panose="020B0604030504040204" pitchFamily="34" charset="0"/>
+              </a:rPr>
+              <a:t> is the top-level and .co is second-level.</a:t>
+            </a:r>
+          </a:p>
+          <a:p>
+            <a:pPr marL="0" indent="0">
+              <a:lnSpc>
+                <a:spcPct val="100000"/>
+              </a:lnSpc>
+              <a:spcBef>
+                <a:spcPts val="600"/>
+              </a:spcBef>
+              <a:spcAft>
+                <a:spcPts val="600"/>
+              </a:spcAft>
+              <a:buFont typeface="Arial" panose="020B0604020202020204" pitchFamily="34" charset="0"/>
+              <a:buNone/>
+            </a:pPr>
+            <a:endParaRPr lang="en-US" sz="1000" dirty="0">
+              <a:latin typeface="Verdana" panose="020B0604030504040204" pitchFamily="34" charset="0"/>
+              <a:ea typeface="Verdana" panose="020B0604030504040204" pitchFamily="34" charset="0"/>
+            </a:endParaRPr>
+          </a:p>
+          <a:p>
+            <a:pPr marL="0" indent="0">
+              <a:lnSpc>
+                <a:spcPct val="100000"/>
+              </a:lnSpc>
+              <a:spcBef>
+                <a:spcPts val="600"/>
+              </a:spcBef>
+              <a:spcAft>
+                <a:spcPts val="600"/>
+              </a:spcAft>
+              <a:buFont typeface="Arial" panose="020B0604020202020204" pitchFamily="34" charset="0"/>
+              <a:buNone/>
+            </a:pPr>
+            <a:r>
+              <a:rPr lang="en-US" sz="1000" dirty="0">
+                <a:latin typeface="Verdana" panose="020B0604030504040204" pitchFamily="34" charset="0"/>
+                <a:ea typeface="Verdana" panose="020B0604030504040204" pitchFamily="34" charset="0"/>
+              </a:rPr>
+              <a:t>Top-level domains are managed by IANA (Internet Assigned Numbers Authority).  </a:t>
+            </a:r>
+          </a:p>
+          <a:p>
+            <a:pPr marL="0" indent="0">
+              <a:lnSpc>
+                <a:spcPct val="100000"/>
+              </a:lnSpc>
+              <a:spcBef>
+                <a:spcPts val="600"/>
+              </a:spcBef>
+              <a:spcAft>
+                <a:spcPts val="600"/>
+              </a:spcAft>
+              <a:buFont typeface="Arial" panose="020B0604020202020204" pitchFamily="34" charset="0"/>
+              <a:buNone/>
+            </a:pPr>
+            <a:r>
+              <a:rPr lang="en-US" sz="1000" dirty="0">
+                <a:latin typeface="Verdana" panose="020B0604030504040204" pitchFamily="34" charset="0"/>
+                <a:ea typeface="Verdana" panose="020B0604030504040204" pitchFamily="34" charset="0"/>
+              </a:rPr>
+              <a:t>IANA keeps a list of all valid TLDs. You can see this list at: </a:t>
+            </a:r>
+            <a:r>
+              <a:rPr lang="en-US" sz="1000" b="1" dirty="0">
+                <a:latin typeface="Verdana" panose="020B0604030504040204" pitchFamily="34" charset="0"/>
+                <a:ea typeface="Verdana" panose="020B0604030504040204" pitchFamily="34" charset="0"/>
+              </a:rPr>
+              <a:t>http://www.iana.org/domains/root/db</a:t>
+            </a:r>
+          </a:p>
+          <a:p>
+            <a:pPr marL="0" indent="0">
+              <a:lnSpc>
+                <a:spcPct val="100000"/>
+              </a:lnSpc>
+              <a:spcBef>
+                <a:spcPts val="600"/>
+              </a:spcBef>
+              <a:spcAft>
+                <a:spcPts val="600"/>
+              </a:spcAft>
+              <a:buFont typeface="Arial" panose="020B0604020202020204" pitchFamily="34" charset="0"/>
+              <a:buNone/>
+            </a:pPr>
+            <a:endParaRPr lang="en-US" sz="1000" dirty="0">
+              <a:latin typeface="Verdana" panose="020B0604030504040204" pitchFamily="34" charset="0"/>
+              <a:ea typeface="Verdana" panose="020B0604030504040204" pitchFamily="34" charset="0"/>
+            </a:endParaRPr>
+          </a:p>
+          <a:p>
+            <a:pPr marL="0" indent="0">
+              <a:lnSpc>
+                <a:spcPct val="100000"/>
+              </a:lnSpc>
+              <a:spcBef>
+                <a:spcPts val="600"/>
+              </a:spcBef>
+              <a:spcAft>
+                <a:spcPts val="600"/>
+              </a:spcAft>
+              <a:buFont typeface="Arial" panose="020B0604020202020204" pitchFamily="34" charset="0"/>
+              <a:buNone/>
+            </a:pPr>
+            <a:r>
+              <a:rPr lang="en-US" sz="1000" dirty="0">
+                <a:latin typeface="Verdana" panose="020B0604030504040204" pitchFamily="34" charset="0"/>
+                <a:ea typeface="Verdana" panose="020B0604030504040204" pitchFamily="34" charset="0"/>
+              </a:rPr>
+              <a:t>Domain names must be unique. That is why there are domain registrars.  </a:t>
+            </a:r>
+          </a:p>
+          <a:p>
+            <a:pPr marL="0" indent="0">
+              <a:lnSpc>
+                <a:spcPct val="100000"/>
+              </a:lnSpc>
+              <a:spcBef>
+                <a:spcPts val="600"/>
+              </a:spcBef>
+              <a:spcAft>
+                <a:spcPts val="600"/>
+              </a:spcAft>
+              <a:buFont typeface="Arial" panose="020B0604020202020204" pitchFamily="34" charset="0"/>
+              <a:buNone/>
+            </a:pPr>
+            <a:r>
+              <a:rPr lang="en-US" sz="1000" dirty="0">
+                <a:latin typeface="Verdana" panose="020B0604030504040204" pitchFamily="34" charset="0"/>
+                <a:ea typeface="Verdana" panose="020B0604030504040204" pitchFamily="34" charset="0"/>
+              </a:rPr>
+              <a:t>A domain registrar is a company that gives domain names to people.  </a:t>
+            </a:r>
+          </a:p>
+          <a:p>
+            <a:pPr marL="0" indent="0">
+              <a:lnSpc>
+                <a:spcPct val="100000"/>
+              </a:lnSpc>
+              <a:spcBef>
+                <a:spcPts val="600"/>
+              </a:spcBef>
+              <a:spcAft>
+                <a:spcPts val="600"/>
+              </a:spcAft>
+              <a:buFont typeface="Arial" panose="020B0604020202020204" pitchFamily="34" charset="0"/>
+              <a:buNone/>
+            </a:pPr>
+            <a:r>
+              <a:rPr lang="en-US" sz="1000" dirty="0">
+                <a:latin typeface="Verdana" panose="020B0604030504040204" pitchFamily="34" charset="0"/>
+                <a:ea typeface="Verdana" panose="020B0604030504040204" pitchFamily="34" charset="0"/>
+              </a:rPr>
+              <a:t>Popular registrars are GoDaddy, Namecheap, and 123-reg.  </a:t>
+            </a:r>
+          </a:p>
+          <a:p>
+            <a:pPr marL="0" indent="0">
+              <a:lnSpc>
+                <a:spcPct val="100000"/>
+              </a:lnSpc>
+              <a:spcBef>
+                <a:spcPts val="600"/>
+              </a:spcBef>
+              <a:spcAft>
+                <a:spcPts val="600"/>
+              </a:spcAft>
+              <a:buFont typeface="Arial" panose="020B0604020202020204" pitchFamily="34" charset="0"/>
+              <a:buNone/>
+            </a:pPr>
+            <a:r>
+              <a:rPr lang="en-US" sz="1000" dirty="0">
+                <a:latin typeface="Verdana" panose="020B0604030504040204" pitchFamily="34" charset="0"/>
+                <a:ea typeface="Verdana" panose="020B0604030504040204" pitchFamily="34" charset="0"/>
+              </a:rPr>
+              <a:t>All domain names are stored in a central database called the WHOIS database.</a:t>
+            </a:r>
+          </a:p>
+        </p:txBody>
+      </p:sp>
+    </p:spTree>
+    <p:extLst>
+      <p:ext uri="{BB962C8B-B14F-4D97-AF65-F5344CB8AC3E}">
+        <p14:creationId xmlns:p14="http://schemas.microsoft.com/office/powerpoint/2010/main" val="2667566517"/>
       </p:ext>
     </p:extLst>
   </p:cSld>

--- a/AWS Learning/AWS Cloud Practitioner Tutorial By Nani.pptx
+++ b/AWS Learning/AWS Cloud Practitioner Tutorial By Nani.pptx
@@ -340,7 +340,7 @@
           <a:p>
             <a:fld id="{1600AA4D-5555-491A-B473-7EB4B3175B37}" type="datetimeFigureOut">
               <a:rPr lang="en-US" smtClean="0"/>
-              <a:t>4/9/2025</a:t>
+              <a:t>4/12/2025</a:t>
             </a:fld>
             <a:endParaRPr lang="en-US"/>
           </a:p>
@@ -538,7 +538,7 @@
           <a:p>
             <a:fld id="{1600AA4D-5555-491A-B473-7EB4B3175B37}" type="datetimeFigureOut">
               <a:rPr lang="en-US" smtClean="0"/>
-              <a:t>4/9/2025</a:t>
+              <a:t>4/12/2025</a:t>
             </a:fld>
             <a:endParaRPr lang="en-US"/>
           </a:p>
@@ -746,7 +746,7 @@
           <a:p>
             <a:fld id="{1600AA4D-5555-491A-B473-7EB4B3175B37}" type="datetimeFigureOut">
               <a:rPr lang="en-US" smtClean="0"/>
-              <a:t>4/9/2025</a:t>
+              <a:t>4/12/2025</a:t>
             </a:fld>
             <a:endParaRPr lang="en-US"/>
           </a:p>
@@ -944,7 +944,7 @@
           <a:p>
             <a:fld id="{1600AA4D-5555-491A-B473-7EB4B3175B37}" type="datetimeFigureOut">
               <a:rPr lang="en-US" smtClean="0"/>
-              <a:t>4/9/2025</a:t>
+              <a:t>4/12/2025</a:t>
             </a:fld>
             <a:endParaRPr lang="en-US"/>
           </a:p>
@@ -1219,7 +1219,7 @@
           <a:p>
             <a:fld id="{1600AA4D-5555-491A-B473-7EB4B3175B37}" type="datetimeFigureOut">
               <a:rPr lang="en-US" smtClean="0"/>
-              <a:t>4/9/2025</a:t>
+              <a:t>4/12/2025</a:t>
             </a:fld>
             <a:endParaRPr lang="en-US"/>
           </a:p>
@@ -1484,7 +1484,7 @@
           <a:p>
             <a:fld id="{1600AA4D-5555-491A-B473-7EB4B3175B37}" type="datetimeFigureOut">
               <a:rPr lang="en-US" smtClean="0"/>
-              <a:t>4/9/2025</a:t>
+              <a:t>4/12/2025</a:t>
             </a:fld>
             <a:endParaRPr lang="en-US"/>
           </a:p>
@@ -1896,7 +1896,7 @@
           <a:p>
             <a:fld id="{1600AA4D-5555-491A-B473-7EB4B3175B37}" type="datetimeFigureOut">
               <a:rPr lang="en-US" smtClean="0"/>
-              <a:t>4/9/2025</a:t>
+              <a:t>4/12/2025</a:t>
             </a:fld>
             <a:endParaRPr lang="en-US"/>
           </a:p>
@@ -2037,7 +2037,7 @@
           <a:p>
             <a:fld id="{1600AA4D-5555-491A-B473-7EB4B3175B37}" type="datetimeFigureOut">
               <a:rPr lang="en-US" smtClean="0"/>
-              <a:t>4/9/2025</a:t>
+              <a:t>4/12/2025</a:t>
             </a:fld>
             <a:endParaRPr lang="en-US"/>
           </a:p>
@@ -2150,7 +2150,7 @@
           <a:p>
             <a:fld id="{1600AA4D-5555-491A-B473-7EB4B3175B37}" type="datetimeFigureOut">
               <a:rPr lang="en-US" smtClean="0"/>
-              <a:t>4/9/2025</a:t>
+              <a:t>4/12/2025</a:t>
             </a:fld>
             <a:endParaRPr lang="en-US"/>
           </a:p>
@@ -2461,7 +2461,7 @@
           <a:p>
             <a:fld id="{1600AA4D-5555-491A-B473-7EB4B3175B37}" type="datetimeFigureOut">
               <a:rPr lang="en-US" smtClean="0"/>
-              <a:t>4/9/2025</a:t>
+              <a:t>4/12/2025</a:t>
             </a:fld>
             <a:endParaRPr lang="en-US"/>
           </a:p>
@@ -2749,7 +2749,7 @@
           <a:p>
             <a:fld id="{1600AA4D-5555-491A-B473-7EB4B3175B37}" type="datetimeFigureOut">
               <a:rPr lang="en-US" smtClean="0"/>
-              <a:t>4/9/2025</a:t>
+              <a:t>4/12/2025</a:t>
             </a:fld>
             <a:endParaRPr lang="en-US"/>
           </a:p>
@@ -2990,7 +2990,7 @@
           <a:p>
             <a:fld id="{1600AA4D-5555-491A-B473-7EB4B3175B37}" type="datetimeFigureOut">
               <a:rPr lang="en-US" smtClean="0"/>
-              <a:t>4/9/2025</a:t>
+              <a:t>4/12/2025</a:t>
             </a:fld>
             <a:endParaRPr lang="en-US"/>
           </a:p>
